--- a/08.0 -- 数据存储 -- 第08章.pptx
+++ b/08.0 -- 数据存储 -- 第08章.pptx
@@ -350,7 +350,7 @@
               <a:pPr>
                 <a:defRPr/>
               </a:pPr>
-              <a:t>2020/10/25</a:t>
+              <a:t>2020/11/30</a:t>
             </a:fld>
             <a:endParaRPr lang="zh-CN" altLang="en-US" sz="1200"/>
           </a:p>
@@ -1038,7 +1038,7 @@
             </a:extLst>
           </p:cNvPr>
           <p:cNvSpPr>
-            <a:spLocks noGrp="1" noRot="1" noChangeArrowheads="1"/>
+            <a:spLocks noGrp="1" noRot="1" noChangeAspect="1" noChangeArrowheads="1"/>
           </p:cNvSpPr>
           <p:nvPr>
             <p:ph type="sldImg" idx="4294967295"/>
@@ -1086,7 +1086,7 @@
               <a:pPr algn="r">
                 <a:defRPr/>
               </a:pPr>
-              <a:t>2020/10/25</a:t>
+              <a:t>2020/11/30</a:t>
             </a:fld>
             <a:endParaRPr lang="zh-CN" altLang="en-US" sz="1200">
               <a:sym typeface="+mn-ea"/>
@@ -1426,7 +1426,7 @@
             <a:fld id="{C33D8BF3-04B1-4578-9944-A784348B543C}" type="datetimeFigureOut">
               <a:rPr lang="zh-CN" altLang="en-US"/>
               <a:pPr/>
-              <a:t>2020/10/25</a:t>
+              <a:t>2020/11/30</a:t>
             </a:fld>
             <a:endParaRPr lang="zh-CN" altLang="en-US"/>
           </a:p>
@@ -1625,7 +1625,7 @@
             <a:fld id="{C33D8BF3-04B1-4578-9944-A784348B543C}" type="datetimeFigureOut">
               <a:rPr lang="zh-CN" altLang="en-US"/>
               <a:pPr/>
-              <a:t>2020/10/25</a:t>
+              <a:t>2020/11/30</a:t>
             </a:fld>
             <a:endParaRPr lang="zh-CN" altLang="en-US"/>
           </a:p>
@@ -1774,7 +1774,7 @@
             <a:fld id="{C33D8BF3-04B1-4578-9944-A784348B543C}" type="datetimeFigureOut">
               <a:rPr lang="zh-CN" altLang="en-US"/>
               <a:pPr/>
-              <a:t>2020/10/25</a:t>
+              <a:t>2020/11/30</a:t>
             </a:fld>
             <a:endParaRPr lang="zh-CN" altLang="en-US"/>
           </a:p>
@@ -1923,7 +1923,7 @@
             <a:fld id="{C33D8BF3-04B1-4578-9944-A784348B543C}" type="datetimeFigureOut">
               <a:rPr lang="zh-CN" altLang="en-US"/>
               <a:pPr/>
-              <a:t>2020/10/25</a:t>
+              <a:t>2020/11/30</a:t>
             </a:fld>
             <a:endParaRPr lang="zh-CN" altLang="en-US"/>
           </a:p>
@@ -2125,7 +2125,7 @@
             <a:fld id="{C33D8BF3-04B1-4578-9944-A784348B543C}" type="datetimeFigureOut">
               <a:rPr lang="zh-CN" altLang="en-US"/>
               <a:pPr/>
-              <a:t>2020/10/25</a:t>
+              <a:t>2020/11/30</a:t>
             </a:fld>
             <a:endParaRPr lang="zh-CN" altLang="en-US"/>
           </a:p>
@@ -2514,7 +2514,7 @@
             <a:fld id="{C33D8BF3-04B1-4578-9944-A784348B543C}" type="datetimeFigureOut">
               <a:rPr lang="zh-CN" altLang="en-US"/>
               <a:pPr/>
-              <a:t>2020/10/25</a:t>
+              <a:t>2020/11/30</a:t>
             </a:fld>
             <a:endParaRPr lang="zh-CN" altLang="en-US"/>
           </a:p>
@@ -2782,7 +2782,7 @@
             <a:fld id="{C33D8BF3-04B1-4578-9944-A784348B543C}" type="datetimeFigureOut">
               <a:rPr lang="zh-CN" altLang="en-US"/>
               <a:pPr/>
-              <a:t>2020/10/25</a:t>
+              <a:t>2020/11/30</a:t>
             </a:fld>
             <a:endParaRPr lang="zh-CN" altLang="en-US"/>
           </a:p>
@@ -3185,7 +3185,7 @@
             <a:fld id="{C33D8BF3-04B1-4578-9944-A784348B543C}" type="datetimeFigureOut">
               <a:rPr lang="zh-CN" altLang="en-US"/>
               <a:pPr/>
-              <a:t>2020/10/25</a:t>
+              <a:t>2020/11/30</a:t>
             </a:fld>
             <a:endParaRPr lang="zh-CN" altLang="en-US"/>
           </a:p>
@@ -4674,7 +4674,7 @@
             <a:fld id="{C33D8BF3-04B1-4578-9944-A784348B543C}" type="datetimeFigureOut">
               <a:rPr lang="zh-CN" altLang="en-US"/>
               <a:pPr/>
-              <a:t>2020/10/25</a:t>
+              <a:t>2020/11/30</a:t>
             </a:fld>
             <a:endParaRPr lang="zh-CN" altLang="en-US"/>
           </a:p>
@@ -4801,7 +4801,7 @@
             <a:fld id="{C33D8BF3-04B1-4578-9944-A784348B543C}" type="datetimeFigureOut">
               <a:rPr lang="zh-CN" altLang="en-US"/>
               <a:pPr/>
-              <a:t>2020/10/25</a:t>
+              <a:t>2020/11/30</a:t>
             </a:fld>
             <a:endParaRPr lang="zh-CN" altLang="en-US"/>
           </a:p>
@@ -5017,7 +5017,7 @@
             <a:fld id="{C33D8BF3-04B1-4578-9944-A784348B543C}" type="datetimeFigureOut">
               <a:rPr lang="zh-CN" altLang="en-US"/>
               <a:pPr/>
-              <a:t>2020/10/25</a:t>
+              <a:t>2020/11/30</a:t>
             </a:fld>
             <a:endParaRPr lang="zh-CN" altLang="en-US"/>
           </a:p>
@@ -5239,7 +5239,7 @@
             <a:fld id="{C33D8BF3-04B1-4578-9944-A784348B543C}" type="datetimeFigureOut">
               <a:rPr lang="zh-CN" altLang="en-US"/>
               <a:pPr/>
-              <a:t>2020/10/25</a:t>
+              <a:t>2020/11/30</a:t>
             </a:fld>
             <a:endParaRPr lang="zh-CN" altLang="en-US"/>
           </a:p>
@@ -5649,7 +5649,7 @@
             <a:fld id="{C33D8BF3-04B1-4578-9944-A784348B543C}" type="datetimeFigureOut">
               <a:rPr lang="zh-CN" altLang="en-US"/>
               <a:pPr/>
-              <a:t>2020/10/25</a:t>
+              <a:t>2020/11/30</a:t>
             </a:fld>
             <a:endParaRPr lang="zh-CN" altLang="en-US"/>
           </a:p>
@@ -6358,38 +6358,21 @@
         </p:nvSpPr>
         <p:spPr bwMode="auto">
           <a:xfrm>
-            <a:off x="3825875" y="1276350"/>
-            <a:ext cx="2617788" cy="2332038"/>
+            <a:off x="3825875" y="1347665"/>
+            <a:ext cx="5102225" cy="2289538"/>
           </a:xfrm>
           <a:prstGeom prst="rect">
             <a:avLst/>
           </a:prstGeom>
-          <a:noFill/>
+          <a:solidFill>
+            <a:srgbClr val="414455"/>
+          </a:solidFill>
           <a:ln>
             <a:noFill/>
           </a:ln>
-          <a:extLst>
-            <a:ext uri="{909E8E84-426E-40DD-AFC4-6F175D3DCCD1}">
-              <a14:hiddenFill xmlns:a14="http://schemas.microsoft.com/office/drawing/2010/main">
-                <a:solidFill>
-                  <a:srgbClr val="FFFFFF"/>
-                </a:solidFill>
-              </a14:hiddenFill>
-            </a:ext>
-            <a:ext uri="{91240B29-F687-4F45-9708-019B960494DF}">
-              <a14:hiddenLine xmlns:a14="http://schemas.microsoft.com/office/drawing/2010/main" w="9525">
-                <a:solidFill>
-                  <a:srgbClr val="000000"/>
-                </a:solidFill>
-                <a:miter lim="800000"/>
-                <a:headEnd/>
-                <a:tailEnd/>
-              </a14:hiddenLine>
-            </a:ext>
-          </a:extLst>
         </p:spPr>
         <p:txBody>
-          <a:bodyPr wrap="none" lIns="68580" tIns="34290" rIns="68580" bIns="34290">
+          <a:bodyPr wrap="square" lIns="68580" tIns="34290" rIns="68580" bIns="34290">
             <a:spAutoFit/>
           </a:bodyPr>
           <a:lstStyle>
@@ -6504,143 +6487,210 @@
             </a:lvl9pPr>
           </a:lstStyle>
           <a:p>
-            <a:pPr>
+            <a:pPr marL="0" indent="0">
               <a:lnSpc>
                 <a:spcPct val="150000"/>
               </a:lnSpc>
-              <a:buFont typeface="Wingdings" panose="05000000000000000000" pitchFamily="2" charset="2"/>
-              <a:buChar char="p"/>
             </a:pPr>
             <a:r>
-              <a:rPr lang="en-US" altLang="zh-CN" sz="1400" b="1">
+              <a:rPr lang="en-US" altLang="zh-CN" sz="1400" b="1" dirty="0">
+                <a:solidFill>
+                  <a:schemeClr val="bg1"/>
+                </a:solidFill>
                 <a:sym typeface="+mn-ea"/>
               </a:rPr>
               <a:t>8.1 </a:t>
             </a:r>
             <a:r>
-              <a:rPr lang="en-US" altLang="zh-CN" sz="1400" b="1"/>
+              <a:rPr lang="en-US" altLang="zh-CN" sz="1400" b="1" dirty="0" err="1">
+                <a:solidFill>
+                  <a:schemeClr val="bg1"/>
+                </a:solidFill>
+              </a:rPr>
               <a:t>SharedPreference</a:t>
             </a:r>
             <a:r>
-              <a:rPr lang="zh-CN" altLang="en-US" sz="1400" b="1"/>
+              <a:rPr lang="zh-CN" altLang="en-US" sz="1400" b="1" dirty="0">
+                <a:solidFill>
+                  <a:schemeClr val="bg1"/>
+                </a:solidFill>
+              </a:rPr>
               <a:t>存储</a:t>
             </a:r>
-            <a:endParaRPr lang="en-US" altLang="zh-CN" sz="1400" b="1"/>
-          </a:p>
-          <a:p>
-            <a:pPr>
+            <a:endParaRPr lang="en-US" altLang="zh-CN" sz="1400" b="1" dirty="0">
+              <a:solidFill>
+                <a:schemeClr val="bg1"/>
+              </a:solidFill>
+            </a:endParaRPr>
+          </a:p>
+          <a:p>
+            <a:pPr marL="0" indent="0">
               <a:lnSpc>
                 <a:spcPct val="150000"/>
               </a:lnSpc>
-              <a:buFont typeface="Wingdings" panose="05000000000000000000" pitchFamily="2" charset="2"/>
-              <a:buChar char="p"/>
             </a:pPr>
             <a:r>
-              <a:rPr lang="en-US" altLang="zh-CN" sz="1400" b="1">
+              <a:rPr lang="en-US" altLang="zh-CN" sz="1400" b="1" dirty="0">
+                <a:solidFill>
+                  <a:schemeClr val="bg1"/>
+                </a:solidFill>
                 <a:sym typeface="+mn-ea"/>
               </a:rPr>
               <a:t>8.2 </a:t>
             </a:r>
             <a:r>
-              <a:rPr lang="en-US" altLang="zh-CN" sz="1400" b="1"/>
+              <a:rPr lang="en-US" altLang="zh-CN" sz="1400" b="1" dirty="0">
+                <a:solidFill>
+                  <a:schemeClr val="bg1"/>
+                </a:solidFill>
+              </a:rPr>
               <a:t>SQLite</a:t>
             </a:r>
             <a:r>
-              <a:rPr lang="zh-CN" altLang="en-US" sz="1400" b="1"/>
+              <a:rPr lang="zh-CN" altLang="en-US" sz="1400" b="1" dirty="0">
+                <a:solidFill>
+                  <a:schemeClr val="bg1"/>
+                </a:solidFill>
+              </a:rPr>
               <a:t>存储</a:t>
             </a:r>
-            <a:endParaRPr lang="en-US" altLang="zh-CN" sz="1400" b="1"/>
-          </a:p>
-          <a:p>
-            <a:pPr>
+            <a:endParaRPr lang="en-US" altLang="zh-CN" sz="1400" b="1" dirty="0">
+              <a:solidFill>
+                <a:schemeClr val="bg1"/>
+              </a:solidFill>
+            </a:endParaRPr>
+          </a:p>
+          <a:p>
+            <a:pPr marL="171450" lvl="1">
               <a:lnSpc>
                 <a:spcPct val="150000"/>
               </a:lnSpc>
-              <a:buFont typeface="Wingdings" panose="05000000000000000000" pitchFamily="2" charset="2"/>
-              <a:buChar char="Ø"/>
             </a:pPr>
             <a:r>
-              <a:rPr lang="en-US" altLang="zh-CN" sz="1400"/>
+              <a:rPr lang="en-US" altLang="zh-CN" sz="1400" dirty="0">
+                <a:solidFill>
+                  <a:schemeClr val="bg1"/>
+                </a:solidFill>
+              </a:rPr>
               <a:t>8.2.1 SQLite</a:t>
             </a:r>
             <a:r>
-              <a:rPr lang="zh-CN" altLang="en-US" sz="1400"/>
+              <a:rPr lang="zh-CN" altLang="en-US" sz="1400" dirty="0">
+                <a:solidFill>
+                  <a:schemeClr val="bg1"/>
+                </a:solidFill>
+              </a:rPr>
               <a:t>简介</a:t>
             </a:r>
           </a:p>
           <a:p>
-            <a:pPr>
+            <a:pPr marL="171450" lvl="1">
               <a:lnSpc>
                 <a:spcPct val="150000"/>
               </a:lnSpc>
-              <a:buFont typeface="Wingdings" panose="05000000000000000000" pitchFamily="2" charset="2"/>
-              <a:buChar char="Ø"/>
             </a:pPr>
             <a:r>
-              <a:rPr lang="en-US" altLang="zh-CN" sz="1400"/>
+              <a:rPr lang="en-US" altLang="zh-CN" sz="1400" dirty="0">
+                <a:solidFill>
+                  <a:schemeClr val="bg1"/>
+                </a:solidFill>
+              </a:rPr>
               <a:t>8.2.2 SQLite</a:t>
             </a:r>
             <a:r>
-              <a:rPr lang="zh-CN" altLang="en-US" sz="1400"/>
+              <a:rPr lang="zh-CN" altLang="en-US" sz="1400" dirty="0">
+                <a:solidFill>
+                  <a:schemeClr val="bg1"/>
+                </a:solidFill>
+              </a:rPr>
               <a:t>使用</a:t>
             </a:r>
-            <a:endParaRPr lang="en-US" altLang="zh-CN" sz="1400" b="1"/>
-          </a:p>
-          <a:p>
-            <a:pPr>
+            <a:endParaRPr lang="en-US" altLang="zh-CN" sz="1400" b="1" dirty="0">
+              <a:solidFill>
+                <a:schemeClr val="bg1"/>
+              </a:solidFill>
+            </a:endParaRPr>
+          </a:p>
+          <a:p>
+            <a:pPr marL="0" indent="0">
               <a:lnSpc>
                 <a:spcPct val="150000"/>
               </a:lnSpc>
-              <a:buFont typeface="Wingdings" panose="05000000000000000000" pitchFamily="2" charset="2"/>
-              <a:buChar char="p"/>
             </a:pPr>
             <a:r>
-              <a:rPr lang="en-US" altLang="zh-CN" sz="1400" b="1">
+              <a:rPr lang="en-US" altLang="zh-CN" sz="1400" b="1" dirty="0">
+                <a:solidFill>
+                  <a:schemeClr val="bg1"/>
+                </a:solidFill>
                 <a:sym typeface="+mn-ea"/>
               </a:rPr>
               <a:t>8.3 </a:t>
             </a:r>
             <a:r>
-              <a:rPr lang="en-US" altLang="zh-CN" sz="1400" b="1"/>
+              <a:rPr lang="en-US" altLang="zh-CN" sz="1400" b="1" dirty="0" err="1">
+                <a:solidFill>
+                  <a:schemeClr val="bg1"/>
+                </a:solidFill>
+              </a:rPr>
               <a:t>ContentProvider</a:t>
             </a:r>
             <a:r>
-              <a:rPr lang="zh-CN" altLang="en-US" sz="1400" b="1"/>
+              <a:rPr lang="zh-CN" altLang="en-US" sz="1400" b="1" dirty="0">
+                <a:solidFill>
+                  <a:schemeClr val="bg1"/>
+                </a:solidFill>
+              </a:rPr>
               <a:t>存储</a:t>
             </a:r>
           </a:p>
           <a:p>
-            <a:pPr>
+            <a:pPr marL="0" indent="0">
               <a:lnSpc>
                 <a:spcPct val="150000"/>
               </a:lnSpc>
-              <a:buFont typeface="Wingdings" panose="05000000000000000000" pitchFamily="2" charset="2"/>
-              <a:buChar char="p"/>
             </a:pPr>
             <a:r>
-              <a:rPr lang="en-US" altLang="zh-CN" sz="1400" b="1"/>
+              <a:rPr lang="en-US" altLang="zh-CN" sz="1400" b="1" dirty="0">
+                <a:solidFill>
+                  <a:schemeClr val="bg1"/>
+                </a:solidFill>
+              </a:rPr>
               <a:t>8.4 </a:t>
             </a:r>
             <a:r>
-              <a:rPr lang="zh-CN" altLang="en-US" sz="1400" b="1"/>
+              <a:rPr lang="zh-CN" altLang="en-US" sz="1400" b="1" dirty="0">
+                <a:solidFill>
+                  <a:schemeClr val="bg1"/>
+                </a:solidFill>
+              </a:rPr>
               <a:t>文件存储</a:t>
             </a:r>
-            <a:endParaRPr lang="en-US" altLang="zh-CN" sz="1400" b="1"/>
-          </a:p>
-          <a:p>
-            <a:pPr>
+            <a:endParaRPr lang="en-US" altLang="zh-CN" sz="1400" b="1" dirty="0">
+              <a:solidFill>
+                <a:schemeClr val="bg1"/>
+              </a:solidFill>
+            </a:endParaRPr>
+          </a:p>
+          <a:p>
+            <a:pPr marL="0" indent="0">
               <a:lnSpc>
                 <a:spcPct val="150000"/>
               </a:lnSpc>
-              <a:buFont typeface="Wingdings" panose="05000000000000000000" pitchFamily="2" charset="2"/>
-              <a:buChar char="p"/>
             </a:pPr>
             <a:r>
-              <a:rPr lang="en-US" altLang="zh-CN" sz="1400" b="1"/>
+              <a:rPr lang="en-US" altLang="zh-CN" sz="1400" b="1" dirty="0">
+                <a:solidFill>
+                  <a:schemeClr val="bg1"/>
+                </a:solidFill>
+              </a:rPr>
               <a:t>8.5 </a:t>
             </a:r>
             <a:r>
-              <a:rPr lang="zh-CN" altLang="en-US" sz="1400" b="1"/>
+              <a:rPr lang="zh-CN" altLang="en-US" sz="1400" b="1" dirty="0">
+                <a:solidFill>
+                  <a:schemeClr val="bg1"/>
+                </a:solidFill>
+              </a:rPr>
               <a:t>本章小结</a:t>
             </a:r>
           </a:p>
@@ -6713,8 +6763,8 @@
         </p:nvSpPr>
         <p:spPr>
           <a:xfrm>
-            <a:off x="3608388" y="3665538"/>
-            <a:ext cx="5319712" cy="201612"/>
+            <a:off x="3825874" y="3795835"/>
+            <a:ext cx="5102226" cy="201612"/>
           </a:xfrm>
           <a:prstGeom prst="rect">
             <a:avLst/>
@@ -7174,7 +7224,7 @@
     </p:tnLst>
     <p:bldLst>
       <p:bldP spid="2" grpId="0" bldLvl="0" animBg="1"/>
-      <p:bldP spid="5" grpId="0"/>
+      <p:bldP spid="5" grpId="0" animBg="1"/>
       <p:bldP spid="10" grpId="0" bldLvl="0" animBg="1"/>
       <p:bldP spid="11" grpId="0" bldLvl="0" animBg="1"/>
     </p:bldLst>
@@ -7467,25 +7517,31 @@
           <p:cNvGraphicFramePr>
             <a:graphicFrameLocks noGrp="1"/>
           </p:cNvGraphicFramePr>
-          <p:nvPr/>
+          <p:nvPr>
+            <p:extLst>
+              <p:ext uri="{D42A27DB-BD31-4B8C-83A1-F6EECF244321}">
+                <p14:modId xmlns:p14="http://schemas.microsoft.com/office/powerpoint/2010/main" val="3335226573"/>
+              </p:ext>
+            </p:extLst>
+          </p:nvPr>
         </p:nvGraphicFramePr>
         <p:xfrm>
-          <a:off x="682625" y="1901825"/>
-          <a:ext cx="8021638" cy="2416175"/>
+          <a:off x="505795" y="1876698"/>
+          <a:ext cx="8122322" cy="1551771"/>
         </p:xfrm>
         <a:graphic>
           <a:graphicData uri="http://schemas.openxmlformats.org/drawingml/2006/table">
             <a:tbl>
               <a:tblPr/>
               <a:tblGrid>
-                <a:gridCol w="2767221">
+                <a:gridCol w="2391568">
                   <a:extLst>
                     <a:ext uri="{9D8B030D-6E8A-4147-A177-3AD203B41FA5}">
                       <a16:colId xmlns:a16="http://schemas.microsoft.com/office/drawing/2014/main" val="20000"/>
                     </a:ext>
                   </a:extLst>
                 </a:gridCol>
-                <a:gridCol w="5254417">
+                <a:gridCol w="5730754">
                   <a:extLst>
                     <a:ext uri="{9D8B030D-6E8A-4147-A177-3AD203B41FA5}">
                       <a16:colId xmlns:a16="http://schemas.microsoft.com/office/drawing/2014/main" val="20001"/>
@@ -7493,7 +7549,7 @@
                   </a:extLst>
                 </a:gridCol>
               </a:tblGrid>
-              <a:tr h="609125">
+              <a:tr h="346577">
                 <a:tc>
                   <a:txBody>
                     <a:bodyPr/>
@@ -7632,37 +7688,6 @@
                         </a:defRPr>
                       </a:lvl9pPr>
                     </a:lstStyle>
-                    <a:p>
-                      <a:pPr marL="0" marR="0" lvl="0" indent="0" algn="l" defTabSz="914400" rtl="0" eaLnBrk="1" fontAlgn="base" latinLnBrk="0" hangingPunct="1">
-                        <a:lnSpc>
-                          <a:spcPct val="100000"/>
-                        </a:lnSpc>
-                        <a:spcBef>
-                          <a:spcPct val="20000"/>
-                        </a:spcBef>
-                        <a:spcAft>
-                          <a:spcPct val="0"/>
-                        </a:spcAft>
-                        <a:buClr>
-                          <a:schemeClr val="hlink"/>
-                        </a:buClr>
-                        <a:buSzTx/>
-                        <a:buFont typeface="Wingdings" panose="05000000000000000000" pitchFamily="2" charset="2"/>
-                        <a:buNone/>
-                      </a:pPr>
-                      <a:endParaRPr kumimoji="0" lang="zh-CN" altLang="en-US" sz="1400" b="0" i="0" u="none" strike="noStrike" cap="none" normalizeH="0" baseline="0">
-                        <a:ln>
-                          <a:noFill/>
-                        </a:ln>
-                        <a:solidFill>
-                          <a:schemeClr val="tx1"/>
-                        </a:solidFill>
-                        <a:effectLst/>
-                        <a:latin typeface="微软雅黑" panose="020B0503020204020204" pitchFamily="34" charset="-122"/>
-                        <a:ea typeface="微软雅黑" panose="020B0503020204020204" pitchFamily="34" charset="-122"/>
-                        <a:sym typeface="微软雅黑" panose="020B0503020204020204" pitchFamily="34" charset="-122"/>
-                      </a:endParaRPr>
-                    </a:p>
                     <a:p>
                       <a:pPr marL="0" marR="0" lvl="0" indent="0" algn="l" defTabSz="914400" rtl="0" eaLnBrk="1" fontAlgn="base" latinLnBrk="0" hangingPunct="1">
                         <a:lnSpc>
@@ -7682,7 +7707,7 @@
                         <a:buNone/>
                       </a:pPr>
                       <a:r>
-                        <a:rPr kumimoji="0" lang="en-US" altLang="zh-CN" sz="1400" b="0" i="0" u="none" strike="noStrike" cap="none" normalizeH="0" baseline="0">
+                        <a:rPr kumimoji="0" lang="en-US" altLang="zh-CN" sz="1400" b="0" i="0" u="none" strike="noStrike" cap="none" normalizeH="0" baseline="0" dirty="0">
                           <a:ln>
                             <a:noFill/>
                           </a:ln>
@@ -7696,7 +7721,7 @@
                         </a:rPr>
                         <a:t>contains(String key) </a:t>
                       </a:r>
-                      <a:endParaRPr kumimoji="0" lang="zh-CN" altLang="en-US" sz="1400" b="0" i="0" u="none" strike="noStrike" cap="none" normalizeH="0" baseline="0">
+                      <a:endParaRPr kumimoji="0" lang="zh-CN" altLang="en-US" sz="1400" b="0" i="0" u="none" strike="noStrike" cap="none" normalizeH="0" baseline="0" dirty="0">
                         <a:ln>
                           <a:noFill/>
                         </a:ln>
@@ -7913,7 +7938,7 @@
                         <a:buNone/>
                       </a:pPr>
                       <a:r>
-                        <a:rPr kumimoji="0" lang="zh-CN" altLang="en-US" sz="1400" b="0" i="0" u="none" strike="noStrike" cap="none" normalizeH="0" baseline="0">
+                        <a:rPr kumimoji="0" lang="zh-CN" altLang="en-US" sz="1400" b="0" i="0" u="none" strike="noStrike" cap="none" normalizeH="0" baseline="0" dirty="0">
                           <a:ln>
                             <a:noFill/>
                           </a:ln>
@@ -7928,7 +7953,7 @@
                         <a:t>判断</a:t>
                       </a:r>
                       <a:r>
-                        <a:rPr kumimoji="0" lang="en-US" altLang="zh-CN" sz="1400" b="0" i="0" u="none" strike="noStrike" cap="none" normalizeH="0" baseline="0">
+                        <a:rPr kumimoji="0" lang="en-US" altLang="zh-CN" sz="1400" b="0" i="0" u="none" strike="noStrike" cap="none" normalizeH="0" baseline="0" dirty="0" err="1">
                           <a:ln>
                             <a:noFill/>
                           </a:ln>
@@ -7943,7 +7968,7 @@
                         <a:t>SharedPreferences</a:t>
                       </a:r>
                       <a:r>
-                        <a:rPr kumimoji="0" lang="zh-CN" altLang="en-US" sz="1400" b="0" i="0" u="none" strike="noStrike" cap="none" normalizeH="0" baseline="0">
+                        <a:rPr kumimoji="0" lang="zh-CN" altLang="en-US" sz="1400" b="0" i="0" u="none" strike="noStrike" cap="none" normalizeH="0" baseline="0" dirty="0">
                           <a:ln>
                             <a:noFill/>
                           </a:ln>
@@ -7958,7 +7983,7 @@
                         <a:t>是否包含特定名称为键（</a:t>
                       </a:r>
                       <a:r>
-                        <a:rPr kumimoji="0" lang="en-US" altLang="zh-CN" sz="1400" b="0" i="0" u="none" strike="noStrike" cap="none" normalizeH="0" baseline="0">
+                        <a:rPr kumimoji="0" lang="en-US" altLang="zh-CN" sz="1400" b="0" i="0" u="none" strike="noStrike" cap="none" normalizeH="0" baseline="0" dirty="0">
                           <a:ln>
                             <a:noFill/>
                           </a:ln>
@@ -7973,7 +7998,7 @@
                         <a:t>key</a:t>
                       </a:r>
                       <a:r>
-                        <a:rPr kumimoji="0" lang="zh-CN" altLang="en-US" sz="1400" b="0" i="0" u="none" strike="noStrike" cap="none" normalizeH="0" baseline="0">
+                        <a:rPr kumimoji="0" lang="zh-CN" altLang="en-US" sz="1400" b="0" i="0" u="none" strike="noStrike" cap="none" normalizeH="0" baseline="0" dirty="0">
                           <a:ln>
                             <a:noFill/>
                           </a:ln>
@@ -7987,7 +8012,7 @@
                         </a:rPr>
                         <a:t>）的数据。 </a:t>
                       </a:r>
-                      <a:endParaRPr kumimoji="0" lang="zh-CN" altLang="en-US" sz="2800" b="0" i="0" u="none" strike="noStrike" cap="none" normalizeH="0" baseline="0">
+                      <a:endParaRPr kumimoji="0" lang="zh-CN" altLang="en-US" sz="2800" b="0" i="0" u="none" strike="noStrike" cap="none" normalizeH="0" baseline="0" dirty="0">
                         <a:ln>
                           <a:noFill/>
                         </a:ln>
@@ -8053,7 +8078,7 @@
                   </a:ext>
                 </a:extLst>
               </a:tr>
-              <a:tr h="598962">
+              <a:tr h="340794">
                 <a:tc>
                   <a:txBody>
                     <a:bodyPr/>
@@ -8192,37 +8217,6 @@
                         </a:defRPr>
                       </a:lvl9pPr>
                     </a:lstStyle>
-                    <a:p>
-                      <a:pPr marL="0" marR="0" lvl="0" indent="0" algn="l" defTabSz="914400" rtl="0" eaLnBrk="1" fontAlgn="base" latinLnBrk="0" hangingPunct="1">
-                        <a:lnSpc>
-                          <a:spcPct val="100000"/>
-                        </a:lnSpc>
-                        <a:spcBef>
-                          <a:spcPct val="20000"/>
-                        </a:spcBef>
-                        <a:spcAft>
-                          <a:spcPct val="0"/>
-                        </a:spcAft>
-                        <a:buClr>
-                          <a:schemeClr val="hlink"/>
-                        </a:buClr>
-                        <a:buSzTx/>
-                        <a:buFont typeface="Wingdings" panose="05000000000000000000" pitchFamily="2" charset="2"/>
-                        <a:buNone/>
-                      </a:pPr>
-                      <a:endParaRPr kumimoji="0" lang="zh-CN" altLang="en-US" sz="1400" b="0" i="0" u="none" strike="noStrike" cap="none" normalizeH="0" baseline="0">
-                        <a:ln>
-                          <a:noFill/>
-                        </a:ln>
-                        <a:solidFill>
-                          <a:schemeClr val="tx1"/>
-                        </a:solidFill>
-                        <a:effectLst/>
-                        <a:latin typeface="微软雅黑" panose="020B0503020204020204" pitchFamily="34" charset="-122"/>
-                        <a:ea typeface="微软雅黑" panose="020B0503020204020204" pitchFamily="34" charset="-122"/>
-                        <a:sym typeface="微软雅黑" panose="020B0503020204020204" pitchFamily="34" charset="-122"/>
-                      </a:endParaRPr>
-                    </a:p>
                     <a:p>
                       <a:pPr marL="0" marR="0" lvl="0" indent="0" algn="l" defTabSz="914400" rtl="0" eaLnBrk="1" fontAlgn="base" latinLnBrk="0" hangingPunct="1">
                         <a:lnSpc>
@@ -8242,7 +8236,7 @@
                         <a:buNone/>
                       </a:pPr>
                       <a:r>
-                        <a:rPr kumimoji="0" lang="en-US" altLang="zh-CN" sz="1400" b="0" i="0" u="none" strike="noStrike" cap="none" normalizeH="0" baseline="0">
+                        <a:rPr kumimoji="0" lang="en-US" altLang="zh-CN" sz="1400" b="0" i="0" u="none" strike="noStrike" cap="none" normalizeH="0" baseline="0" dirty="0">
                           <a:ln>
                             <a:noFill/>
                           </a:ln>
@@ -8256,7 +8250,7 @@
                         </a:rPr>
                         <a:t>edit() </a:t>
                       </a:r>
-                      <a:endParaRPr kumimoji="0" lang="zh-CN" altLang="en-US" sz="1400" b="0" i="0" u="none" strike="noStrike" cap="none" normalizeH="0" baseline="0">
+                      <a:endParaRPr kumimoji="0" lang="zh-CN" altLang="en-US" sz="1400" b="0" i="0" u="none" strike="noStrike" cap="none" normalizeH="0" baseline="0" dirty="0">
                         <a:ln>
                           <a:noFill/>
                         </a:ln>
@@ -8473,7 +8467,7 @@
                         <a:buNone/>
                       </a:pPr>
                       <a:r>
-                        <a:rPr kumimoji="0" lang="zh-CN" altLang="en-US" sz="1400" b="0" i="0" u="none" strike="noStrike" cap="none" normalizeH="0" baseline="0">
+                        <a:rPr kumimoji="0" lang="zh-CN" altLang="en-US" sz="1400" b="0" i="0" u="none" strike="noStrike" cap="none" normalizeH="0" baseline="0" dirty="0">
                           <a:ln>
                             <a:noFill/>
                           </a:ln>
@@ -8488,7 +8482,7 @@
                         <a:t>返回一个</a:t>
                       </a:r>
                       <a:r>
-                        <a:rPr kumimoji="0" lang="en-US" altLang="zh-CN" sz="1400" b="0" i="0" u="none" strike="noStrike" cap="none" normalizeH="0" baseline="0">
+                        <a:rPr kumimoji="0" lang="en-US" altLang="zh-CN" sz="1400" b="0" i="0" u="none" strike="noStrike" cap="none" normalizeH="0" baseline="0" dirty="0">
                           <a:ln>
                             <a:noFill/>
                           </a:ln>
@@ -8503,7 +8497,7 @@
                         <a:t>Edit</a:t>
                       </a:r>
                       <a:r>
-                        <a:rPr kumimoji="0" lang="zh-CN" altLang="en-US" sz="1400" b="0" i="0" u="none" strike="noStrike" cap="none" normalizeH="0" baseline="0">
+                        <a:rPr kumimoji="0" lang="zh-CN" altLang="en-US" sz="1400" b="0" i="0" u="none" strike="noStrike" cap="none" normalizeH="0" baseline="0" dirty="0">
                           <a:ln>
                             <a:noFill/>
                           </a:ln>
@@ -8518,7 +8512,7 @@
                         <a:t>对象用于操作</a:t>
                       </a:r>
                       <a:r>
-                        <a:rPr kumimoji="0" lang="en-US" altLang="zh-CN" sz="1400" b="0" i="0" u="none" strike="noStrike" cap="none" normalizeH="0" baseline="0">
+                        <a:rPr kumimoji="0" lang="en-US" altLang="zh-CN" sz="1400" b="0" i="0" u="none" strike="noStrike" cap="none" normalizeH="0" baseline="0" dirty="0" err="1">
                           <a:ln>
                             <a:noFill/>
                           </a:ln>
@@ -8533,7 +8527,7 @@
                         <a:t>SharedPreferences</a:t>
                       </a:r>
                       <a:r>
-                        <a:rPr kumimoji="0" lang="zh-CN" altLang="en-US" sz="1400" b="0" i="0" u="none" strike="noStrike" cap="none" normalizeH="0" baseline="0">
+                        <a:rPr kumimoji="0" lang="zh-CN" altLang="en-US" sz="1400" b="0" i="0" u="none" strike="noStrike" cap="none" normalizeH="0" baseline="0" dirty="0">
                           <a:ln>
                             <a:noFill/>
                           </a:ln>
@@ -8548,7 +8542,7 @@
                         <a:t>，返回值类型为</a:t>
                       </a:r>
                       <a:r>
-                        <a:rPr kumimoji="0" lang="en-US" altLang="zh-CN" sz="1400" b="0" i="0" u="none" strike="noStrike" cap="none" normalizeH="0" baseline="0">
+                        <a:rPr kumimoji="0" lang="en-US" altLang="zh-CN" sz="1400" b="0" i="0" u="none" strike="noStrike" cap="none" normalizeH="0" baseline="0" dirty="0">
                           <a:ln>
                             <a:noFill/>
                           </a:ln>
@@ -8563,7 +8557,7 @@
                         <a:t>Editor</a:t>
                       </a:r>
                       <a:r>
-                        <a:rPr kumimoji="0" lang="zh-CN" altLang="en-US" sz="1400" b="0" i="0" u="none" strike="noStrike" cap="none" normalizeH="0" baseline="0">
+                        <a:rPr kumimoji="0" lang="zh-CN" altLang="en-US" sz="1400" b="0" i="0" u="none" strike="noStrike" cap="none" normalizeH="0" baseline="0" dirty="0">
                           <a:ln>
                             <a:noFill/>
                           </a:ln>
@@ -8575,9 +8569,9 @@
                           <a:ea typeface="微软雅黑" panose="020B0503020204020204" pitchFamily="34" charset="-122"/>
                           <a:sym typeface="微软雅黑" panose="020B0503020204020204" pitchFamily="34" charset="-122"/>
                         </a:rPr>
-                        <a:t>。 </a:t>
+                        <a:t>。</a:t>
                       </a:r>
-                      <a:endParaRPr kumimoji="0" lang="zh-CN" altLang="en-US" sz="2800" b="0" i="0" u="none" strike="noStrike" cap="none" normalizeH="0" baseline="0">
+                      <a:endParaRPr kumimoji="0" lang="zh-CN" altLang="en-US" sz="2800" b="0" i="0" u="none" strike="noStrike" cap="none" normalizeH="0" baseline="0" dirty="0">
                         <a:ln>
                           <a:noFill/>
                         </a:ln>
@@ -8643,7 +8637,7 @@
                   </a:ext>
                 </a:extLst>
               </a:tr>
-              <a:tr h="608490">
+              <a:tr h="346216">
                 <a:tc>
                   <a:txBody>
                     <a:bodyPr/>
@@ -8782,37 +8776,6 @@
                         </a:defRPr>
                       </a:lvl9pPr>
                     </a:lstStyle>
-                    <a:p>
-                      <a:pPr marL="0" marR="0" lvl="0" indent="0" algn="l" defTabSz="914400" rtl="0" eaLnBrk="1" fontAlgn="base" latinLnBrk="0" hangingPunct="1">
-                        <a:lnSpc>
-                          <a:spcPct val="100000"/>
-                        </a:lnSpc>
-                        <a:spcBef>
-                          <a:spcPct val="20000"/>
-                        </a:spcBef>
-                        <a:spcAft>
-                          <a:spcPct val="0"/>
-                        </a:spcAft>
-                        <a:buClr>
-                          <a:schemeClr val="hlink"/>
-                        </a:buClr>
-                        <a:buSzTx/>
-                        <a:buFont typeface="Wingdings" panose="05000000000000000000" pitchFamily="2" charset="2"/>
-                        <a:buNone/>
-                      </a:pPr>
-                      <a:endParaRPr kumimoji="0" lang="zh-CN" altLang="en-US" sz="1400" b="0" i="0" u="none" strike="noStrike" cap="none" normalizeH="0" baseline="0">
-                        <a:ln>
-                          <a:noFill/>
-                        </a:ln>
-                        <a:solidFill>
-                          <a:schemeClr val="tx1"/>
-                        </a:solidFill>
-                        <a:effectLst/>
-                        <a:latin typeface="微软雅黑" panose="020B0503020204020204" pitchFamily="34" charset="-122"/>
-                        <a:ea typeface="微软雅黑" panose="020B0503020204020204" pitchFamily="34" charset="-122"/>
-                        <a:sym typeface="微软雅黑" panose="020B0503020204020204" pitchFamily="34" charset="-122"/>
-                      </a:endParaRPr>
-                    </a:p>
                     <a:p>
                       <a:pPr marL="0" marR="0" lvl="0" indent="0" algn="l" defTabSz="914400" rtl="0" eaLnBrk="1" fontAlgn="base" latinLnBrk="0" hangingPunct="1">
                         <a:lnSpc>
@@ -8832,7 +8795,7 @@
                         <a:buNone/>
                       </a:pPr>
                       <a:r>
-                        <a:rPr kumimoji="0" lang="en-US" altLang="zh-CN" sz="1400" b="0" i="0" u="none" strike="noStrike" cap="none" normalizeH="0" baseline="0">
+                        <a:rPr kumimoji="0" lang="en-US" altLang="zh-CN" sz="1400" b="0" i="0" u="none" strike="noStrike" cap="none" normalizeH="0" baseline="0" dirty="0" err="1">
                           <a:ln>
                             <a:noFill/>
                           </a:ln>
@@ -8844,9 +8807,24 @@
                           <a:ea typeface="微软雅黑" panose="020B0503020204020204" pitchFamily="34" charset="-122"/>
                           <a:sym typeface="微软雅黑" panose="020B0503020204020204" pitchFamily="34" charset="-122"/>
                         </a:rPr>
-                        <a:t>getAll() </a:t>
+                        <a:t>getAll</a:t>
                       </a:r>
-                      <a:endParaRPr kumimoji="0" lang="zh-CN" altLang="en-US" sz="1400" b="0" i="0" u="none" strike="noStrike" cap="none" normalizeH="0" baseline="0">
+                      <a:r>
+                        <a:rPr kumimoji="0" lang="en-US" altLang="zh-CN" sz="1400" b="0" i="0" u="none" strike="noStrike" cap="none" normalizeH="0" baseline="0" dirty="0">
+                          <a:ln>
+                            <a:noFill/>
+                          </a:ln>
+                          <a:solidFill>
+                            <a:schemeClr val="tx1"/>
+                          </a:solidFill>
+                          <a:effectLst/>
+                          <a:latin typeface="微软雅黑" panose="020B0503020204020204" pitchFamily="34" charset="-122"/>
+                          <a:ea typeface="微软雅黑" panose="020B0503020204020204" pitchFamily="34" charset="-122"/>
+                          <a:sym typeface="微软雅黑" panose="020B0503020204020204" pitchFamily="34" charset="-122"/>
+                        </a:rPr>
+                        <a:t>() </a:t>
+                      </a:r>
+                      <a:endParaRPr kumimoji="0" lang="zh-CN" altLang="en-US" sz="1400" b="0" i="0" u="none" strike="noStrike" cap="none" normalizeH="0" baseline="0" dirty="0">
                         <a:ln>
                           <a:noFill/>
                         </a:ln>
@@ -9203,7 +9181,7 @@
                   </a:ext>
                 </a:extLst>
               </a:tr>
-              <a:tr h="599598">
+              <a:tr h="384947">
                 <a:tc>
                   <a:txBody>
                     <a:bodyPr/>
@@ -9592,7 +9570,7 @@
                         <a:buNone/>
                       </a:pPr>
                       <a:r>
-                        <a:rPr kumimoji="0" lang="zh-CN" altLang="en-US" sz="1400" b="0" i="0" u="none" strike="noStrike" cap="none" normalizeH="0" baseline="0">
+                        <a:rPr kumimoji="0" lang="zh-CN" altLang="en-US" sz="1400" b="0" i="0" u="none" strike="noStrike" cap="none" normalizeH="0" baseline="0" dirty="0">
                           <a:ln>
                             <a:noFill/>
                           </a:ln>
@@ -9607,7 +9585,7 @@
                         <a:t>获取</a:t>
                       </a:r>
                       <a:r>
-                        <a:rPr kumimoji="0" lang="en-US" altLang="zh-CN" sz="1400" b="0" i="0" u="none" strike="noStrike" cap="none" normalizeH="0" baseline="0">
+                        <a:rPr kumimoji="0" lang="en-US" altLang="zh-CN" sz="1400" b="0" i="0" u="none" strike="noStrike" cap="none" normalizeH="0" baseline="0" dirty="0" err="1">
                           <a:ln>
                             <a:noFill/>
                           </a:ln>
@@ -9622,7 +9600,7 @@
                         <a:t>SharedPreferences</a:t>
                       </a:r>
                       <a:r>
-                        <a:rPr kumimoji="0" lang="zh-CN" altLang="en-US" sz="1400" b="0" i="0" u="none" strike="noStrike" cap="none" normalizeH="0" baseline="0">
+                        <a:rPr kumimoji="0" lang="zh-CN" altLang="en-US" sz="1400" b="0" i="0" u="none" strike="noStrike" cap="none" normalizeH="0" baseline="0" dirty="0">
                           <a:ln>
                             <a:noFill/>
                           </a:ln>
@@ -9637,7 +9615,7 @@
                         <a:t>指定键（</a:t>
                       </a:r>
                       <a:r>
-                        <a:rPr kumimoji="0" lang="en-US" altLang="zh-CN" sz="1400" b="0" i="0" u="none" strike="noStrike" cap="none" normalizeH="0" baseline="0">
+                        <a:rPr kumimoji="0" lang="en-US" altLang="zh-CN" sz="1400" b="0" i="0" u="none" strike="noStrike" cap="none" normalizeH="0" baseline="0" dirty="0">
                           <a:ln>
                             <a:noFill/>
                           </a:ln>
@@ -9652,7 +9630,7 @@
                         <a:t>key</a:t>
                       </a:r>
                       <a:r>
-                        <a:rPr kumimoji="0" lang="zh-CN" altLang="en-US" sz="1400" b="0" i="0" u="none" strike="noStrike" cap="none" normalizeH="0" baseline="0">
+                        <a:rPr kumimoji="0" lang="zh-CN" altLang="en-US" sz="1400" b="0" i="0" u="none" strike="noStrike" cap="none" normalizeH="0" baseline="0" dirty="0">
                           <a:ln>
                             <a:noFill/>
                           </a:ln>
@@ -9667,7 +9645,7 @@
                         <a:t>）所对应的值（</a:t>
                       </a:r>
                       <a:r>
-                        <a:rPr kumimoji="0" lang="en-US" altLang="zh-CN" sz="1400" b="0" i="0" u="none" strike="noStrike" cap="none" normalizeH="0" baseline="0">
+                        <a:rPr kumimoji="0" lang="en-US" altLang="zh-CN" sz="1400" b="0" i="0" u="none" strike="noStrike" cap="none" normalizeH="0" baseline="0" dirty="0">
                           <a:ln>
                             <a:noFill/>
                           </a:ln>
@@ -9682,7 +9660,7 @@
                         <a:t>value</a:t>
                       </a:r>
                       <a:r>
-                        <a:rPr kumimoji="0" lang="zh-CN" altLang="en-US" sz="1400" b="0" i="0" u="none" strike="noStrike" cap="none" normalizeH="0" baseline="0">
+                        <a:rPr kumimoji="0" lang="zh-CN" altLang="en-US" sz="1400" b="0" i="0" u="none" strike="noStrike" cap="none" normalizeH="0" baseline="0" dirty="0">
                           <a:ln>
                             <a:noFill/>
                           </a:ln>
@@ -9697,7 +9675,7 @@
                         <a:t>），其中</a:t>
                       </a:r>
                       <a:r>
-                        <a:rPr kumimoji="0" lang="en-US" altLang="zh-CN" sz="1400" b="0" i="0" u="none" strike="noStrike" cap="none" normalizeH="0" baseline="0">
+                        <a:rPr kumimoji="0" lang="en-US" altLang="zh-CN" sz="1400" b="0" i="0" u="none" strike="noStrike" cap="none" normalizeH="0" baseline="0" dirty="0" err="1">
                           <a:ln>
                             <a:noFill/>
                           </a:ln>
@@ -9712,7 +9690,7 @@
                         <a:t>Xxx</a:t>
                       </a:r>
                       <a:r>
-                        <a:rPr kumimoji="0" lang="zh-CN" altLang="en-US" sz="1400" b="0" i="0" u="none" strike="noStrike" cap="none" normalizeH="0" baseline="0">
+                        <a:rPr kumimoji="0" lang="zh-CN" altLang="en-US" sz="1400" b="0" i="0" u="none" strike="noStrike" cap="none" normalizeH="0" baseline="0" dirty="0">
                           <a:ln>
                             <a:noFill/>
                           </a:ln>
@@ -9726,7 +9704,7 @@
                         </a:rPr>
                         <a:t>表示不同的数据类型。 </a:t>
                       </a:r>
-                      <a:endParaRPr kumimoji="0" lang="zh-CN" altLang="en-US" sz="2800" b="0" i="0" u="none" strike="noStrike" cap="none" normalizeH="0" baseline="0">
+                      <a:endParaRPr kumimoji="0" lang="zh-CN" altLang="en-US" sz="2800" b="0" i="0" u="none" strike="noStrike" cap="none" normalizeH="0" baseline="0" dirty="0">
                         <a:ln>
                           <a:noFill/>
                         </a:ln>
@@ -10170,11 +10148,17 @@
           <p:cNvGraphicFramePr>
             <a:graphicFrameLocks noGrp="1"/>
           </p:cNvGraphicFramePr>
-          <p:nvPr/>
+          <p:nvPr>
+            <p:extLst>
+              <p:ext uri="{D42A27DB-BD31-4B8C-83A1-F6EECF244321}">
+                <p14:modId xmlns:p14="http://schemas.microsoft.com/office/powerpoint/2010/main" val="4180701113"/>
+              </p:ext>
+            </p:extLst>
+          </p:nvPr>
         </p:nvGraphicFramePr>
         <p:xfrm>
-          <a:off x="228600" y="1435100"/>
-          <a:ext cx="8724900" cy="3328988"/>
+          <a:off x="209550" y="1491675"/>
+          <a:ext cx="8724900" cy="2243328"/>
         </p:xfrm>
         <a:graphic>
           <a:graphicData uri="http://schemas.openxmlformats.org/drawingml/2006/table">
@@ -10196,7 +10180,7 @@
                   </a:extLst>
                 </a:gridCol>
               </a:tblGrid>
-              <a:tr h="488950">
+              <a:tr h="210282">
                 <a:tc>
                   <a:txBody>
                     <a:bodyPr/>
@@ -10695,7 +10679,7 @@
                   </a:ext>
                 </a:extLst>
               </a:tr>
-              <a:tr h="735013">
+              <a:tr h="386919">
                 <a:tc>
                   <a:txBody>
                     <a:bodyPr/>
@@ -11318,7 +11302,7 @@
                   </a:ext>
                 </a:extLst>
               </a:tr>
-              <a:tr h="1371600">
+              <a:tr h="740192">
                 <a:tc>
                   <a:txBody>
                     <a:bodyPr/>
@@ -11475,7 +11459,7 @@
                         <a:buFont typeface="Wingdings" panose="05000000000000000000" pitchFamily="2" charset="2"/>
                         <a:buNone/>
                       </a:pPr>
-                      <a:endParaRPr kumimoji="0" lang="zh-CN" altLang="en-US" sz="1400" b="0" i="0" u="none" strike="noStrike" cap="none" normalizeH="0" baseline="0">
+                      <a:endParaRPr kumimoji="0" lang="zh-CN" altLang="en-US" sz="1400" b="0" i="0" u="none" strike="noStrike" cap="none" normalizeH="0" baseline="0" dirty="0">
                         <a:ln>
                           <a:noFill/>
                         </a:ln>
@@ -11506,7 +11490,7 @@
                         <a:buFont typeface="Wingdings" panose="05000000000000000000" pitchFamily="2" charset="2"/>
                         <a:buNone/>
                       </a:pPr>
-                      <a:endParaRPr kumimoji="0" lang="zh-CN" altLang="en-US" sz="1400" b="0" i="0" u="none" strike="noStrike" cap="none" normalizeH="0" baseline="0">
+                      <a:endParaRPr kumimoji="0" lang="zh-CN" altLang="en-US" sz="1400" b="0" i="0" u="none" strike="noStrike" cap="none" normalizeH="0" baseline="0" dirty="0">
                         <a:ln>
                           <a:noFill/>
                         </a:ln>
@@ -11538,7 +11522,7 @@
                         <a:buNone/>
                       </a:pPr>
                       <a:r>
-                        <a:rPr kumimoji="0" lang="en-US" altLang="zh-CN" sz="1400" b="0" i="0" u="none" strike="noStrike" cap="none" normalizeH="0" baseline="0">
+                        <a:rPr kumimoji="0" lang="en-US" altLang="zh-CN" sz="1400" b="0" i="0" u="none" strike="noStrike" cap="none" normalizeH="0" baseline="0" dirty="0">
                           <a:ln>
                             <a:noFill/>
                           </a:ln>
@@ -11552,7 +11536,7 @@
                         </a:rPr>
                         <a:t>commit() </a:t>
                       </a:r>
-                      <a:endParaRPr kumimoji="0" lang="zh-CN" altLang="en-US" sz="1400" b="0" i="0" u="none" strike="noStrike" cap="none" normalizeH="0" baseline="0">
+                      <a:endParaRPr kumimoji="0" lang="zh-CN" altLang="en-US" sz="1400" b="0" i="0" u="none" strike="noStrike" cap="none" normalizeH="0" baseline="0" dirty="0">
                         <a:ln>
                           <a:noFill/>
                         </a:ln>
@@ -11769,7 +11753,7 @@
                         <a:buNone/>
                       </a:pPr>
                       <a:r>
-                        <a:rPr kumimoji="0" lang="zh-CN" altLang="en-US" sz="1400" b="0" i="0" u="none" strike="noStrike" cap="none" normalizeH="0" baseline="0">
+                        <a:rPr kumimoji="0" lang="zh-CN" altLang="en-US" sz="1400" b="0" i="0" u="none" strike="noStrike" cap="none" normalizeH="0" baseline="0" dirty="0">
                           <a:ln>
                             <a:noFill/>
                           </a:ln>
@@ -11784,7 +11768,7 @@
                         <a:t>当</a:t>
                       </a:r>
                       <a:r>
-                        <a:rPr kumimoji="0" lang="en-US" altLang="zh-CN" sz="1400" b="0" i="0" u="none" strike="noStrike" cap="none" normalizeH="0" baseline="0">
+                        <a:rPr kumimoji="0" lang="en-US" altLang="zh-CN" sz="1400" b="0" i="0" u="none" strike="noStrike" cap="none" normalizeH="0" baseline="0" dirty="0">
                           <a:ln>
                             <a:noFill/>
                           </a:ln>
@@ -11799,7 +11783,7 @@
                         <a:t>Editor</a:t>
                       </a:r>
                       <a:r>
-                        <a:rPr kumimoji="0" lang="zh-CN" altLang="en-US" sz="1400" b="0" i="0" u="none" strike="noStrike" cap="none" normalizeH="0" baseline="0">
+                        <a:rPr kumimoji="0" lang="zh-CN" altLang="en-US" sz="1400" b="0" i="0" u="none" strike="noStrike" cap="none" normalizeH="0" baseline="0" dirty="0">
                           <a:ln>
                             <a:noFill/>
                           </a:ln>
@@ -11833,7 +11817,7 @@
                         <a:buNone/>
                       </a:pPr>
                       <a:r>
-                        <a:rPr kumimoji="0" lang="zh-CN" altLang="en-US" sz="1400" b="0" i="0" u="none" strike="noStrike" cap="none" normalizeH="0" baseline="0">
+                        <a:rPr kumimoji="0" lang="zh-CN" altLang="en-US" sz="1400" b="0" i="0" u="none" strike="noStrike" cap="none" normalizeH="0" baseline="0" dirty="0">
                           <a:ln>
                             <a:noFill/>
                           </a:ln>
@@ -11848,7 +11832,7 @@
                         <a:t>无论对</a:t>
                       </a:r>
                       <a:r>
-                        <a:rPr kumimoji="0" lang="en-US" altLang="zh-CN" sz="1400" b="0" i="0" u="none" strike="noStrike" cap="none" normalizeH="0" baseline="0">
+                        <a:rPr kumimoji="0" lang="en-US" altLang="zh-CN" sz="1400" b="0" i="0" u="none" strike="noStrike" cap="none" normalizeH="0" baseline="0" dirty="0" err="1">
                           <a:ln>
                             <a:noFill/>
                           </a:ln>
@@ -11863,7 +11847,7 @@
                         <a:t>SharedPreferences</a:t>
                       </a:r>
                       <a:r>
-                        <a:rPr kumimoji="0" lang="zh-CN" altLang="en-US" sz="1400" b="0" i="0" u="none" strike="noStrike" cap="none" normalizeH="0" baseline="0">
+                        <a:rPr kumimoji="0" lang="zh-CN" altLang="en-US" sz="1400" b="0" i="0" u="none" strike="noStrike" cap="none" normalizeH="0" baseline="0" dirty="0">
                           <a:ln>
                             <a:noFill/>
                           </a:ln>
@@ -11897,7 +11881,7 @@
                         <a:buNone/>
                       </a:pPr>
                       <a:r>
-                        <a:rPr kumimoji="0" lang="zh-CN" altLang="en-US" sz="1400" b="0" i="0" u="none" strike="noStrike" cap="none" normalizeH="0" baseline="0">
+                        <a:rPr kumimoji="0" lang="zh-CN" altLang="en-US" sz="1400" b="0" i="0" u="none" strike="noStrike" cap="none" normalizeH="0" baseline="0" dirty="0">
                           <a:ln>
                             <a:noFill/>
                           </a:ln>
@@ -11912,7 +11896,7 @@
                         <a:t>最后都必须使用</a:t>
                       </a:r>
                       <a:r>
-                        <a:rPr kumimoji="0" lang="en-US" altLang="zh-CN" sz="1400" b="0" i="0" u="none" strike="noStrike" cap="none" normalizeH="0" baseline="0">
+                        <a:rPr kumimoji="0" lang="en-US" altLang="zh-CN" sz="1400" b="0" i="0" u="none" strike="noStrike" cap="none" normalizeH="0" baseline="0" dirty="0">
                           <a:ln>
                             <a:noFill/>
                           </a:ln>
@@ -11927,7 +11911,7 @@
                         <a:t>commit()</a:t>
                       </a:r>
                       <a:r>
-                        <a:rPr kumimoji="0" lang="zh-CN" altLang="en-US" sz="1400" b="0" i="0" u="none" strike="noStrike" cap="none" normalizeH="0" baseline="0">
+                        <a:rPr kumimoji="0" lang="zh-CN" altLang="en-US" sz="1400" b="0" i="0" u="none" strike="noStrike" cap="none" normalizeH="0" baseline="0" dirty="0">
                           <a:ln>
                             <a:noFill/>
                           </a:ln>
@@ -11961,7 +11945,7 @@
                         <a:buNone/>
                       </a:pPr>
                       <a:r>
-                        <a:rPr kumimoji="0" lang="zh-CN" altLang="en-US" sz="1400" b="0" i="0" u="none" strike="noStrike" cap="none" normalizeH="0" baseline="0">
+                        <a:rPr kumimoji="0" lang="zh-CN" altLang="en-US" sz="1400" b="0" i="0" u="none" strike="noStrike" cap="none" normalizeH="0" baseline="0" dirty="0">
                           <a:ln>
                             <a:noFill/>
                           </a:ln>
@@ -11975,7 +11959,7 @@
                         </a:rPr>
                         <a:t>否则将无法存储修改信息。 </a:t>
                       </a:r>
-                      <a:endParaRPr kumimoji="0" lang="zh-CN" altLang="en-US" sz="2800" b="0" i="0" u="none" strike="noStrike" cap="none" normalizeH="0" baseline="0">
+                      <a:endParaRPr kumimoji="0" lang="zh-CN" altLang="en-US" sz="2800" b="0" i="0" u="none" strike="noStrike" cap="none" normalizeH="0" baseline="0" dirty="0">
                         <a:ln>
                           <a:noFill/>
                         </a:ln>
@@ -12041,7 +12025,7 @@
                   </a:ext>
                 </a:extLst>
               </a:tr>
-              <a:tr h="733425">
+              <a:tr h="303291">
                 <a:tc>
                   <a:txBody>
                     <a:bodyPr/>
@@ -12199,7 +12183,7 @@
                         <a:buNone/>
                       </a:pPr>
                       <a:r>
-                        <a:rPr kumimoji="0" lang="en-US" altLang="zh-CN" sz="1400" b="0" i="0" u="none" strike="noStrike" cap="none" normalizeH="0" baseline="0">
+                        <a:rPr kumimoji="0" lang="en-US" altLang="zh-CN" sz="1400" b="0" i="0" u="none" strike="noStrike" cap="none" normalizeH="0" baseline="0" dirty="0">
                           <a:ln>
                             <a:noFill/>
                           </a:ln>
@@ -12213,7 +12197,7 @@
                         </a:rPr>
                         <a:t>remove(String key) </a:t>
                       </a:r>
-                      <a:endParaRPr kumimoji="0" lang="zh-CN" altLang="en-US" sz="1400" b="0" i="0" u="none" strike="noStrike" cap="none" normalizeH="0" baseline="0">
+                      <a:endParaRPr kumimoji="0" lang="zh-CN" altLang="en-US" sz="1400" b="0" i="0" u="none" strike="noStrike" cap="none" normalizeH="0" baseline="0" dirty="0">
                         <a:ln>
                           <a:noFill/>
                         </a:ln>
@@ -12430,7 +12414,7 @@
                         <a:buNone/>
                       </a:pPr>
                       <a:r>
-                        <a:rPr kumimoji="0" lang="zh-CN" altLang="en-US" sz="1400" b="0" i="0" u="none" strike="noStrike" cap="none" normalizeH="0" baseline="0">
+                        <a:rPr kumimoji="0" lang="zh-CN" altLang="en-US" sz="1400" b="0" i="0" u="none" strike="noStrike" cap="none" normalizeH="0" baseline="0" dirty="0">
                           <a:ln>
                             <a:noFill/>
                           </a:ln>
@@ -12445,7 +12429,7 @@
                         <a:t>删除</a:t>
                       </a:r>
                       <a:r>
-                        <a:rPr kumimoji="0" lang="en-US" altLang="zh-CN" sz="1400" b="0" i="0" u="none" strike="noStrike" cap="none" normalizeH="0" baseline="0">
+                        <a:rPr kumimoji="0" lang="en-US" altLang="zh-CN" sz="1400" b="0" i="0" u="none" strike="noStrike" cap="none" normalizeH="0" baseline="0" dirty="0" err="1">
                           <a:ln>
                             <a:noFill/>
                           </a:ln>
@@ -12460,7 +12444,7 @@
                         <a:t>SharedPreferences</a:t>
                       </a:r>
                       <a:r>
-                        <a:rPr kumimoji="0" lang="zh-CN" altLang="en-US" sz="1400" b="0" i="0" u="none" strike="noStrike" cap="none" normalizeH="0" baseline="0">
+                        <a:rPr kumimoji="0" lang="zh-CN" altLang="en-US" sz="1400" b="0" i="0" u="none" strike="noStrike" cap="none" normalizeH="0" baseline="0" dirty="0">
                           <a:ln>
                             <a:noFill/>
                           </a:ln>
@@ -12475,7 +12459,7 @@
                         <a:t>里指定</a:t>
                       </a:r>
                       <a:r>
-                        <a:rPr kumimoji="0" lang="en-US" altLang="zh-CN" sz="1400" b="0" i="0" u="none" strike="noStrike" cap="none" normalizeH="0" baseline="0">
+                        <a:rPr kumimoji="0" lang="en-US" altLang="zh-CN" sz="1400" b="0" i="0" u="none" strike="noStrike" cap="none" normalizeH="0" baseline="0" dirty="0">
                           <a:ln>
                             <a:noFill/>
                           </a:ln>
@@ -12490,7 +12474,7 @@
                         <a:t>key</a:t>
                       </a:r>
                       <a:r>
-                        <a:rPr kumimoji="0" lang="zh-CN" altLang="en-US" sz="1400" b="0" i="0" u="none" strike="noStrike" cap="none" normalizeH="0" baseline="0">
+                        <a:rPr kumimoji="0" lang="zh-CN" altLang="en-US" sz="1400" b="0" i="0" u="none" strike="noStrike" cap="none" normalizeH="0" baseline="0" dirty="0">
                           <a:ln>
                             <a:noFill/>
                           </a:ln>
@@ -12504,7 +12488,7 @@
                         </a:rPr>
                         <a:t>对应的值。</a:t>
                       </a:r>
-                      <a:endParaRPr kumimoji="0" lang="zh-CN" altLang="en-US" sz="2800" b="0" i="0" u="none" strike="noStrike" cap="none" normalizeH="0" baseline="0">
+                      <a:endParaRPr kumimoji="0" lang="zh-CN" altLang="en-US" sz="2800" b="0" i="0" u="none" strike="noStrike" cap="none" normalizeH="0" baseline="0" dirty="0">
                         <a:ln>
                           <a:noFill/>
                         </a:ln>
@@ -12763,8 +12747,8 @@
         </p:nvSpPr>
         <p:spPr bwMode="auto">
           <a:xfrm>
-            <a:off x="682625" y="915988"/>
-            <a:ext cx="7140575" cy="654050"/>
+            <a:off x="682625" y="869951"/>
+            <a:ext cx="7634288" cy="380999"/>
           </a:xfrm>
           <a:prstGeom prst="rect">
             <a:avLst/>
@@ -12918,7 +12902,7 @@
               <a:buChar char="v"/>
             </a:pPr>
             <a:r>
-              <a:rPr lang="zh-CN" altLang="en-US" sz="1400">
+              <a:rPr lang="zh-CN" altLang="en-US" sz="1400" dirty="0">
                 <a:latin typeface="微软雅黑" panose="020B0503020204020204" pitchFamily="34" charset="-122"/>
                 <a:ea typeface="微软雅黑" panose="020B0503020204020204" pitchFamily="34" charset="-122"/>
                 <a:sym typeface="微软雅黑" panose="020B0503020204020204" pitchFamily="34" charset="-122"/>
@@ -12926,7 +12910,7 @@
               <a:t>使用</a:t>
             </a:r>
             <a:r>
-              <a:rPr lang="en-US" altLang="zh-CN" sz="1400">
+              <a:rPr lang="en-US" altLang="zh-CN" sz="1400" dirty="0" err="1">
                 <a:latin typeface="微软雅黑" panose="020B0503020204020204" pitchFamily="34" charset="-122"/>
                 <a:ea typeface="微软雅黑" panose="020B0503020204020204" pitchFamily="34" charset="-122"/>
                 <a:sym typeface="微软雅黑" panose="020B0503020204020204" pitchFamily="34" charset="-122"/>
@@ -12934,7 +12918,7 @@
               <a:t>SharedPreferences</a:t>
             </a:r>
             <a:r>
-              <a:rPr lang="zh-CN" altLang="en-US" sz="1400">
+              <a:rPr lang="zh-CN" altLang="en-US" sz="1400" dirty="0">
                 <a:latin typeface="微软雅黑" panose="020B0503020204020204" pitchFamily="34" charset="-122"/>
                 <a:ea typeface="微软雅黑" panose="020B0503020204020204" pitchFamily="34" charset="-122"/>
                 <a:sym typeface="微软雅黑" panose="020B0503020204020204" pitchFamily="34" charset="-122"/>
@@ -12942,7 +12926,7 @@
               <a:t>保存键值对（</a:t>
             </a:r>
             <a:r>
-              <a:rPr lang="en-US" altLang="zh-CN" sz="1400">
+              <a:rPr lang="en-US" altLang="zh-CN" sz="1400" dirty="0">
                 <a:latin typeface="微软雅黑" panose="020B0503020204020204" pitchFamily="34" charset="-122"/>
                 <a:ea typeface="微软雅黑" panose="020B0503020204020204" pitchFamily="34" charset="-122"/>
                 <a:sym typeface="微软雅黑" panose="020B0503020204020204" pitchFamily="34" charset="-122"/>
@@ -12950,14 +12934,14 @@
               <a:t>key-value</a:t>
             </a:r>
             <a:r>
-              <a:rPr lang="zh-CN" altLang="en-US" sz="1400">
+              <a:rPr lang="zh-CN" altLang="en-US" sz="1400" dirty="0">
                 <a:latin typeface="微软雅黑" panose="020B0503020204020204" pitchFamily="34" charset="-122"/>
                 <a:ea typeface="微软雅黑" panose="020B0503020204020204" pitchFamily="34" charset="-122"/>
                 <a:sym typeface="微软雅黑" panose="020B0503020204020204" pitchFamily="34" charset="-122"/>
               </a:rPr>
               <a:t>）的步骤如下： </a:t>
             </a:r>
-            <a:endParaRPr lang="zh-CN" altLang="en-US"/>
+            <a:endParaRPr lang="zh-CN" altLang="en-US" dirty="0"/>
           </a:p>
         </p:txBody>
       </p:sp>
@@ -13553,7 +13537,7 @@
           <a:lstStyle/>
           <a:p>
             <a:r>
-              <a:rPr lang="zh-CN" altLang="en-US" sz="1400">
+              <a:rPr lang="zh-CN" altLang="en-US" sz="1400" dirty="0">
                 <a:solidFill>
                   <a:srgbClr val="000000"/>
                 </a:solidFill>
@@ -13564,7 +13548,7 @@
               <a:t>使用</a:t>
             </a:r>
             <a:r>
-              <a:rPr lang="en-US" altLang="zh-CN" sz="1400" b="1">
+              <a:rPr lang="en-US" altLang="zh-CN" sz="1400" b="1" dirty="0" err="1">
                 <a:solidFill>
                   <a:srgbClr val="0070C0"/>
                 </a:solidFill>
@@ -13575,7 +13559,7 @@
               <a:t>getSharedPreferences</a:t>
             </a:r>
             <a:r>
-              <a:rPr lang="en-US" altLang="zh-CN" sz="1400">
+              <a:rPr lang="en-US" altLang="zh-CN" sz="1400" dirty="0">
                 <a:solidFill>
                   <a:srgbClr val="000000"/>
                 </a:solidFill>
@@ -13586,7 +13570,7 @@
               <a:t>(String name, int mode)</a:t>
             </a:r>
             <a:r>
-              <a:rPr lang="zh-CN" altLang="en-US" sz="1400">
+              <a:rPr lang="zh-CN" altLang="en-US" sz="1400" dirty="0">
                 <a:solidFill>
                   <a:srgbClr val="000000"/>
                 </a:solidFill>
@@ -13597,7 +13581,7 @@
               <a:t>方法获得</a:t>
             </a:r>
             <a:r>
-              <a:rPr lang="en-US" altLang="zh-CN" sz="1400">
+              <a:rPr lang="en-US" altLang="zh-CN" sz="1400" dirty="0" err="1">
                 <a:solidFill>
                   <a:srgbClr val="000000"/>
                 </a:solidFill>
@@ -13608,7 +13592,7 @@
               <a:t>SharedPreferences</a:t>
             </a:r>
             <a:r>
-              <a:rPr lang="zh-CN" altLang="en-US" sz="1400">
+              <a:rPr lang="zh-CN" altLang="en-US" sz="1400" dirty="0">
                 <a:solidFill>
                   <a:srgbClr val="000000"/>
                 </a:solidFill>
@@ -15644,9 +15628,14 @@
         </p:nvSpPr>
         <p:spPr>
           <a:xfrm>
-            <a:off x="384175" y="879475"/>
-            <a:ext cx="4464050" cy="2260600"/>
+            <a:off x="315159" y="844962"/>
+            <a:ext cx="5051885" cy="2260600"/>
           </a:xfrm>
+          <a:solidFill>
+            <a:schemeClr val="bg1">
+              <a:lumMod val="85000"/>
+            </a:schemeClr>
+          </a:solidFill>
         </p:spPr>
         <p:txBody>
           <a:bodyPr>
@@ -16222,38 +16211,23 @@
         </p:nvSpPr>
         <p:spPr bwMode="auto">
           <a:xfrm>
-            <a:off x="3844925" y="2154238"/>
-            <a:ext cx="1258888" cy="714375"/>
+            <a:off x="3844925" y="2038276"/>
+            <a:ext cx="3175245" cy="500137"/>
           </a:xfrm>
           <a:prstGeom prst="rect">
             <a:avLst/>
           </a:prstGeom>
-          <a:noFill/>
+          <a:solidFill>
+            <a:schemeClr val="bg1">
+              <a:lumMod val="85000"/>
+            </a:schemeClr>
+          </a:solidFill>
           <a:ln>
             <a:noFill/>
           </a:ln>
-          <a:extLst>
-            <a:ext uri="{909E8E84-426E-40DD-AFC4-6F175D3DCCD1}">
-              <a14:hiddenFill xmlns:a14="http://schemas.microsoft.com/office/drawing/2010/main">
-                <a:solidFill>
-                  <a:srgbClr val="FFFFFF"/>
-                </a:solidFill>
-              </a14:hiddenFill>
-            </a:ext>
-            <a:ext uri="{91240B29-F687-4F45-9708-019B960494DF}">
-              <a14:hiddenLine xmlns:a14="http://schemas.microsoft.com/office/drawing/2010/main" w="9525">
-                <a:solidFill>
-                  <a:srgbClr val="000000"/>
-                </a:solidFill>
-                <a:miter lim="800000"/>
-                <a:headEnd/>
-                <a:tailEnd/>
-              </a14:hiddenLine>
-            </a:ext>
-          </a:extLst>
         </p:spPr>
         <p:txBody>
-          <a:bodyPr wrap="none" lIns="68580" tIns="34290" rIns="68580" bIns="34290">
+          <a:bodyPr wrap="square" lIns="68580" tIns="34290" rIns="68580" bIns="34290">
             <a:spAutoFit/>
           </a:bodyPr>
           <a:lstStyle>
@@ -16373,7 +16347,7 @@
               <a:buChar char="p"/>
             </a:pPr>
             <a:r>
-              <a:rPr lang="en-US" altLang="zh-CN" sz="1400">
+              <a:rPr lang="en-US" altLang="zh-CN" sz="1400" dirty="0">
                 <a:solidFill>
                   <a:srgbClr val="262626"/>
                 </a:solidFill>
@@ -16384,7 +16358,7 @@
               <a:t>SQLite</a:t>
             </a:r>
             <a:r>
-              <a:rPr lang="zh-CN" altLang="en-US" sz="1400">
+              <a:rPr lang="zh-CN" altLang="en-US" sz="1400" dirty="0">
                 <a:solidFill>
                   <a:srgbClr val="262626"/>
                 </a:solidFill>
@@ -16401,7 +16375,7 @@
               <a:buChar char="p"/>
             </a:pPr>
             <a:r>
-              <a:rPr lang="en-US" altLang="zh-CN" sz="1400">
+              <a:rPr lang="en-US" altLang="zh-CN" sz="1400" dirty="0">
                 <a:solidFill>
                   <a:srgbClr val="262626"/>
                 </a:solidFill>
@@ -16412,7 +16386,7 @@
               <a:t>SQLite</a:t>
             </a:r>
             <a:r>
-              <a:rPr lang="zh-CN" altLang="en-US" sz="1400">
+              <a:rPr lang="zh-CN" altLang="en-US" sz="1400" dirty="0">
                 <a:solidFill>
                   <a:srgbClr val="262626"/>
                 </a:solidFill>
@@ -16422,20 +16396,6 @@
               </a:rPr>
               <a:t>使用</a:t>
             </a:r>
-          </a:p>
-          <a:p>
-            <a:pPr>
-              <a:buFont typeface="Wingdings" panose="05000000000000000000" pitchFamily="2" charset="2"/>
-              <a:buChar char="p"/>
-            </a:pPr>
-            <a:endParaRPr lang="zh-CN" altLang="en-US" sz="1400">
-              <a:solidFill>
-                <a:srgbClr val="262626"/>
-              </a:solidFill>
-              <a:latin typeface="微软雅黑" panose="020B0503020204020204" pitchFamily="34" charset="-122"/>
-              <a:ea typeface="微软雅黑" panose="020B0503020204020204" pitchFamily="34" charset="-122"/>
-              <a:sym typeface="微软雅黑" panose="020B0503020204020204" pitchFamily="34" charset="-122"/>
-            </a:endParaRPr>
           </a:p>
         </p:txBody>
       </p:sp>
@@ -16532,8 +16492,8 @@
         </p:nvSpPr>
         <p:spPr bwMode="auto">
           <a:xfrm>
-            <a:off x="3825875" y="3281363"/>
-            <a:ext cx="5318125" cy="200025"/>
+            <a:off x="3844925" y="2689151"/>
+            <a:ext cx="3194295" cy="200025"/>
           </a:xfrm>
           <a:prstGeom prst="rect">
             <a:avLst/>
@@ -16818,7 +16778,11 @@
           <a:prstGeom prst="rect">
             <a:avLst/>
           </a:prstGeom>
-          <a:noFill/>
+          <a:solidFill>
+            <a:schemeClr val="bg1">
+              <a:lumMod val="85000"/>
+            </a:schemeClr>
+          </a:solidFill>
           <a:ln w="9525">
             <a:noFill/>
           </a:ln>
@@ -17235,8 +17199,8 @@
         </p:blipFill>
         <p:spPr bwMode="auto">
           <a:xfrm>
-            <a:off x="6151563" y="673100"/>
-            <a:ext cx="2859087" cy="1312863"/>
+            <a:off x="6151563" y="859701"/>
+            <a:ext cx="2452717" cy="1126262"/>
           </a:xfrm>
           <a:prstGeom prst="rect">
             <a:avLst/>
@@ -17370,8 +17334,8 @@
         </p:nvSpPr>
         <p:spPr>
           <a:xfrm>
-            <a:off x="147638" y="744538"/>
-            <a:ext cx="8178800" cy="1609725"/>
+            <a:off x="278689" y="767335"/>
+            <a:ext cx="8178800" cy="675132"/>
           </a:xfrm>
           <a:prstGeom prst="rect">
             <a:avLst/>
@@ -17419,6 +17383,9 @@
                 <a:solidFill>
                   <a:srgbClr val="00B050"/>
                 </a:solidFill>
+                <a:highlight>
+                  <a:srgbClr val="FFFF00"/>
+                </a:highlight>
                 <a:latin typeface="微软雅黑" panose="020B0503020204020204" pitchFamily="34" charset="-122"/>
                 <a:ea typeface="微软雅黑" panose="020B0503020204020204" pitchFamily="34" charset="-122"/>
                 <a:sym typeface="微软雅黑" panose="020B0503020204020204" pitchFamily="34" charset="-122"/>
@@ -17438,6 +17405,9 @@
                 <a:solidFill>
                   <a:srgbClr val="00B050"/>
                 </a:solidFill>
+                <a:highlight>
+                  <a:srgbClr val="FFFF00"/>
+                </a:highlight>
                 <a:latin typeface="微软雅黑" panose="020B0503020204020204" pitchFamily="34" charset="-122"/>
                 <a:ea typeface="微软雅黑" panose="020B0503020204020204" pitchFamily="34" charset="-122"/>
                 <a:sym typeface="微软雅黑" panose="020B0503020204020204" pitchFamily="34" charset="-122"/>
@@ -19650,7 +19620,7 @@
                         <a:buNone/>
                       </a:pPr>
                       <a:r>
-                        <a:rPr kumimoji="0" lang="en-US" altLang="zh-CN" sz="1200" b="1" i="0" u="none" strike="noStrike" cap="none" normalizeH="0" baseline="0">
+                        <a:rPr kumimoji="0" lang="en-US" altLang="zh-CN" sz="1200" b="1" i="0" u="none" strike="noStrike" cap="none" normalizeH="0" baseline="0" dirty="0" err="1">
                           <a:ln>
                             <a:noFill/>
                           </a:ln>
@@ -19665,7 +19635,7 @@
                         <a:t>onOpen</a:t>
                       </a:r>
                       <a:r>
-                        <a:rPr kumimoji="0" lang="en-US" altLang="zh-CN" sz="1200" b="0" i="0" u="none" strike="noStrike" cap="none" normalizeH="0" baseline="0">
+                        <a:rPr kumimoji="0" lang="en-US" altLang="zh-CN" sz="1200" b="0" i="0" u="none" strike="noStrike" cap="none" normalizeH="0" baseline="0" dirty="0">
                           <a:ln>
                             <a:noFill/>
                           </a:ln>
@@ -19677,9 +19647,69 @@
                           <a:ea typeface="微软雅黑" panose="020B0503020204020204" pitchFamily="34" charset="-122"/>
                           <a:sym typeface="微软雅黑" panose="020B0503020204020204" pitchFamily="34" charset="-122"/>
                         </a:rPr>
-                        <a:t>(SQLiteDatabase db) </a:t>
+                        <a:t>(</a:t>
                       </a:r>
-                      <a:endParaRPr kumimoji="0" lang="zh-CN" altLang="en-US" sz="1200" b="0" i="0" u="none" strike="noStrike" cap="none" normalizeH="0" baseline="0">
+                      <a:r>
+                        <a:rPr kumimoji="0" lang="en-US" altLang="zh-CN" sz="1200" b="0" i="0" u="none" strike="noStrike" cap="none" normalizeH="0" baseline="0" dirty="0" err="1">
+                          <a:ln>
+                            <a:noFill/>
+                          </a:ln>
+                          <a:solidFill>
+                            <a:schemeClr val="tx1"/>
+                          </a:solidFill>
+                          <a:effectLst/>
+                          <a:latin typeface="微软雅黑" panose="020B0503020204020204" pitchFamily="34" charset="-122"/>
+                          <a:ea typeface="微软雅黑" panose="020B0503020204020204" pitchFamily="34" charset="-122"/>
+                          <a:sym typeface="微软雅黑" panose="020B0503020204020204" pitchFamily="34" charset="-122"/>
+                        </a:rPr>
+                        <a:t>SQLiteDatabase</a:t>
+                      </a:r>
+                      <a:r>
+                        <a:rPr kumimoji="0" lang="en-US" altLang="zh-CN" sz="1200" b="0" i="0" u="none" strike="noStrike" cap="none" normalizeH="0" baseline="0" dirty="0">
+                          <a:ln>
+                            <a:noFill/>
+                          </a:ln>
+                          <a:solidFill>
+                            <a:schemeClr val="tx1"/>
+                          </a:solidFill>
+                          <a:effectLst/>
+                          <a:latin typeface="微软雅黑" panose="020B0503020204020204" pitchFamily="34" charset="-122"/>
+                          <a:ea typeface="微软雅黑" panose="020B0503020204020204" pitchFamily="34" charset="-122"/>
+                          <a:sym typeface="微软雅黑" panose="020B0503020204020204" pitchFamily="34" charset="-122"/>
+                        </a:rPr>
+                        <a:t> </a:t>
+                      </a:r>
+                      <a:r>
+                        <a:rPr kumimoji="0" lang="en-US" altLang="zh-CN" sz="1200" b="0" i="0" u="none" strike="noStrike" cap="none" normalizeH="0" baseline="0" dirty="0" err="1">
+                          <a:ln>
+                            <a:noFill/>
+                          </a:ln>
+                          <a:solidFill>
+                            <a:schemeClr val="tx1"/>
+                          </a:solidFill>
+                          <a:effectLst/>
+                          <a:latin typeface="微软雅黑" panose="020B0503020204020204" pitchFamily="34" charset="-122"/>
+                          <a:ea typeface="微软雅黑" panose="020B0503020204020204" pitchFamily="34" charset="-122"/>
+                          <a:sym typeface="微软雅黑" panose="020B0503020204020204" pitchFamily="34" charset="-122"/>
+                        </a:rPr>
+                        <a:t>db</a:t>
+                      </a:r>
+                      <a:r>
+                        <a:rPr kumimoji="0" lang="en-US" altLang="zh-CN" sz="1200" b="0" i="0" u="none" strike="noStrike" cap="none" normalizeH="0" baseline="0" dirty="0">
+                          <a:ln>
+                            <a:noFill/>
+                          </a:ln>
+                          <a:solidFill>
+                            <a:schemeClr val="tx1"/>
+                          </a:solidFill>
+                          <a:effectLst/>
+                          <a:latin typeface="微软雅黑" panose="020B0503020204020204" pitchFamily="34" charset="-122"/>
+                          <a:ea typeface="微软雅黑" panose="020B0503020204020204" pitchFamily="34" charset="-122"/>
+                          <a:sym typeface="微软雅黑" panose="020B0503020204020204" pitchFamily="34" charset="-122"/>
+                        </a:rPr>
+                        <a:t>) </a:t>
+                      </a:r>
+                      <a:endParaRPr kumimoji="0" lang="zh-CN" altLang="en-US" sz="1200" b="0" i="0" u="none" strike="noStrike" cap="none" normalizeH="0" baseline="0" dirty="0">
                         <a:ln>
                           <a:noFill/>
                         </a:ln>
@@ -20380,7 +20410,7 @@
                         <a:buNone/>
                       </a:pPr>
                       <a:r>
-                        <a:rPr kumimoji="0" lang="zh-CN" altLang="en-US" sz="1200" b="0" i="0" u="none" strike="noStrike" cap="none" normalizeH="0" baseline="0">
+                        <a:rPr kumimoji="0" lang="zh-CN" altLang="en-US" sz="1200" b="0" i="0" u="none" strike="noStrike" cap="none" normalizeH="0" baseline="0" dirty="0">
                           <a:ln>
                             <a:noFill/>
                           </a:ln>
@@ -20394,7 +20424,7 @@
                         </a:rPr>
                         <a:t>关闭数据库。停止使用时调用，否则会造成数据泄露。 </a:t>
                       </a:r>
-                      <a:endParaRPr kumimoji="0" lang="zh-CN" altLang="en-US" sz="2800" b="0" i="0" u="none" strike="noStrike" cap="none" normalizeH="0" baseline="0">
+                      <a:endParaRPr kumimoji="0" lang="zh-CN" altLang="en-US" sz="2800" b="0" i="0" u="none" strike="noStrike" cap="none" normalizeH="0" baseline="0" dirty="0">
                         <a:ln>
                           <a:noFill/>
                         </a:ln>
@@ -20645,35 +20675,20 @@
         </p:nvSpPr>
         <p:spPr bwMode="auto">
           <a:xfrm>
-            <a:off x="117475" y="690563"/>
-            <a:ext cx="8820150" cy="3384550"/>
+            <a:off x="161925" y="1248311"/>
+            <a:ext cx="8820150" cy="2646878"/>
           </a:xfrm>
           <a:prstGeom prst="rect">
             <a:avLst/>
           </a:prstGeom>
-          <a:noFill/>
+          <a:solidFill>
+            <a:schemeClr val="bg1">
+              <a:lumMod val="85000"/>
+            </a:schemeClr>
+          </a:solidFill>
           <a:ln>
             <a:noFill/>
           </a:ln>
-          <a:extLst>
-            <a:ext uri="{909E8E84-426E-40DD-AFC4-6F175D3DCCD1}">
-              <a14:hiddenFill xmlns:a14="http://schemas.microsoft.com/office/drawing/2010/main">
-                <a:solidFill>
-                  <a:srgbClr val="FFFFFF"/>
-                </a:solidFill>
-              </a14:hiddenFill>
-            </a:ext>
-            <a:ext uri="{91240B29-F687-4F45-9708-019B960494DF}">
-              <a14:hiddenLine xmlns:a14="http://schemas.microsoft.com/office/drawing/2010/main" w="9525">
-                <a:solidFill>
-                  <a:srgbClr val="000000"/>
-                </a:solidFill>
-                <a:miter lim="800000"/>
-                <a:headEnd/>
-                <a:tailEnd/>
-              </a14:hiddenLine>
-            </a:ext>
-          </a:extLst>
         </p:spPr>
         <p:txBody>
           <a:bodyPr>
@@ -20682,7 +20697,7 @@
           <a:lstStyle/>
           <a:p>
             <a:r>
-              <a:rPr lang="en-US" altLang="zh-CN">
+              <a:rPr lang="en-US" altLang="zh-CN" dirty="0">
                 <a:latin typeface="微软雅黑" panose="020B0503020204020204" pitchFamily="34" charset="-122"/>
                 <a:ea typeface="微软雅黑" panose="020B0503020204020204" pitchFamily="34" charset="-122"/>
                 <a:sym typeface="黑体" panose="02010609060101010101" pitchFamily="49" charset="-122"/>
@@ -20690,7 +20705,7 @@
               <a:t>2. </a:t>
             </a:r>
             <a:r>
-              <a:rPr lang="zh-CN" altLang="en-US">
+              <a:rPr lang="zh-CN" altLang="en-US" dirty="0">
                 <a:latin typeface="微软雅黑" panose="020B0503020204020204" pitchFamily="34" charset="-122"/>
                 <a:ea typeface="微软雅黑" panose="020B0503020204020204" pitchFamily="34" charset="-122"/>
                 <a:sym typeface="黑体" panose="02010609060101010101" pitchFamily="49" charset="-122"/>
@@ -20699,14 +20714,14 @@
             </a:r>
           </a:p>
           <a:p>
-            <a:endParaRPr lang="zh-CN" altLang="en-US">
+            <a:endParaRPr lang="zh-CN" altLang="en-US" dirty="0">
               <a:latin typeface="微软雅黑" panose="020B0503020204020204" pitchFamily="34" charset="-122"/>
               <a:ea typeface="微软雅黑" panose="020B0503020204020204" pitchFamily="34" charset="-122"/>
             </a:endParaRPr>
           </a:p>
           <a:p>
             <a:r>
-              <a:rPr lang="zh-CN" altLang="en-US" sz="1600" b="1">
+              <a:rPr lang="zh-CN" altLang="en-US" sz="1600" b="1" dirty="0">
                 <a:solidFill>
                   <a:srgbClr val="FF0000"/>
                 </a:solidFill>
@@ -20716,7 +20731,7 @@
               <a:t>execSQL()</a:t>
             </a:r>
             <a:r>
-              <a:rPr lang="zh-CN" altLang="en-US" sz="1600">
+              <a:rPr lang="zh-CN" altLang="en-US" sz="1600" dirty="0">
                 <a:latin typeface="微软雅黑" panose="020B0503020204020204" pitchFamily="34" charset="-122"/>
                 <a:ea typeface="微软雅黑" panose="020B0503020204020204" pitchFamily="34" charset="-122"/>
               </a:rPr>
@@ -20724,7 +20739,7 @@
             </a:r>
           </a:p>
           <a:p>
-            <a:endParaRPr lang="zh-CN" altLang="en-US" sz="1600" b="1">
+            <a:endParaRPr lang="zh-CN" altLang="en-US" sz="1600" b="1" dirty="0">
               <a:solidFill>
                 <a:srgbClr val="FF0000"/>
               </a:solidFill>
@@ -20734,7 +20749,7 @@
           </a:p>
           <a:p>
             <a:r>
-              <a:rPr lang="zh-CN" altLang="en-US" sz="1600" b="1">
+              <a:rPr lang="zh-CN" altLang="en-US" sz="1600" b="1" dirty="0">
                 <a:solidFill>
                   <a:srgbClr val="FF0000"/>
                 </a:solidFill>
@@ -20744,7 +20759,7 @@
               <a:t>rawQuery()</a:t>
             </a:r>
             <a:r>
-              <a:rPr lang="zh-CN" altLang="en-US" sz="1600">
+              <a:rPr lang="zh-CN" altLang="en-US" sz="1600" dirty="0">
                 <a:latin typeface="微软雅黑" panose="020B0503020204020204" pitchFamily="34" charset="-122"/>
                 <a:ea typeface="微软雅黑" panose="020B0503020204020204" pitchFamily="34" charset="-122"/>
               </a:rPr>
@@ -20752,63 +20767,26 @@
             </a:r>
           </a:p>
           <a:p>
-            <a:endParaRPr lang="zh-CN" altLang="en-US" sz="1600">
+            <a:endParaRPr lang="zh-CN" altLang="en-US" sz="1600" dirty="0">
               <a:latin typeface="微软雅黑" panose="020B0503020204020204" pitchFamily="34" charset="-122"/>
               <a:ea typeface="微软雅黑" panose="020B0503020204020204" pitchFamily="34" charset="-122"/>
             </a:endParaRPr>
           </a:p>
           <a:p>
-            <a:endParaRPr lang="zh-CN" altLang="en-US" sz="1600">
+            <a:endParaRPr lang="zh-CN" altLang="en-US" sz="1600" dirty="0">
               <a:latin typeface="微软雅黑" panose="020B0503020204020204" pitchFamily="34" charset="-122"/>
               <a:ea typeface="微软雅黑" panose="020B0503020204020204" pitchFamily="34" charset="-122"/>
             </a:endParaRPr>
           </a:p>
           <a:p>
-            <a:r>
-              <a:rPr lang="zh-CN" altLang="en-US" sz="1600">
-                <a:latin typeface="微软雅黑" panose="020B0503020204020204" pitchFamily="34" charset="-122"/>
-                <a:ea typeface="微软雅黑" panose="020B0503020204020204" pitchFamily="34" charset="-122"/>
-              </a:rPr>
-              <a:t>SQLiteDatabase还提供了对应于添加、删除、更新、查询的操作方法： </a:t>
-            </a:r>
-          </a:p>
-          <a:p>
-            <a:r>
-              <a:rPr lang="zh-CN" altLang="en-US" sz="1600" b="1">
-                <a:solidFill>
-                  <a:srgbClr val="00B050"/>
-                </a:solidFill>
-                <a:latin typeface="微软雅黑" panose="020B0503020204020204" pitchFamily="34" charset="-122"/>
-                <a:ea typeface="微软雅黑" panose="020B0503020204020204" pitchFamily="34" charset="-122"/>
-              </a:rPr>
-              <a:t>insert()、delete()、update()和query() </a:t>
-            </a:r>
-            <a:r>
-              <a:rPr lang="zh-CN" altLang="en-US" sz="1600">
-                <a:latin typeface="微软雅黑" panose="020B0503020204020204" pitchFamily="34" charset="-122"/>
-                <a:ea typeface="微软雅黑" panose="020B0503020204020204" pitchFamily="34" charset="-122"/>
-              </a:rPr>
-              <a:t>。</a:t>
-            </a:r>
-          </a:p>
-          <a:p>
-            <a:r>
-              <a:rPr lang="zh-CN" altLang="en-US" sz="1600">
-                <a:latin typeface="微软雅黑" panose="020B0503020204020204" pitchFamily="34" charset="-122"/>
-                <a:ea typeface="微软雅黑" panose="020B0503020204020204" pitchFamily="34" charset="-122"/>
-              </a:rPr>
-              <a:t>这些方法适于不太了解SQL语法的开发者使用。</a:t>
-            </a:r>
-          </a:p>
-          <a:p>
-            <a:endParaRPr lang="zh-CN" altLang="en-US" sz="1600">
+            <a:endParaRPr lang="zh-CN" altLang="en-US" sz="1600" dirty="0">
               <a:latin typeface="微软雅黑" panose="020B0503020204020204" pitchFamily="34" charset="-122"/>
               <a:ea typeface="微软雅黑" panose="020B0503020204020204" pitchFamily="34" charset="-122"/>
             </a:endParaRPr>
           </a:p>
           <a:p>
             <a:r>
-              <a:rPr lang="zh-CN" altLang="en-US" sz="1600">
+              <a:rPr lang="zh-CN" altLang="en-US" sz="1600" dirty="0">
                 <a:latin typeface="微软雅黑" panose="020B0503020204020204" pitchFamily="34" charset="-122"/>
                 <a:ea typeface="微软雅黑" panose="020B0503020204020204" pitchFamily="34" charset="-122"/>
               </a:rPr>
@@ -20816,7 +20794,7 @@
             </a:r>
           </a:p>
           <a:p>
-            <a:endParaRPr lang="zh-CN" altLang="en-US"/>
+            <a:endParaRPr lang="zh-CN" altLang="en-US" dirty="0"/>
           </a:p>
         </p:txBody>
       </p:sp>
@@ -20920,11 +20898,17 @@
           <p:cNvGraphicFramePr>
             <a:graphicFrameLocks noGrp="1"/>
           </p:cNvGraphicFramePr>
-          <p:nvPr/>
+          <p:nvPr>
+            <p:extLst>
+              <p:ext uri="{D42A27DB-BD31-4B8C-83A1-F6EECF244321}">
+                <p14:modId xmlns:p14="http://schemas.microsoft.com/office/powerpoint/2010/main" val="3885974659"/>
+              </p:ext>
+            </p:extLst>
+          </p:nvPr>
         </p:nvGraphicFramePr>
         <p:xfrm>
-          <a:off x="217488" y="801688"/>
-          <a:ext cx="8745537" cy="4084637"/>
+          <a:off x="323056" y="2571750"/>
+          <a:ext cx="8745537" cy="1698056"/>
         </p:xfrm>
         <a:graphic>
           <a:graphicData uri="http://schemas.openxmlformats.org/drawingml/2006/table">
@@ -20946,7 +20930,7 @@
                   </a:extLst>
                 </a:gridCol>
               </a:tblGrid>
-              <a:tr h="826706">
+              <a:tr h="343676">
                 <a:tc>
                   <a:txBody>
                     <a:bodyPr/>
@@ -21104,7 +21088,7 @@
                         <a:buNone/>
                       </a:pPr>
                       <a:r>
-                        <a:rPr kumimoji="0" lang="en-US" altLang="zh-CN" sz="1200" b="0" i="0" u="none" strike="noStrike" cap="none" normalizeH="0" baseline="0">
+                        <a:rPr kumimoji="0" lang="en-US" altLang="zh-CN" sz="1200" b="0" i="0" u="none" strike="noStrike" cap="none" normalizeH="0" baseline="0" dirty="0">
                           <a:ln>
                             <a:noFill/>
                           </a:ln>
@@ -21119,7 +21103,7 @@
                         <a:t>public long </a:t>
                       </a:r>
                       <a:r>
-                        <a:rPr kumimoji="0" lang="en-US" altLang="zh-CN" sz="1200" b="1" i="0" u="none" strike="noStrike" cap="none" normalizeH="0" baseline="0">
+                        <a:rPr kumimoji="0" lang="en-US" altLang="zh-CN" sz="1200" b="1" i="0" u="none" strike="noStrike" cap="none" normalizeH="0" baseline="0" dirty="0">
                           <a:ln>
                             <a:noFill/>
                           </a:ln>
@@ -21134,7 +21118,7 @@
                         <a:t>insert </a:t>
                       </a:r>
                       <a:r>
-                        <a:rPr kumimoji="0" lang="en-US" altLang="zh-CN" sz="1200" b="0" i="0" u="none" strike="noStrike" cap="none" normalizeH="0" baseline="0">
+                        <a:rPr kumimoji="0" lang="en-US" altLang="zh-CN" sz="1200" b="0" i="0" u="none" strike="noStrike" cap="none" normalizeH="0" baseline="0" dirty="0">
                           <a:ln>
                             <a:noFill/>
                           </a:ln>
@@ -21149,7 +21133,7 @@
                         <a:t>(</a:t>
                       </a:r>
                       <a:r>
-                        <a:rPr kumimoji="0" lang="en-US" altLang="zh-CN" sz="1200" b="0" i="0" u="none" strike="noStrike" cap="none" normalizeH="0" baseline="0">
+                        <a:rPr kumimoji="0" lang="en-US" altLang="zh-CN" sz="1200" b="0" i="0" u="none" strike="noStrike" cap="none" normalizeH="0" baseline="0" dirty="0">
                           <a:ln>
                             <a:noFill/>
                           </a:ln>
@@ -21165,7 +21149,7 @@
                         <a:t>String</a:t>
                       </a:r>
                       <a:r>
-                        <a:rPr kumimoji="0" lang="en-US" altLang="zh-CN" sz="1200" b="0" i="0" u="none" strike="noStrike" cap="none" normalizeH="0" baseline="0">
+                        <a:rPr kumimoji="0" lang="en-US" altLang="zh-CN" sz="1200" b="0" i="0" u="none" strike="noStrike" cap="none" normalizeH="0" baseline="0" dirty="0">
                           <a:ln>
                             <a:noFill/>
                           </a:ln>
@@ -21180,7 +21164,7 @@
                         <a:t> table, </a:t>
                       </a:r>
                       <a:r>
-                        <a:rPr kumimoji="0" lang="en-US" altLang="zh-CN" sz="1200" b="0" i="0" u="none" strike="noStrike" cap="none" normalizeH="0" baseline="0">
+                        <a:rPr kumimoji="0" lang="en-US" altLang="zh-CN" sz="1200" b="0" i="0" u="none" strike="noStrike" cap="none" normalizeH="0" baseline="0" dirty="0">
                           <a:ln>
                             <a:noFill/>
                           </a:ln>
@@ -21196,7 +21180,7 @@
                         <a:t>String</a:t>
                       </a:r>
                       <a:r>
-                        <a:rPr kumimoji="0" lang="en-US" altLang="zh-CN" sz="1200" b="0" i="0" u="none" strike="noStrike" cap="none" normalizeH="0" baseline="0">
+                        <a:rPr kumimoji="0" lang="en-US" altLang="zh-CN" sz="1200" b="0" i="0" u="none" strike="noStrike" cap="none" normalizeH="0" baseline="0" dirty="0">
                           <a:ln>
                             <a:noFill/>
                           </a:ln>
@@ -21208,10 +21192,40 @@
                           <a:ea typeface="宋体" panose="02010600030101010101" pitchFamily="2" charset="-122"/>
                           <a:sym typeface="Calibri" panose="020F0502020204030204" pitchFamily="34" charset="0"/>
                         </a:rPr>
-                        <a:t> nullColumnHack, </a:t>
+                        <a:t> </a:t>
                       </a:r>
                       <a:r>
-                        <a:rPr kumimoji="0" lang="en-US" altLang="zh-CN" sz="1200" b="0" i="0" u="none" strike="noStrike" cap="none" normalizeH="0" baseline="0">
+                        <a:rPr kumimoji="0" lang="en-US" altLang="zh-CN" sz="1200" b="0" i="0" u="none" strike="noStrike" cap="none" normalizeH="0" baseline="0" dirty="0" err="1">
+                          <a:ln>
+                            <a:noFill/>
+                          </a:ln>
+                          <a:solidFill>
+                            <a:schemeClr val="tx1"/>
+                          </a:solidFill>
+                          <a:effectLst/>
+                          <a:latin typeface="Calibri" panose="020F0502020204030204" pitchFamily="34" charset="0"/>
+                          <a:ea typeface="宋体" panose="02010600030101010101" pitchFamily="2" charset="-122"/>
+                          <a:sym typeface="Calibri" panose="020F0502020204030204" pitchFamily="34" charset="0"/>
+                        </a:rPr>
+                        <a:t>nullColumnHack</a:t>
+                      </a:r>
+                      <a:r>
+                        <a:rPr kumimoji="0" lang="en-US" altLang="zh-CN" sz="1200" b="0" i="0" u="none" strike="noStrike" cap="none" normalizeH="0" baseline="0" dirty="0">
+                          <a:ln>
+                            <a:noFill/>
+                          </a:ln>
+                          <a:solidFill>
+                            <a:schemeClr val="tx1"/>
+                          </a:solidFill>
+                          <a:effectLst/>
+                          <a:latin typeface="Calibri" panose="020F0502020204030204" pitchFamily="34" charset="0"/>
+                          <a:ea typeface="宋体" panose="02010600030101010101" pitchFamily="2" charset="-122"/>
+                          <a:sym typeface="Calibri" panose="020F0502020204030204" pitchFamily="34" charset="0"/>
+                        </a:rPr>
+                        <a:t>, </a:t>
+                      </a:r>
+                      <a:r>
+                        <a:rPr kumimoji="0" lang="en-US" altLang="zh-CN" sz="1200" b="0" i="0" u="none" strike="noStrike" cap="none" normalizeH="0" baseline="0" dirty="0" err="1">
                           <a:ln>
                             <a:noFill/>
                           </a:ln>
@@ -21227,7 +21241,7 @@
                         <a:t>ContentValues</a:t>
                       </a:r>
                       <a:r>
-                        <a:rPr kumimoji="0" lang="en-US" altLang="zh-CN" sz="1200" b="0" i="0" u="none" strike="noStrike" cap="none" normalizeH="0" baseline="0">
+                        <a:rPr kumimoji="0" lang="en-US" altLang="zh-CN" sz="1200" b="0" i="0" u="none" strike="noStrike" cap="none" normalizeH="0" baseline="0" dirty="0">
                           <a:ln>
                             <a:noFill/>
                           </a:ln>
@@ -21241,7 +21255,7 @@
                         </a:rPr>
                         <a:t> values) </a:t>
                       </a:r>
-                      <a:endParaRPr kumimoji="0" lang="zh-CN" altLang="en-US" sz="1200" b="0" i="0" u="none" strike="noStrike" cap="none" normalizeH="0" baseline="0">
+                      <a:endParaRPr kumimoji="0" lang="zh-CN" altLang="en-US" sz="1200" b="0" i="0" u="none" strike="noStrike" cap="none" normalizeH="0" baseline="0" dirty="0">
                         <a:ln>
                           <a:noFill/>
                         </a:ln>
@@ -21538,7 +21552,7 @@
                   </a:ext>
                 </a:extLst>
               </a:tr>
-              <a:tr h="826706">
+              <a:tr h="343676">
                 <a:tc>
                   <a:txBody>
                     <a:bodyPr/>
@@ -22130,7 +22144,7 @@
                   </a:ext>
                 </a:extLst>
               </a:tr>
-              <a:tr h="911789">
+              <a:tr h="379047">
                 <a:tc>
                   <a:txBody>
                     <a:bodyPr/>
@@ -22753,7 +22767,7 @@
                   </a:ext>
                 </a:extLst>
               </a:tr>
-              <a:tr h="1519437">
+              <a:tr h="631657">
                 <a:tc>
                   <a:txBody>
                     <a:bodyPr/>
@@ -22911,7 +22925,7 @@
                         <a:buNone/>
                       </a:pPr>
                       <a:r>
-                        <a:rPr kumimoji="0" lang="en-US" altLang="zh-CN" sz="1200" b="0" i="0" u="none" strike="noStrike" cap="none" normalizeH="0" baseline="0">
+                        <a:rPr kumimoji="0" lang="en-US" altLang="zh-CN" sz="1200" b="0" i="0" u="none" strike="noStrike" cap="none" normalizeH="0" baseline="0" dirty="0">
                           <a:ln>
                             <a:noFill/>
                           </a:ln>
@@ -22926,7 +22940,7 @@
                         <a:t>public </a:t>
                       </a:r>
                       <a:r>
-                        <a:rPr kumimoji="0" lang="en-US" altLang="zh-CN" sz="1200" b="0" i="0" u="none" strike="noStrike" cap="none" normalizeH="0" baseline="0">
+                        <a:rPr kumimoji="0" lang="en-US" altLang="zh-CN" sz="1200" b="0" i="0" u="none" strike="noStrike" cap="none" normalizeH="0" baseline="0" dirty="0">
                           <a:ln>
                             <a:noFill/>
                           </a:ln>
@@ -22942,7 +22956,7 @@
                         <a:t>Cursor</a:t>
                       </a:r>
                       <a:r>
-                        <a:rPr kumimoji="0" lang="en-US" altLang="zh-CN" sz="1200" b="0" i="0" u="none" strike="noStrike" cap="none" normalizeH="0" baseline="0">
+                        <a:rPr kumimoji="0" lang="en-US" altLang="zh-CN" sz="1200" b="0" i="0" u="none" strike="noStrike" cap="none" normalizeH="0" baseline="0" dirty="0">
                           <a:ln>
                             <a:noFill/>
                           </a:ln>
@@ -22957,7 +22971,7 @@
                         <a:t> </a:t>
                       </a:r>
                       <a:r>
-                        <a:rPr kumimoji="0" lang="en-US" altLang="zh-CN" sz="1200" b="1" i="0" u="none" strike="noStrike" cap="none" normalizeH="0" baseline="0">
+                        <a:rPr kumimoji="0" lang="en-US" altLang="zh-CN" sz="1200" b="1" i="0" u="none" strike="noStrike" cap="none" normalizeH="0" baseline="0" dirty="0">
                           <a:ln>
                             <a:noFill/>
                           </a:ln>
@@ -22972,7 +22986,7 @@
                         <a:t>query </a:t>
                       </a:r>
                       <a:r>
-                        <a:rPr kumimoji="0" lang="en-US" altLang="zh-CN" sz="1200" b="0" i="0" u="none" strike="noStrike" cap="none" normalizeH="0" baseline="0">
+                        <a:rPr kumimoji="0" lang="en-US" altLang="zh-CN" sz="1200" b="0" i="0" u="none" strike="noStrike" cap="none" normalizeH="0" baseline="0" dirty="0">
                           <a:ln>
                             <a:noFill/>
                           </a:ln>
@@ -22987,7 +23001,7 @@
                         <a:t>(</a:t>
                       </a:r>
                       <a:r>
-                        <a:rPr kumimoji="0" lang="en-US" altLang="zh-CN" sz="1200" b="0" i="0" u="none" strike="noStrike" cap="none" normalizeH="0" baseline="0">
+                        <a:rPr kumimoji="0" lang="en-US" altLang="zh-CN" sz="1200" b="0" i="0" u="none" strike="noStrike" cap="none" normalizeH="0" baseline="0" dirty="0">
                           <a:ln>
                             <a:noFill/>
                           </a:ln>
@@ -23003,7 +23017,7 @@
                         <a:t>String</a:t>
                       </a:r>
                       <a:r>
-                        <a:rPr kumimoji="0" lang="en-US" altLang="zh-CN" sz="1200" b="0" i="0" u="none" strike="noStrike" cap="none" normalizeH="0" baseline="0">
+                        <a:rPr kumimoji="0" lang="en-US" altLang="zh-CN" sz="1200" b="0" i="0" u="none" strike="noStrike" cap="none" normalizeH="0" baseline="0" dirty="0">
                           <a:ln>
                             <a:noFill/>
                           </a:ln>
@@ -23018,7 +23032,7 @@
                         <a:t> table, </a:t>
                       </a:r>
                       <a:r>
-                        <a:rPr kumimoji="0" lang="en-US" altLang="zh-CN" sz="1200" b="0" i="0" u="none" strike="noStrike" cap="none" normalizeH="0" baseline="0">
+                        <a:rPr kumimoji="0" lang="en-US" altLang="zh-CN" sz="1200" b="0" i="0" u="none" strike="noStrike" cap="none" normalizeH="0" baseline="0" dirty="0">
                           <a:ln>
                             <a:noFill/>
                           </a:ln>
@@ -23034,7 +23048,7 @@
                         <a:t>String[]</a:t>
                       </a:r>
                       <a:r>
-                        <a:rPr kumimoji="0" lang="en-US" altLang="zh-CN" sz="1200" b="0" i="0" u="none" strike="noStrike" cap="none" normalizeH="0" baseline="0">
+                        <a:rPr kumimoji="0" lang="en-US" altLang="zh-CN" sz="1200" b="0" i="0" u="none" strike="noStrike" cap="none" normalizeH="0" baseline="0" dirty="0">
                           <a:ln>
                             <a:noFill/>
                           </a:ln>
@@ -23049,7 +23063,7 @@
                         <a:t> columns, </a:t>
                       </a:r>
                       <a:r>
-                        <a:rPr kumimoji="0" lang="en-US" altLang="zh-CN" sz="1200" b="0" i="0" u="none" strike="noStrike" cap="none" normalizeH="0" baseline="0">
+                        <a:rPr kumimoji="0" lang="en-US" altLang="zh-CN" sz="1200" b="0" i="0" u="none" strike="noStrike" cap="none" normalizeH="0" baseline="0" dirty="0">
                           <a:ln>
                             <a:noFill/>
                           </a:ln>
@@ -23065,7 +23079,7 @@
                         <a:t>String</a:t>
                       </a:r>
                       <a:r>
-                        <a:rPr kumimoji="0" lang="en-US" altLang="zh-CN" sz="1200" b="0" i="0" u="none" strike="noStrike" cap="none" normalizeH="0" baseline="0">
+                        <a:rPr kumimoji="0" lang="en-US" altLang="zh-CN" sz="1200" b="0" i="0" u="none" strike="noStrike" cap="none" normalizeH="0" baseline="0" dirty="0">
                           <a:ln>
                             <a:noFill/>
                           </a:ln>
@@ -23080,7 +23094,7 @@
                         <a:t> selection, </a:t>
                       </a:r>
                       <a:r>
-                        <a:rPr kumimoji="0" lang="en-US" altLang="zh-CN" sz="1200" b="0" i="0" u="none" strike="noStrike" cap="none" normalizeH="0" baseline="0">
+                        <a:rPr kumimoji="0" lang="en-US" altLang="zh-CN" sz="1200" b="0" i="0" u="none" strike="noStrike" cap="none" normalizeH="0" baseline="0" dirty="0">
                           <a:ln>
                             <a:noFill/>
                           </a:ln>
@@ -23096,7 +23110,7 @@
                         <a:t>String[]</a:t>
                       </a:r>
                       <a:r>
-                        <a:rPr kumimoji="0" lang="en-US" altLang="zh-CN" sz="1200" b="0" i="0" u="none" strike="noStrike" cap="none" normalizeH="0" baseline="0">
+                        <a:rPr kumimoji="0" lang="en-US" altLang="zh-CN" sz="1200" b="0" i="0" u="none" strike="noStrike" cap="none" normalizeH="0" baseline="0" dirty="0">
                           <a:ln>
                             <a:noFill/>
                           </a:ln>
@@ -23108,10 +23122,40 @@
                           <a:ea typeface="宋体" panose="02010600030101010101" pitchFamily="2" charset="-122"/>
                           <a:sym typeface="Calibri" panose="020F0502020204030204" pitchFamily="34" charset="0"/>
                         </a:rPr>
-                        <a:t> selectionArgs, </a:t>
+                        <a:t> </a:t>
                       </a:r>
                       <a:r>
-                        <a:rPr kumimoji="0" lang="en-US" altLang="zh-CN" sz="1200" b="0" i="0" u="none" strike="noStrike" cap="none" normalizeH="0" baseline="0">
+                        <a:rPr kumimoji="0" lang="en-US" altLang="zh-CN" sz="1200" b="0" i="0" u="none" strike="noStrike" cap="none" normalizeH="0" baseline="0" dirty="0" err="1">
+                          <a:ln>
+                            <a:noFill/>
+                          </a:ln>
+                          <a:solidFill>
+                            <a:schemeClr val="tx1"/>
+                          </a:solidFill>
+                          <a:effectLst/>
+                          <a:latin typeface="Calibri" panose="020F0502020204030204" pitchFamily="34" charset="0"/>
+                          <a:ea typeface="宋体" panose="02010600030101010101" pitchFamily="2" charset="-122"/>
+                          <a:sym typeface="Calibri" panose="020F0502020204030204" pitchFamily="34" charset="0"/>
+                        </a:rPr>
+                        <a:t>selectionArgs</a:t>
+                      </a:r>
+                      <a:r>
+                        <a:rPr kumimoji="0" lang="en-US" altLang="zh-CN" sz="1200" b="0" i="0" u="none" strike="noStrike" cap="none" normalizeH="0" baseline="0" dirty="0">
+                          <a:ln>
+                            <a:noFill/>
+                          </a:ln>
+                          <a:solidFill>
+                            <a:schemeClr val="tx1"/>
+                          </a:solidFill>
+                          <a:effectLst/>
+                          <a:latin typeface="Calibri" panose="020F0502020204030204" pitchFamily="34" charset="0"/>
+                          <a:ea typeface="宋体" panose="02010600030101010101" pitchFamily="2" charset="-122"/>
+                          <a:sym typeface="Calibri" panose="020F0502020204030204" pitchFamily="34" charset="0"/>
+                        </a:rPr>
+                        <a:t>, </a:t>
+                      </a:r>
+                      <a:r>
+                        <a:rPr kumimoji="0" lang="en-US" altLang="zh-CN" sz="1200" b="0" i="0" u="none" strike="noStrike" cap="none" normalizeH="0" baseline="0" dirty="0">
                           <a:ln>
                             <a:noFill/>
                           </a:ln>
@@ -23127,7 +23171,7 @@
                         <a:t>String</a:t>
                       </a:r>
                       <a:r>
-                        <a:rPr kumimoji="0" lang="en-US" altLang="zh-CN" sz="1200" b="0" i="0" u="none" strike="noStrike" cap="none" normalizeH="0" baseline="0">
+                        <a:rPr kumimoji="0" lang="en-US" altLang="zh-CN" sz="1200" b="0" i="0" u="none" strike="noStrike" cap="none" normalizeH="0" baseline="0" dirty="0">
                           <a:ln>
                             <a:noFill/>
                           </a:ln>
@@ -23139,10 +23183,40 @@
                           <a:ea typeface="宋体" panose="02010600030101010101" pitchFamily="2" charset="-122"/>
                           <a:sym typeface="Calibri" panose="020F0502020204030204" pitchFamily="34" charset="0"/>
                         </a:rPr>
-                        <a:t> groupBy, </a:t>
+                        <a:t> </a:t>
                       </a:r>
                       <a:r>
-                        <a:rPr kumimoji="0" lang="en-US" altLang="zh-CN" sz="1200" b="0" i="0" u="none" strike="noStrike" cap="none" normalizeH="0" baseline="0">
+                        <a:rPr kumimoji="0" lang="en-US" altLang="zh-CN" sz="1200" b="0" i="0" u="none" strike="noStrike" cap="none" normalizeH="0" baseline="0" dirty="0" err="1">
+                          <a:ln>
+                            <a:noFill/>
+                          </a:ln>
+                          <a:solidFill>
+                            <a:schemeClr val="tx1"/>
+                          </a:solidFill>
+                          <a:effectLst/>
+                          <a:latin typeface="Calibri" panose="020F0502020204030204" pitchFamily="34" charset="0"/>
+                          <a:ea typeface="宋体" panose="02010600030101010101" pitchFamily="2" charset="-122"/>
+                          <a:sym typeface="Calibri" panose="020F0502020204030204" pitchFamily="34" charset="0"/>
+                        </a:rPr>
+                        <a:t>groupBy</a:t>
+                      </a:r>
+                      <a:r>
+                        <a:rPr kumimoji="0" lang="en-US" altLang="zh-CN" sz="1200" b="0" i="0" u="none" strike="noStrike" cap="none" normalizeH="0" baseline="0" dirty="0">
+                          <a:ln>
+                            <a:noFill/>
+                          </a:ln>
+                          <a:solidFill>
+                            <a:schemeClr val="tx1"/>
+                          </a:solidFill>
+                          <a:effectLst/>
+                          <a:latin typeface="Calibri" panose="020F0502020204030204" pitchFamily="34" charset="0"/>
+                          <a:ea typeface="宋体" panose="02010600030101010101" pitchFamily="2" charset="-122"/>
+                          <a:sym typeface="Calibri" panose="020F0502020204030204" pitchFamily="34" charset="0"/>
+                        </a:rPr>
+                        <a:t>, </a:t>
+                      </a:r>
+                      <a:r>
+                        <a:rPr kumimoji="0" lang="en-US" altLang="zh-CN" sz="1200" b="0" i="0" u="none" strike="noStrike" cap="none" normalizeH="0" baseline="0" dirty="0">
                           <a:ln>
                             <a:noFill/>
                           </a:ln>
@@ -23158,7 +23232,7 @@
                         <a:t>String</a:t>
                       </a:r>
                       <a:r>
-                        <a:rPr kumimoji="0" lang="en-US" altLang="zh-CN" sz="1200" b="0" i="0" u="none" strike="noStrike" cap="none" normalizeH="0" baseline="0">
+                        <a:rPr kumimoji="0" lang="en-US" altLang="zh-CN" sz="1200" b="0" i="0" u="none" strike="noStrike" cap="none" normalizeH="0" baseline="0" dirty="0">
                           <a:ln>
                             <a:noFill/>
                           </a:ln>
@@ -23173,7 +23247,7 @@
                         <a:t> having, </a:t>
                       </a:r>
                       <a:r>
-                        <a:rPr kumimoji="0" lang="en-US" altLang="zh-CN" sz="1200" b="0" i="0" u="none" strike="noStrike" cap="none" normalizeH="0" baseline="0">
+                        <a:rPr kumimoji="0" lang="en-US" altLang="zh-CN" sz="1200" b="0" i="0" u="none" strike="noStrike" cap="none" normalizeH="0" baseline="0" dirty="0">
                           <a:ln>
                             <a:noFill/>
                           </a:ln>
@@ -23189,7 +23263,7 @@
                         <a:t>String</a:t>
                       </a:r>
                       <a:r>
-                        <a:rPr kumimoji="0" lang="en-US" altLang="zh-CN" sz="1200" b="0" i="0" u="none" strike="noStrike" cap="none" normalizeH="0" baseline="0">
+                        <a:rPr kumimoji="0" lang="en-US" altLang="zh-CN" sz="1200" b="0" i="0" u="none" strike="noStrike" cap="none" normalizeH="0" baseline="0" dirty="0">
                           <a:ln>
                             <a:noFill/>
                           </a:ln>
@@ -23201,10 +23275,40 @@
                           <a:ea typeface="宋体" panose="02010600030101010101" pitchFamily="2" charset="-122"/>
                           <a:sym typeface="Calibri" panose="020F0502020204030204" pitchFamily="34" charset="0"/>
                         </a:rPr>
-                        <a:t> orderBy, </a:t>
+                        <a:t> </a:t>
                       </a:r>
                       <a:r>
-                        <a:rPr kumimoji="0" lang="en-US" altLang="zh-CN" sz="1200" b="0" i="0" u="none" strike="noStrike" cap="none" normalizeH="0" baseline="0">
+                        <a:rPr kumimoji="0" lang="en-US" altLang="zh-CN" sz="1200" b="0" i="0" u="none" strike="noStrike" cap="none" normalizeH="0" baseline="0" dirty="0" err="1">
+                          <a:ln>
+                            <a:noFill/>
+                          </a:ln>
+                          <a:solidFill>
+                            <a:schemeClr val="tx1"/>
+                          </a:solidFill>
+                          <a:effectLst/>
+                          <a:latin typeface="Calibri" panose="020F0502020204030204" pitchFamily="34" charset="0"/>
+                          <a:ea typeface="宋体" panose="02010600030101010101" pitchFamily="2" charset="-122"/>
+                          <a:sym typeface="Calibri" panose="020F0502020204030204" pitchFamily="34" charset="0"/>
+                        </a:rPr>
+                        <a:t>orderBy</a:t>
+                      </a:r>
+                      <a:r>
+                        <a:rPr kumimoji="0" lang="en-US" altLang="zh-CN" sz="1200" b="0" i="0" u="none" strike="noStrike" cap="none" normalizeH="0" baseline="0" dirty="0">
+                          <a:ln>
+                            <a:noFill/>
+                          </a:ln>
+                          <a:solidFill>
+                            <a:schemeClr val="tx1"/>
+                          </a:solidFill>
+                          <a:effectLst/>
+                          <a:latin typeface="Calibri" panose="020F0502020204030204" pitchFamily="34" charset="0"/>
+                          <a:ea typeface="宋体" panose="02010600030101010101" pitchFamily="2" charset="-122"/>
+                          <a:sym typeface="Calibri" panose="020F0502020204030204" pitchFamily="34" charset="0"/>
+                        </a:rPr>
+                        <a:t>, </a:t>
+                      </a:r>
+                      <a:r>
+                        <a:rPr kumimoji="0" lang="en-US" altLang="zh-CN" sz="1200" b="0" i="0" u="none" strike="noStrike" cap="none" normalizeH="0" baseline="0" dirty="0">
                           <a:ln>
                             <a:noFill/>
                           </a:ln>
@@ -23220,7 +23324,7 @@
                         <a:t>String</a:t>
                       </a:r>
                       <a:r>
-                        <a:rPr kumimoji="0" lang="en-US" altLang="zh-CN" sz="1200" b="0" i="0" u="none" strike="noStrike" cap="none" normalizeH="0" baseline="0">
+                        <a:rPr kumimoji="0" lang="en-US" altLang="zh-CN" sz="1200" b="0" i="0" u="none" strike="noStrike" cap="none" normalizeH="0" baseline="0" dirty="0">
                           <a:ln>
                             <a:noFill/>
                           </a:ln>
@@ -23234,7 +23338,7 @@
                         </a:rPr>
                         <a:t> limit) </a:t>
                       </a:r>
-                      <a:endParaRPr kumimoji="0" lang="zh-CN" altLang="en-US" sz="1200" b="0" i="0" u="none" strike="noStrike" cap="none" normalizeH="0" baseline="0">
+                      <a:endParaRPr kumimoji="0" lang="zh-CN" altLang="en-US" sz="1200" b="0" i="0" u="none" strike="noStrike" cap="none" normalizeH="0" baseline="0" dirty="0">
                         <a:ln>
                           <a:noFill/>
                         </a:ln>
@@ -23451,7 +23555,7 @@
                         <a:buNone/>
                       </a:pPr>
                       <a:r>
-                        <a:rPr kumimoji="0" lang="zh-CN" altLang="en-US" sz="1200" b="0" i="0" u="none" strike="noStrike" cap="none" normalizeH="0" baseline="0">
+                        <a:rPr kumimoji="0" lang="zh-CN" altLang="en-US" sz="1200" b="0" i="0" u="none" strike="noStrike" cap="none" normalizeH="0" baseline="0" dirty="0">
                           <a:ln>
                             <a:noFill/>
                           </a:ln>
@@ -23485,7 +23589,7 @@
                         <a:buNone/>
                       </a:pPr>
                       <a:r>
-                        <a:rPr kumimoji="0" lang="zh-CN" altLang="en-US" sz="1200" b="0" i="0" u="none" strike="noStrike" cap="none" normalizeH="0" baseline="0">
+                        <a:rPr kumimoji="0" lang="zh-CN" altLang="en-US" sz="1200" b="0" i="0" u="none" strike="noStrike" cap="none" normalizeH="0" baseline="0" dirty="0">
                           <a:ln>
                             <a:noFill/>
                           </a:ln>
@@ -23499,7 +23603,7 @@
                         </a:rPr>
                         <a:t>获得指向对应要求数据的游标。</a:t>
                       </a:r>
-                      <a:endParaRPr kumimoji="0" lang="zh-CN" altLang="en-US" sz="2800" b="0" i="0" u="none" strike="noStrike" cap="none" normalizeH="0" baseline="0">
+                      <a:endParaRPr kumimoji="0" lang="zh-CN" altLang="en-US" sz="2800" b="0" i="0" u="none" strike="noStrike" cap="none" normalizeH="0" baseline="0" dirty="0">
                         <a:ln>
                           <a:noFill/>
                         </a:ln>
@@ -23654,6 +23758,72 @@
           </a:p>
         </p:txBody>
       </p:sp>
+      <p:sp>
+        <p:nvSpPr>
+          <p:cNvPr id="6" name="文本框 5">
+            <a:extLst>
+              <a:ext uri="{FF2B5EF4-FFF2-40B4-BE49-F238E27FC236}">
+                <a16:creationId xmlns:a16="http://schemas.microsoft.com/office/drawing/2014/main" id="{2AF12318-4568-4114-84EB-2A7D4FF64FE2}"/>
+              </a:ext>
+            </a:extLst>
+          </p:cNvPr>
+          <p:cNvSpPr txBox="1"/>
+          <p:nvPr/>
+        </p:nvSpPr>
+        <p:spPr>
+          <a:xfrm>
+            <a:off x="347986" y="1119848"/>
+            <a:ext cx="8340302" cy="923330"/>
+          </a:xfrm>
+          <a:prstGeom prst="rect">
+            <a:avLst/>
+          </a:prstGeom>
+          <a:noFill/>
+        </p:spPr>
+        <p:txBody>
+          <a:bodyPr wrap="square">
+            <a:spAutoFit/>
+          </a:bodyPr>
+          <a:lstStyle/>
+          <a:p>
+            <a:r>
+              <a:rPr lang="zh-CN" altLang="en-US" sz="1800" dirty="0">
+                <a:latin typeface="微软雅黑" panose="020B0503020204020204" pitchFamily="34" charset="-122"/>
+                <a:ea typeface="微软雅黑" panose="020B0503020204020204" pitchFamily="34" charset="-122"/>
+              </a:rPr>
+              <a:t>SQLiteDatabase提供了对应于添加、删除、更新、查询的操作方法： </a:t>
+            </a:r>
+          </a:p>
+          <a:p>
+            <a:r>
+              <a:rPr lang="zh-CN" altLang="en-US" sz="1800" b="1" dirty="0">
+                <a:solidFill>
+                  <a:srgbClr val="00B050"/>
+                </a:solidFill>
+                <a:latin typeface="微软雅黑" panose="020B0503020204020204" pitchFamily="34" charset="-122"/>
+                <a:ea typeface="微软雅黑" panose="020B0503020204020204" pitchFamily="34" charset="-122"/>
+              </a:rPr>
+              <a:t>insert()、delete()、update()和query() </a:t>
+            </a:r>
+            <a:r>
+              <a:rPr lang="zh-CN" altLang="en-US" sz="1800" dirty="0">
+                <a:latin typeface="微软雅黑" panose="020B0503020204020204" pitchFamily="34" charset="-122"/>
+                <a:ea typeface="微软雅黑" panose="020B0503020204020204" pitchFamily="34" charset="-122"/>
+              </a:rPr>
+              <a:t>。</a:t>
+            </a:r>
+          </a:p>
+          <a:p>
+            <a:r>
+              <a:rPr lang="zh-CN" altLang="en-US" sz="1800" dirty="0">
+                <a:latin typeface="微软雅黑" panose="020B0503020204020204" pitchFamily="34" charset="-122"/>
+                <a:ea typeface="微软雅黑" panose="020B0503020204020204" pitchFamily="34" charset="-122"/>
+              </a:rPr>
+              <a:t>这些方法适于不太了解SQL语法的开发者使用。</a:t>
+            </a:r>
+          </a:p>
+        </p:txBody>
+      </p:sp>
     </p:spTree>
     <p:custDataLst>
       <p:tags r:id="rId1"/>
@@ -23974,19 +24144,23 @@
         </p:nvSpPr>
         <p:spPr>
           <a:xfrm>
-            <a:off x="254000" y="638175"/>
-            <a:ext cx="8569325" cy="5049838"/>
+            <a:off x="252850" y="687900"/>
+            <a:ext cx="8638300" cy="4294509"/>
           </a:xfrm>
           <a:prstGeom prst="rect">
             <a:avLst/>
           </a:prstGeom>
-          <a:noFill/>
+          <a:solidFill>
+            <a:schemeClr val="bg1">
+              <a:lumMod val="85000"/>
+            </a:schemeClr>
+          </a:solidFill>
           <a:ln w="9525">
             <a:noFill/>
           </a:ln>
         </p:spPr>
         <p:txBody>
-          <a:bodyPr>
+          <a:bodyPr wrap="square">
             <a:spAutoFit/>
           </a:bodyPr>
           <a:lstStyle/>
@@ -24365,32 +24539,6 @@
               </a:rPr>
               <a:t>常用于存储数量比较大的数据，缺点是更新数据困难。</a:t>
             </a:r>
-          </a:p>
-          <a:p>
-            <a:pPr>
-              <a:lnSpc>
-                <a:spcPct val="130000"/>
-              </a:lnSpc>
-              <a:buFont typeface="Wingdings" panose="05000000000000000000" charset="0"/>
-              <a:buNone/>
-            </a:pPr>
-            <a:endParaRPr lang="zh-CN" altLang="en-US" noProof="1">
-              <a:solidFill>
-                <a:srgbClr val="000000"/>
-              </a:solidFill>
-              <a:latin typeface="微软雅黑" panose="020B0503020204020204" pitchFamily="34" charset="-122"/>
-              <a:ea typeface="微软雅黑" panose="020B0503020204020204" pitchFamily="34" charset="-122"/>
-              <a:sym typeface="微软雅黑" panose="020B0503020204020204" pitchFamily="34" charset="-122"/>
-            </a:endParaRPr>
-          </a:p>
-          <a:p>
-            <a:pPr marL="342900" indent="-342900">
-              <a:lnSpc>
-                <a:spcPct val="130000"/>
-              </a:lnSpc>
-              <a:buFont typeface="Wingdings" panose="05000000000000000000" charset="0"/>
-              <a:buChar char=""/>
-            </a:pPr>
             <a:endParaRPr lang="zh-CN" altLang="en-US" sz="2000" noProof="1">
               <a:solidFill>
                 <a:srgbClr val="000000"/>
@@ -24716,8 +24864,8 @@
         </p:nvSpPr>
         <p:spPr bwMode="auto">
           <a:xfrm>
-            <a:off x="420688" y="4573588"/>
-            <a:ext cx="8447087" cy="368300"/>
+            <a:off x="611725" y="4841875"/>
+            <a:ext cx="4943367" cy="253916"/>
           </a:xfrm>
           <a:prstGeom prst="rect">
             <a:avLst/>
@@ -24747,13 +24895,13 @@
           </a:extLst>
         </p:spPr>
         <p:txBody>
-          <a:bodyPr>
+          <a:bodyPr wrap="square">
             <a:spAutoFit/>
           </a:bodyPr>
           <a:lstStyle/>
           <a:p>
             <a:r>
-              <a:rPr lang="zh-CN" altLang="en-US"/>
+              <a:rPr lang="zh-CN" altLang="en-US" sz="1050" dirty="0"/>
               <a:t>https://github.com/HBU/AndroidDemo/tree/master/chapter08/DatabaseDemo</a:t>
             </a:r>
           </a:p>
@@ -24863,38 +25011,23 @@
         </p:nvSpPr>
         <p:spPr bwMode="auto">
           <a:xfrm>
-            <a:off x="7938" y="592138"/>
-            <a:ext cx="8493125" cy="738187"/>
+            <a:off x="9879" y="1131650"/>
+            <a:ext cx="4636067" cy="976999"/>
           </a:xfrm>
           <a:prstGeom prst="rect">
             <a:avLst/>
           </a:prstGeom>
-          <a:noFill/>
+          <a:solidFill>
+            <a:schemeClr val="bg1">
+              <a:lumMod val="85000"/>
+            </a:schemeClr>
+          </a:solidFill>
           <a:ln>
             <a:noFill/>
           </a:ln>
-          <a:extLst>
-            <a:ext uri="{909E8E84-426E-40DD-AFC4-6F175D3DCCD1}">
-              <a14:hiddenFill xmlns:a14="http://schemas.microsoft.com/office/drawing/2010/main">
-                <a:solidFill>
-                  <a:srgbClr val="FFFFFF"/>
-                </a:solidFill>
-              </a14:hiddenFill>
-            </a:ext>
-            <a:ext uri="{91240B29-F687-4F45-9708-019B960494DF}">
-              <a14:hiddenLine xmlns:a14="http://schemas.microsoft.com/office/drawing/2010/main" w="9525">
-                <a:solidFill>
-                  <a:srgbClr val="000000"/>
-                </a:solidFill>
-                <a:miter lim="800000"/>
-                <a:headEnd/>
-                <a:tailEnd/>
-              </a14:hiddenLine>
-            </a:ext>
-          </a:extLst>
         </p:spPr>
         <p:txBody>
-          <a:bodyPr>
+          <a:bodyPr wrap="square">
             <a:spAutoFit/>
           </a:bodyPr>
           <a:lstStyle>
@@ -25015,7 +25148,7 @@
               </a:lnSpc>
             </a:pPr>
             <a:r>
-              <a:rPr lang="zh-CN" altLang="en-US" sz="1400">
+              <a:rPr lang="zh-CN" altLang="en-US" sz="1400" dirty="0">
                 <a:solidFill>
                   <a:srgbClr val="000000"/>
                 </a:solidFill>
@@ -25023,10 +25156,25 @@
                 <a:ea typeface="微软雅黑" panose="020B0503020204020204" pitchFamily="34" charset="-122"/>
                 <a:sym typeface="微软雅黑" panose="020B0503020204020204" pitchFamily="34" charset="-122"/>
               </a:rPr>
-              <a:t>创建的数据库文件位于</a:t>
-            </a:r>
-            <a:r>
-              <a:rPr lang="en-US" altLang="zh-CN" sz="1400">
+              <a:t>创建的数据库文件位于：</a:t>
+            </a:r>
+            <a:endParaRPr lang="en-US" altLang="zh-CN" sz="1400" dirty="0">
+              <a:solidFill>
+                <a:srgbClr val="000000"/>
+              </a:solidFill>
+              <a:latin typeface="微软雅黑" panose="020B0503020204020204" pitchFamily="34" charset="-122"/>
+              <a:ea typeface="微软雅黑" panose="020B0503020204020204" pitchFamily="34" charset="-122"/>
+              <a:sym typeface="微软雅黑" panose="020B0503020204020204" pitchFamily="34" charset="-122"/>
+            </a:endParaRPr>
+          </a:p>
+          <a:p>
+            <a:pPr algn="just">
+              <a:lnSpc>
+                <a:spcPct val="150000"/>
+              </a:lnSpc>
+            </a:pPr>
+            <a:r>
+              <a:rPr lang="en-US" altLang="zh-CN" sz="1200" dirty="0">
                 <a:solidFill>
                   <a:srgbClr val="000000"/>
                 </a:solidFill>
@@ -25037,7 +25185,7 @@
               <a:t>/data /data/&lt;package name&gt;/databases/&lt;</a:t>
             </a:r>
             <a:r>
-              <a:rPr lang="zh-CN" altLang="en-US" sz="1400">
+              <a:rPr lang="zh-CN" altLang="en-US" sz="1200" dirty="0">
                 <a:solidFill>
                   <a:srgbClr val="000000"/>
                 </a:solidFill>
@@ -25048,7 +25196,7 @@
               <a:t>数据库名</a:t>
             </a:r>
             <a:r>
-              <a:rPr lang="en-US" altLang="zh-CN" sz="1400">
+              <a:rPr lang="en-US" altLang="zh-CN" sz="1200" dirty="0">
                 <a:solidFill>
                   <a:srgbClr val="000000"/>
                 </a:solidFill>
@@ -25056,9 +25204,20 @@
                 <a:ea typeface="微软雅黑" panose="020B0503020204020204" pitchFamily="34" charset="-122"/>
                 <a:sym typeface="微软雅黑" panose="020B0503020204020204" pitchFamily="34" charset="-122"/>
               </a:rPr>
-              <a:t>&gt;.db</a:t>
-            </a:r>
-            <a:endParaRPr lang="zh-CN" altLang="en-US" sz="1400">
+              <a:t>&gt;.</a:t>
+            </a:r>
+            <a:r>
+              <a:rPr lang="en-US" altLang="zh-CN" sz="1200" dirty="0" err="1">
+                <a:solidFill>
+                  <a:srgbClr val="000000"/>
+                </a:solidFill>
+                <a:latin typeface="微软雅黑" panose="020B0503020204020204" pitchFamily="34" charset="-122"/>
+                <a:ea typeface="微软雅黑" panose="020B0503020204020204" pitchFamily="34" charset="-122"/>
+                <a:sym typeface="微软雅黑" panose="020B0503020204020204" pitchFamily="34" charset="-122"/>
+              </a:rPr>
+              <a:t>db</a:t>
+            </a:r>
+            <a:endParaRPr lang="zh-CN" altLang="en-US" sz="1200" dirty="0">
               <a:solidFill>
                 <a:srgbClr val="000000"/>
               </a:solidFill>
@@ -25072,7 +25231,7 @@
                 <a:spcPct val="150000"/>
               </a:lnSpc>
             </a:pPr>
-            <a:endParaRPr lang="zh-CN" altLang="en-US" sz="1400">
+            <a:endParaRPr lang="zh-CN" altLang="en-US" sz="1400" dirty="0">
               <a:solidFill>
                 <a:srgbClr val="000000"/>
               </a:solidFill>
@@ -25197,7 +25356,7 @@
         </p:blipFill>
         <p:spPr bwMode="auto">
           <a:xfrm>
-            <a:off x="4683125" y="1017588"/>
+            <a:off x="4716010" y="771625"/>
             <a:ext cx="3711575" cy="4062412"/>
           </a:xfrm>
           <a:prstGeom prst="rect">
@@ -26077,29 +26236,14 @@
           <a:prstGeom prst="rect">
             <a:avLst/>
           </a:prstGeom>
-          <a:noFill/>
+          <a:solidFill>
+            <a:schemeClr val="bg1">
+              <a:lumMod val="85000"/>
+            </a:schemeClr>
+          </a:solidFill>
           <a:ln>
             <a:noFill/>
           </a:ln>
-          <a:extLst>
-            <a:ext uri="{909E8E84-426E-40DD-AFC4-6F175D3DCCD1}">
-              <a14:hiddenFill xmlns:a14="http://schemas.microsoft.com/office/drawing/2010/main">
-                <a:solidFill>
-                  <a:srgbClr val="FFFFFF"/>
-                </a:solidFill>
-              </a14:hiddenFill>
-            </a:ext>
-            <a:ext uri="{91240B29-F687-4F45-9708-019B960494DF}">
-              <a14:hiddenLine xmlns:a14="http://schemas.microsoft.com/office/drawing/2010/main" w="9525">
-                <a:solidFill>
-                  <a:srgbClr val="000000"/>
-                </a:solidFill>
-                <a:miter lim="800000"/>
-                <a:headEnd/>
-                <a:tailEnd/>
-              </a14:hiddenLine>
-            </a:ext>
-          </a:extLst>
         </p:spPr>
         <p:txBody>
           <a:bodyPr lIns="68580" tIns="34290" rIns="68580" bIns="34290">
@@ -26108,7 +26252,7 @@
           <a:lstStyle/>
           <a:p>
             <a:r>
-              <a:rPr lang="en-US" altLang="zh-CN" sz="2200" b="1">
+              <a:rPr lang="en-US" altLang="zh-CN" sz="2200" b="1" dirty="0" err="1">
                 <a:solidFill>
                   <a:srgbClr val="3F3F3F"/>
                 </a:solidFill>
@@ -26119,7 +26263,7 @@
               <a:t>ContentProvider</a:t>
             </a:r>
             <a:r>
-              <a:rPr lang="zh-CN" altLang="en-US" sz="2200" b="1">
+              <a:rPr lang="zh-CN" altLang="en-US" sz="2200" b="1" dirty="0">
                 <a:solidFill>
                   <a:srgbClr val="3F3F3F"/>
                 </a:solidFill>
@@ -27091,10 +27235,15 @@
             <a:off x="280988" y="1003300"/>
             <a:ext cx="8620125" cy="1373188"/>
           </a:xfrm>
+          <a:solidFill>
+            <a:schemeClr val="bg1">
+              <a:lumMod val="85000"/>
+            </a:schemeClr>
+          </a:solidFill>
         </p:spPr>
         <p:txBody>
           <a:bodyPr>
-            <a:normAutofit lnSpcReduction="20000"/>
+            <a:normAutofit lnSpcReduction="10000"/>
           </a:bodyPr>
           <a:lstStyle/>
           <a:p>
@@ -27177,9 +27326,14 @@
         </p:nvSpPr>
         <p:spPr>
           <a:xfrm>
-            <a:off x="180975" y="2759075"/>
-            <a:ext cx="8380413" cy="1503363"/>
+            <a:off x="280988" y="2889250"/>
+            <a:ext cx="8380413" cy="1186653"/>
           </a:xfrm>
+          <a:solidFill>
+            <a:schemeClr val="bg1">
+              <a:lumMod val="85000"/>
+            </a:schemeClr>
+          </a:solidFill>
         </p:spPr>
         <p:txBody>
           <a:bodyPr/>
@@ -27402,13 +27556,17 @@
         </p:nvSpPr>
         <p:spPr>
           <a:xfrm>
-            <a:off x="50800" y="746125"/>
-            <a:ext cx="9063038" cy="4292600"/>
+            <a:off x="48457" y="987640"/>
+            <a:ext cx="9063038" cy="3605282"/>
           </a:xfrm>
           <a:prstGeom prst="rect">
             <a:avLst/>
           </a:prstGeom>
-          <a:noFill/>
+          <a:solidFill>
+            <a:schemeClr val="bg1">
+              <a:lumMod val="85000"/>
+            </a:schemeClr>
+          </a:solidFill>
           <a:ln w="9525">
             <a:noFill/>
           </a:ln>
@@ -27709,25 +27867,6 @@
               </a:rPr>
               <a:t>从ContentProvider中获取数据。</a:t>
             </a:r>
-          </a:p>
-          <a:p>
-            <a:pPr indent="266700">
-              <a:lnSpc>
-                <a:spcPct val="150000"/>
-              </a:lnSpc>
-            </a:pPr>
-            <a:endParaRPr sz="1400" noProof="1">
-              <a:solidFill>
-                <a:srgbClr val="000000"/>
-              </a:solidFill>
-            </a:endParaRPr>
-          </a:p>
-          <a:p>
-            <a:pPr indent="266700">
-              <a:lnSpc>
-                <a:spcPct val="150000"/>
-              </a:lnSpc>
-            </a:pPr>
             <a:endParaRPr lang="zh-CN" altLang="en-US" sz="1400" noProof="1">
               <a:solidFill>
                 <a:srgbClr val="000000"/>
@@ -28417,19 +28556,23 @@
         </p:nvSpPr>
         <p:spPr>
           <a:xfrm>
-            <a:off x="76200" y="669925"/>
-            <a:ext cx="9039225" cy="3568700"/>
+            <a:off x="363771" y="915635"/>
+            <a:ext cx="8384070" cy="3568700"/>
           </a:xfrm>
           <a:prstGeom prst="rect">
             <a:avLst/>
           </a:prstGeom>
-          <a:noFill/>
+          <a:solidFill>
+            <a:schemeClr val="bg1">
+              <a:lumMod val="85000"/>
+            </a:schemeClr>
+          </a:solidFill>
           <a:ln w="9525">
             <a:noFill/>
           </a:ln>
         </p:spPr>
         <p:txBody>
-          <a:bodyPr>
+          <a:bodyPr wrap="square">
             <a:spAutoFit/>
           </a:bodyPr>
           <a:lstStyle/>
@@ -28904,34 +29047,19 @@
         <p:spPr bwMode="auto">
           <a:xfrm>
             <a:off x="358775" y="1003300"/>
-            <a:ext cx="8632825" cy="3784600"/>
+            <a:ext cx="8632825" cy="3139321"/>
           </a:xfrm>
           <a:prstGeom prst="rect">
             <a:avLst/>
           </a:prstGeom>
-          <a:noFill/>
+          <a:solidFill>
+            <a:schemeClr val="bg1">
+              <a:lumMod val="85000"/>
+            </a:schemeClr>
+          </a:solidFill>
           <a:ln>
             <a:noFill/>
           </a:ln>
-          <a:extLst>
-            <a:ext uri="{909E8E84-426E-40DD-AFC4-6F175D3DCCD1}">
-              <a14:hiddenFill xmlns:a14="http://schemas.microsoft.com/office/drawing/2010/main">
-                <a:solidFill>
-                  <a:srgbClr val="FFFFFF"/>
-                </a:solidFill>
-              </a14:hiddenFill>
-            </a:ext>
-            <a:ext uri="{91240B29-F687-4F45-9708-019B960494DF}">
-              <a14:hiddenLine xmlns:a14="http://schemas.microsoft.com/office/drawing/2010/main" w="9525">
-                <a:solidFill>
-                  <a:srgbClr val="000000"/>
-                </a:solidFill>
-                <a:miter lim="800000"/>
-                <a:headEnd/>
-                <a:tailEnd/>
-              </a14:hiddenLine>
-            </a:ext>
-          </a:extLst>
         </p:spPr>
         <p:txBody>
           <a:bodyPr>
@@ -28940,7 +29068,7 @@
           <a:lstStyle/>
           <a:p>
             <a:r>
-              <a:rPr lang="zh-CN" altLang="zh-CN" sz="2400" b="1">
+              <a:rPr lang="zh-CN" altLang="zh-CN" sz="2400" b="1" dirty="0">
                 <a:solidFill>
                   <a:srgbClr val="00B050"/>
                 </a:solidFill>
@@ -28948,7 +29076,7 @@
               <a:t>ContentProvider对外共享数据步骤</a:t>
             </a:r>
             <a:r>
-              <a:rPr lang="zh-CN" altLang="zh-CN" sz="2400">
+              <a:rPr lang="zh-CN" altLang="zh-CN" sz="2400" dirty="0">
                 <a:solidFill>
                   <a:srgbClr val="00B050"/>
                 </a:solidFill>
@@ -28957,14 +29085,14 @@
             </a:r>
           </a:p>
           <a:p>
-            <a:endParaRPr lang="zh-CN" altLang="zh-CN" sz="2400">
+            <a:endParaRPr lang="zh-CN" altLang="zh-CN" sz="2400" dirty="0">
               <a:solidFill>
                 <a:srgbClr val="000000"/>
               </a:solidFill>
             </a:endParaRPr>
           </a:p>
           <a:p>
-            <a:endParaRPr lang="zh-CN" altLang="zh-CN" sz="1200">
+            <a:endParaRPr lang="zh-CN" altLang="zh-CN" sz="1200" dirty="0">
               <a:solidFill>
                 <a:srgbClr val="000000"/>
               </a:solidFill>
@@ -28972,7 +29100,7 @@
           </a:p>
           <a:p>
             <a:r>
-              <a:rPr lang="zh-CN" altLang="zh-CN">
+              <a:rPr lang="zh-CN" altLang="zh-CN" dirty="0">
                 <a:solidFill>
                   <a:srgbClr val="000000"/>
                 </a:solidFill>
@@ -28980,21 +29108,21 @@
               <a:t>1. 定义一个类继承 </a:t>
             </a:r>
             <a:r>
-              <a:rPr lang="zh-CN" altLang="zh-CN" b="1">
+              <a:rPr lang="zh-CN" altLang="zh-CN" b="1" dirty="0">
                 <a:solidFill>
                   <a:srgbClr val="FF0000"/>
                 </a:solidFill>
               </a:rPr>
               <a:t>ContentProvider</a:t>
             </a:r>
-            <a:endParaRPr lang="zh-CN" altLang="zh-CN">
+            <a:endParaRPr lang="zh-CN" altLang="zh-CN" dirty="0">
               <a:solidFill>
                 <a:srgbClr val="000000"/>
               </a:solidFill>
             </a:endParaRPr>
           </a:p>
           <a:p>
-            <a:endParaRPr lang="zh-CN" altLang="zh-CN">
+            <a:endParaRPr lang="zh-CN" altLang="zh-CN" dirty="0">
               <a:solidFill>
                 <a:srgbClr val="000000"/>
               </a:solidFill>
@@ -29002,27 +29130,27 @@
           </a:p>
           <a:p>
             <a:r>
-              <a:rPr lang="zh-CN" altLang="zh-CN">
+              <a:rPr lang="zh-CN" altLang="zh-CN" dirty="0">
                 <a:solidFill>
                   <a:srgbClr val="000000"/>
                 </a:solidFill>
               </a:rPr>
               <a:t>2. 定义匹配规则 UriMacher</a:t>
             </a:r>
-            <a:endParaRPr lang="en-US" altLang="zh-CN">
+            <a:endParaRPr lang="en-US" altLang="zh-CN" dirty="0">
               <a:latin typeface="微软雅黑" panose="020B0503020204020204" pitchFamily="34" charset="-122"/>
               <a:ea typeface="微软雅黑" panose="020B0503020204020204" pitchFamily="34" charset="-122"/>
             </a:endParaRPr>
           </a:p>
           <a:p>
-            <a:endParaRPr lang="en-US" altLang="zh-CN">
+            <a:endParaRPr lang="en-US" altLang="zh-CN" dirty="0">
               <a:latin typeface="微软雅黑" panose="020B0503020204020204" pitchFamily="34" charset="-122"/>
               <a:ea typeface="微软雅黑" panose="020B0503020204020204" pitchFamily="34" charset="-122"/>
             </a:endParaRPr>
           </a:p>
           <a:p>
             <a:r>
-              <a:rPr lang="zh-CN" altLang="zh-CN">
+              <a:rPr lang="zh-CN" altLang="zh-CN" dirty="0">
                 <a:solidFill>
                   <a:srgbClr val="000000"/>
                 </a:solidFill>
@@ -29030,7 +29158,7 @@
               <a:t>3. 在清单文件配置内容提供者 </a:t>
             </a:r>
             <a:r>
-              <a:rPr lang="en-US" altLang="zh-CN">
+              <a:rPr lang="en-US" altLang="zh-CN" dirty="0">
                 <a:solidFill>
                   <a:srgbClr val="000000"/>
                 </a:solidFill>
@@ -29039,7 +29167,7 @@
             </a:r>
           </a:p>
           <a:p>
-            <a:endParaRPr lang="zh-CN" altLang="zh-CN">
+            <a:endParaRPr lang="zh-CN" altLang="zh-CN" dirty="0">
               <a:solidFill>
                 <a:srgbClr val="000000"/>
               </a:solidFill>
@@ -29047,7 +29175,7 @@
           </a:p>
           <a:p>
             <a:r>
-              <a:rPr lang="zh-CN" altLang="zh-CN">
+              <a:rPr lang="zh-CN" altLang="zh-CN" dirty="0">
                 <a:solidFill>
                   <a:srgbClr val="000000"/>
                 </a:solidFill>
@@ -29055,7 +29183,7 @@
               <a:t>4. </a:t>
             </a:r>
             <a:r>
-              <a:rPr lang="zh-CN" altLang="zh-CN">
+              <a:rPr lang="zh-CN" altLang="zh-CN" dirty="0">
                 <a:solidFill>
                   <a:srgbClr val="000000"/>
                 </a:solidFill>
@@ -29064,7 +29192,7 @@
               <a:t>其他应用程序通过</a:t>
             </a:r>
             <a:r>
-              <a:rPr lang="zh-CN" altLang="zh-CN" b="1">
+              <a:rPr lang="zh-CN" altLang="zh-CN" b="1" dirty="0">
                 <a:solidFill>
                   <a:srgbClr val="FF0000"/>
                 </a:solidFill>
@@ -29073,7 +29201,7 @@
               <a:t>ContentResolver和Uri</a:t>
             </a:r>
             <a:r>
-              <a:rPr lang="zh-CN" altLang="zh-CN">
+              <a:rPr lang="zh-CN" altLang="zh-CN" dirty="0">
                 <a:solidFill>
                   <a:srgbClr val="000000"/>
                 </a:solidFill>
@@ -29081,41 +29209,14 @@
               </a:rPr>
               <a:t>来获取数据</a:t>
             </a:r>
-            <a:r>
-              <a:rPr lang="zh-CN" altLang="en-US">
-                <a:solidFill>
-                  <a:srgbClr val="000000"/>
-                </a:solidFill>
-                <a:latin typeface="微软雅黑" panose="020B0503020204020204" pitchFamily="34" charset="-122"/>
-                <a:ea typeface="微软雅黑" panose="020B0503020204020204" pitchFamily="34" charset="-122"/>
-                <a:sym typeface="微软雅黑" panose="020B0503020204020204" pitchFamily="34" charset="-122"/>
-              </a:rPr>
-              <a:t> </a:t>
-            </a:r>
-          </a:p>
-          <a:p>
-            <a:endParaRPr lang="en-US" altLang="zh-CN">
+            <a:endParaRPr lang="zh-CN" altLang="zh-CN" sz="1200" dirty="0">
               <a:solidFill>
                 <a:srgbClr val="000000"/>
               </a:solidFill>
             </a:endParaRPr>
           </a:p>
           <a:p>
-            <a:endParaRPr lang="zh-CN" altLang="zh-CN" sz="1200">
-              <a:solidFill>
-                <a:srgbClr val="000000"/>
-              </a:solidFill>
-            </a:endParaRPr>
-          </a:p>
-          <a:p>
-            <a:endParaRPr lang="zh-CN" altLang="zh-CN" sz="1200">
-              <a:solidFill>
-                <a:srgbClr val="000000"/>
-              </a:solidFill>
-            </a:endParaRPr>
-          </a:p>
-          <a:p>
-            <a:endParaRPr lang="zh-CN" altLang="zh-CN" sz="1200">
+            <a:endParaRPr lang="zh-CN" altLang="zh-CN" sz="1200" dirty="0">
               <a:solidFill>
                 <a:srgbClr val="000000"/>
               </a:solidFill>
@@ -29304,44 +29405,29 @@
         </p:nvSpPr>
         <p:spPr bwMode="auto">
           <a:xfrm>
-            <a:off x="44450" y="962025"/>
-            <a:ext cx="4059238" cy="2460625"/>
+            <a:off x="341344" y="669925"/>
+            <a:ext cx="3663490" cy="2893100"/>
           </a:xfrm>
           <a:prstGeom prst="rect">
             <a:avLst/>
           </a:prstGeom>
-          <a:noFill/>
+          <a:solidFill>
+            <a:schemeClr val="bg1">
+              <a:lumMod val="85000"/>
+            </a:schemeClr>
+          </a:solidFill>
           <a:ln>
             <a:noFill/>
           </a:ln>
-          <a:extLst>
-            <a:ext uri="{909E8E84-426E-40DD-AFC4-6F175D3DCCD1}">
-              <a14:hiddenFill xmlns:a14="http://schemas.microsoft.com/office/drawing/2010/main">
-                <a:solidFill>
-                  <a:srgbClr val="FFFFFF"/>
-                </a:solidFill>
-              </a14:hiddenFill>
-            </a:ext>
-            <a:ext uri="{91240B29-F687-4F45-9708-019B960494DF}">
-              <a14:hiddenLine xmlns:a14="http://schemas.microsoft.com/office/drawing/2010/main" w="9525">
-                <a:solidFill>
-                  <a:srgbClr val="000000"/>
-                </a:solidFill>
-                <a:miter lim="800000"/>
-                <a:headEnd/>
-                <a:tailEnd/>
-              </a14:hiddenLine>
-            </a:ext>
-          </a:extLst>
         </p:spPr>
         <p:txBody>
-          <a:bodyPr>
+          <a:bodyPr wrap="square">
             <a:spAutoFit/>
           </a:bodyPr>
           <a:lstStyle/>
           <a:p>
             <a:r>
-              <a:rPr lang="en-US" altLang="zh-CN" sz="1400">
+              <a:rPr lang="en-US" altLang="zh-CN" sz="1400" dirty="0">
                 <a:solidFill>
                   <a:srgbClr val="000000"/>
                 </a:solidFill>
@@ -29352,7 +29438,7 @@
               <a:t>Ref</a:t>
             </a:r>
             <a:r>
-              <a:rPr lang="zh-CN" altLang="en-US" sz="1400">
+              <a:rPr lang="zh-CN" altLang="en-US" sz="1400" dirty="0">
                 <a:solidFill>
                   <a:srgbClr val="000000"/>
                 </a:solidFill>
@@ -29364,7 +29450,7 @@
             </a:r>
           </a:p>
           <a:p>
-            <a:endParaRPr lang="zh-CN" altLang="en-US" sz="1400">
+            <a:endParaRPr lang="zh-CN" altLang="en-US" sz="1400" dirty="0">
               <a:solidFill>
                 <a:srgbClr val="000000"/>
               </a:solidFill>
@@ -29375,7 +29461,7 @@
           </a:p>
           <a:p>
             <a:r>
-              <a:rPr lang="en-US" altLang="zh-CN" sz="1400">
+              <a:rPr lang="en-US" altLang="zh-CN" sz="1400" dirty="0">
                 <a:solidFill>
                   <a:srgbClr val="000000"/>
                 </a:solidFill>
@@ -29388,7 +29474,7 @@
           </a:p>
           <a:p>
             <a:r>
-              <a:rPr lang="zh-CN" altLang="en-US" sz="1400">
+              <a:rPr lang="zh-CN" altLang="en-US" sz="1400" dirty="0">
                 <a:solidFill>
                   <a:srgbClr val="000000"/>
                 </a:solidFill>
@@ -29399,7 +29485,7 @@
               <a:t>上一节的例子</a:t>
             </a:r>
             <a:r>
-              <a:rPr lang="en-US" altLang="zh-CN" sz="1400">
+              <a:rPr lang="en-US" altLang="zh-CN" sz="1400" dirty="0" err="1">
                 <a:solidFill>
                   <a:srgbClr val="000000"/>
                 </a:solidFill>
@@ -29410,7 +29496,7 @@
               <a:t>DatabaseTest</a:t>
             </a:r>
             <a:r>
-              <a:rPr lang="zh-CN" altLang="en-US" sz="1400">
+              <a:rPr lang="zh-CN" altLang="en-US" sz="1400" dirty="0">
                 <a:solidFill>
                   <a:srgbClr val="000000"/>
                 </a:solidFill>
@@ -29421,7 +29507,7 @@
               <a:t>基础上增加</a:t>
             </a:r>
             <a:r>
-              <a:rPr lang="en-US" altLang="zh-CN" sz="1400">
+              <a:rPr lang="en-US" altLang="zh-CN" sz="1400" dirty="0">
                 <a:solidFill>
                   <a:srgbClr val="000000"/>
                 </a:solidFill>
@@ -29432,7 +29518,7 @@
               <a:t>Provider</a:t>
             </a:r>
             <a:r>
-              <a:rPr lang="zh-CN" altLang="en-US" sz="1400">
+              <a:rPr lang="zh-CN" altLang="en-US" sz="1400" dirty="0">
                 <a:solidFill>
                   <a:srgbClr val="000000"/>
                 </a:solidFill>
@@ -29444,7 +29530,7 @@
             </a:r>
           </a:p>
           <a:p>
-            <a:endParaRPr lang="zh-CN" altLang="en-US" sz="1400">
+            <a:endParaRPr lang="zh-CN" altLang="en-US" sz="1400" dirty="0">
               <a:solidFill>
                 <a:srgbClr val="000000"/>
               </a:solidFill>
@@ -29455,7 +29541,7 @@
           </a:p>
           <a:p>
             <a:r>
-              <a:rPr lang="en-US" altLang="zh-CN" sz="1400">
+              <a:rPr lang="en-US" altLang="zh-CN" sz="1400" dirty="0">
                 <a:solidFill>
                   <a:srgbClr val="000000"/>
                 </a:solidFill>
@@ -29468,7 +29554,7 @@
           </a:p>
           <a:p>
             <a:r>
-              <a:rPr lang="zh-CN" altLang="en-US" sz="1400">
+              <a:rPr lang="zh-CN" altLang="en-US" sz="1400" dirty="0">
                 <a:solidFill>
                   <a:srgbClr val="000000"/>
                 </a:solidFill>
@@ -29479,7 +29565,7 @@
               <a:t>新建工程</a:t>
             </a:r>
             <a:r>
-              <a:rPr lang="en-US" altLang="zh-CN" sz="1400">
+              <a:rPr lang="en-US" altLang="zh-CN" sz="1400" dirty="0" err="1">
                 <a:solidFill>
                   <a:srgbClr val="000000"/>
                 </a:solidFill>
@@ -29490,7 +29576,7 @@
               <a:t>ProviderTest</a:t>
             </a:r>
             <a:r>
-              <a:rPr lang="zh-CN" altLang="en-US" sz="1400">
+              <a:rPr lang="zh-CN" altLang="en-US" sz="1400" dirty="0">
                 <a:solidFill>
                   <a:srgbClr val="000000"/>
                 </a:solidFill>
@@ -29501,7 +29587,7 @@
               <a:t>，去访问刚才已经建好的</a:t>
             </a:r>
             <a:r>
-              <a:rPr lang="en-US" altLang="zh-CN" sz="1400">
+              <a:rPr lang="en-US" altLang="zh-CN" sz="1400" dirty="0">
                 <a:solidFill>
                   <a:srgbClr val="000000"/>
                 </a:solidFill>
@@ -29512,7 +29598,7 @@
               <a:t>Provider</a:t>
             </a:r>
             <a:r>
-              <a:rPr lang="zh-CN" altLang="en-US" sz="1400">
+              <a:rPr lang="zh-CN" altLang="en-US" sz="1400" dirty="0">
                 <a:solidFill>
                   <a:srgbClr val="000000"/>
                 </a:solidFill>
@@ -29524,7 +29610,7 @@
             </a:r>
           </a:p>
           <a:p>
-            <a:endParaRPr lang="zh-CN" altLang="en-US" sz="1400">
+            <a:endParaRPr lang="zh-CN" altLang="en-US" sz="1400" dirty="0">
               <a:solidFill>
                 <a:srgbClr val="000000"/>
               </a:solidFill>
@@ -29851,7 +29937,11 @@
           <a:prstGeom prst="rect">
             <a:avLst/>
           </a:prstGeom>
-          <a:noFill/>
+          <a:solidFill>
+            <a:schemeClr val="bg1">
+              <a:lumMod val="85000"/>
+            </a:schemeClr>
+          </a:solidFill>
           <a:ln w="9525">
             <a:noFill/>
           </a:ln>
@@ -30424,29 +30514,14 @@
           <a:prstGeom prst="rect">
             <a:avLst/>
           </a:prstGeom>
-          <a:noFill/>
+          <a:solidFill>
+            <a:schemeClr val="bg1">
+              <a:lumMod val="85000"/>
+            </a:schemeClr>
+          </a:solidFill>
           <a:ln>
             <a:noFill/>
           </a:ln>
-          <a:extLst>
-            <a:ext uri="{909E8E84-426E-40DD-AFC4-6F175D3DCCD1}">
-              <a14:hiddenFill xmlns:a14="http://schemas.microsoft.com/office/drawing/2010/main">
-                <a:solidFill>
-                  <a:srgbClr val="FFFFFF"/>
-                </a:solidFill>
-              </a14:hiddenFill>
-            </a:ext>
-            <a:ext uri="{91240B29-F687-4F45-9708-019B960494DF}">
-              <a14:hiddenLine xmlns:a14="http://schemas.microsoft.com/office/drawing/2010/main" w="9525">
-                <a:solidFill>
-                  <a:srgbClr val="000000"/>
-                </a:solidFill>
-                <a:miter lim="800000"/>
-                <a:headEnd/>
-                <a:tailEnd/>
-              </a14:hiddenLine>
-            </a:ext>
-          </a:extLst>
         </p:spPr>
         <p:txBody>
           <a:bodyPr lIns="68580" tIns="34290" rIns="68580" bIns="34290">
@@ -30455,7 +30530,7 @@
           <a:lstStyle/>
           <a:p>
             <a:r>
-              <a:rPr lang="zh-CN" altLang="en-US" sz="2400" b="1">
+              <a:rPr lang="zh-CN" altLang="en-US" sz="2400" b="1" dirty="0">
                 <a:solidFill>
                   <a:srgbClr val="3F3F3F"/>
                 </a:solidFill>
@@ -30776,7 +30851,11 @@
           <a:prstGeom prst="rect">
             <a:avLst/>
           </a:prstGeom>
-          <a:noFill/>
+          <a:solidFill>
+            <a:schemeClr val="bg1">
+              <a:lumMod val="85000"/>
+            </a:schemeClr>
+          </a:solidFill>
           <a:ln w="9525">
             <a:noFill/>
           </a:ln>
@@ -31136,29 +31215,14 @@
           <a:prstGeom prst="rect">
             <a:avLst/>
           </a:prstGeom>
-          <a:noFill/>
+          <a:solidFill>
+            <a:schemeClr val="bg1">
+              <a:lumMod val="85000"/>
+            </a:schemeClr>
+          </a:solidFill>
           <a:ln>
             <a:noFill/>
           </a:ln>
-          <a:extLst>
-            <a:ext uri="{909E8E84-426E-40DD-AFC4-6F175D3DCCD1}">
-              <a14:hiddenFill xmlns:a14="http://schemas.microsoft.com/office/drawing/2010/main">
-                <a:solidFill>
-                  <a:srgbClr val="FFFFFF"/>
-                </a:solidFill>
-              </a14:hiddenFill>
-            </a:ext>
-            <a:ext uri="{91240B29-F687-4F45-9708-019B960494DF}">
-              <a14:hiddenLine xmlns:a14="http://schemas.microsoft.com/office/drawing/2010/main" w="9525">
-                <a:solidFill>
-                  <a:srgbClr val="000000"/>
-                </a:solidFill>
-                <a:miter lim="800000"/>
-                <a:headEnd/>
-                <a:tailEnd/>
-              </a14:hiddenLine>
-            </a:ext>
-          </a:extLst>
         </p:spPr>
         <p:txBody>
           <a:bodyPr>
@@ -31282,7 +31346,7 @@
               </a:lnSpc>
             </a:pPr>
             <a:r>
-              <a:rPr lang="en-US" altLang="zh-CN" sz="2400" b="1">
+              <a:rPr lang="en-US" altLang="zh-CN" sz="2400" b="1" dirty="0" err="1">
                 <a:solidFill>
                   <a:srgbClr val="FF0000"/>
                 </a:solidFill>
@@ -31291,7 +31355,7 @@
               <a:t>openFileOutput</a:t>
             </a:r>
             <a:r>
-              <a:rPr lang="en-US" altLang="zh-CN" sz="2400">
+              <a:rPr lang="en-US" altLang="zh-CN" sz="2400" dirty="0">
                 <a:solidFill>
                   <a:srgbClr val="000000"/>
                 </a:solidFill>
@@ -31299,7 +31363,7 @@
               </a:rPr>
               <a:t>(String name, int mode) </a:t>
             </a:r>
-            <a:endParaRPr lang="zh-CN" altLang="en-US" sz="2400">
+            <a:endParaRPr lang="zh-CN" altLang="en-US" sz="2400" dirty="0">
               <a:solidFill>
                 <a:srgbClr val="000000"/>
               </a:solidFill>
@@ -31313,7 +31377,7 @@
               </a:lnSpc>
             </a:pPr>
             <a:r>
-              <a:rPr lang="zh-CN" altLang="en-US" sz="1400" b="1">
+              <a:rPr lang="zh-CN" altLang="en-US" sz="1400" b="1" dirty="0">
                 <a:solidFill>
                   <a:srgbClr val="000000"/>
                 </a:solidFill>
@@ -31324,7 +31388,7 @@
               <a:t>保存</a:t>
             </a:r>
             <a:r>
-              <a:rPr lang="zh-CN" altLang="en-US" sz="1400">
+              <a:rPr lang="zh-CN" altLang="en-US" sz="1400" dirty="0">
                 <a:solidFill>
                   <a:srgbClr val="000000"/>
                 </a:solidFill>
@@ -31335,7 +31399,7 @@
               <a:t>文件内容，打开指定的私有文件</a:t>
             </a:r>
             <a:r>
-              <a:rPr lang="zh-CN" altLang="en-US" sz="1400" b="1" u="sng">
+              <a:rPr lang="zh-CN" altLang="en-US" sz="1400" b="1" u="sng" dirty="0">
                 <a:solidFill>
                   <a:srgbClr val="000000"/>
                 </a:solidFill>
@@ -31346,7 +31410,7 @@
               <a:t>输出流</a:t>
             </a:r>
             <a:r>
-              <a:rPr lang="zh-CN" altLang="en-US" sz="1400">
+              <a:rPr lang="zh-CN" altLang="en-US" sz="1400" dirty="0">
                 <a:solidFill>
                   <a:srgbClr val="000000"/>
                 </a:solidFill>
@@ -31357,7 +31421,7 @@
               <a:t>，返回值类型为</a:t>
             </a:r>
             <a:r>
-              <a:rPr lang="en-US" altLang="zh-CN" sz="1400" b="1">
+              <a:rPr lang="en-US" altLang="zh-CN" sz="1400" b="1" dirty="0" err="1">
                 <a:solidFill>
                   <a:srgbClr val="000000"/>
                 </a:solidFill>
@@ -31367,14 +31431,7 @@
               </a:rPr>
               <a:t>FileOutputStream</a:t>
             </a:r>
-          </a:p>
-          <a:p>
-            <a:pPr>
-              <a:lnSpc>
-                <a:spcPct val="150000"/>
-              </a:lnSpc>
-            </a:pPr>
-            <a:endParaRPr lang="zh-CN" altLang="en-US" sz="1400">
+            <a:endParaRPr lang="en-US" altLang="zh-CN" sz="1400" b="1" dirty="0">
               <a:solidFill>
                 <a:srgbClr val="000000"/>
               </a:solidFill>
@@ -31389,94 +31446,7 @@
                 <a:spcPct val="150000"/>
               </a:lnSpc>
             </a:pPr>
-            <a:r>
-              <a:rPr lang="en-US" altLang="zh-CN" sz="2400" b="1">
-                <a:solidFill>
-                  <a:srgbClr val="FF0000"/>
-                </a:solidFill>
-                <a:sym typeface="Arial" panose="020B0604020202020204" pitchFamily="34" charset="0"/>
-              </a:rPr>
-              <a:t>openFileInput</a:t>
-            </a:r>
-            <a:r>
-              <a:rPr lang="en-US" altLang="zh-CN" sz="2400">
-                <a:solidFill>
-                  <a:srgbClr val="000000"/>
-                </a:solidFill>
-                <a:sym typeface="Arial" panose="020B0604020202020204" pitchFamily="34" charset="0"/>
-              </a:rPr>
-              <a:t>(String name)</a:t>
-            </a:r>
-          </a:p>
-          <a:p>
-            <a:pPr>
-              <a:lnSpc>
-                <a:spcPct val="150000"/>
-              </a:lnSpc>
-            </a:pPr>
-            <a:r>
-              <a:rPr lang="zh-CN" altLang="en-US" sz="1400" b="1">
-                <a:solidFill>
-                  <a:srgbClr val="000000"/>
-                </a:solidFill>
-                <a:latin typeface="微软雅黑" panose="020B0503020204020204" pitchFamily="34" charset="-122"/>
-                <a:ea typeface="微软雅黑" panose="020B0503020204020204" pitchFamily="34" charset="-122"/>
-                <a:sym typeface="微软雅黑" panose="020B0503020204020204" pitchFamily="34" charset="-122"/>
-              </a:rPr>
-              <a:t>读取</a:t>
-            </a:r>
-            <a:r>
-              <a:rPr lang="zh-CN" altLang="en-US" sz="1400">
-                <a:solidFill>
-                  <a:srgbClr val="000000"/>
-                </a:solidFill>
-                <a:latin typeface="微软雅黑" panose="020B0503020204020204" pitchFamily="34" charset="-122"/>
-                <a:ea typeface="微软雅黑" panose="020B0503020204020204" pitchFamily="34" charset="-122"/>
-                <a:sym typeface="微软雅黑" panose="020B0503020204020204" pitchFamily="34" charset="-122"/>
-              </a:rPr>
-              <a:t>文件内容，打开指定的私有文件</a:t>
-            </a:r>
-            <a:r>
-              <a:rPr lang="zh-CN" altLang="en-US" sz="1400" b="1" u="sng">
-                <a:solidFill>
-                  <a:srgbClr val="000000"/>
-                </a:solidFill>
-                <a:latin typeface="微软雅黑" panose="020B0503020204020204" pitchFamily="34" charset="-122"/>
-                <a:ea typeface="微软雅黑" panose="020B0503020204020204" pitchFamily="34" charset="-122"/>
-                <a:sym typeface="微软雅黑" panose="020B0503020204020204" pitchFamily="34" charset="-122"/>
-              </a:rPr>
-              <a:t>输出流</a:t>
-            </a:r>
-            <a:r>
-              <a:rPr lang="zh-CN" altLang="en-US" sz="1400">
-                <a:solidFill>
-                  <a:srgbClr val="000000"/>
-                </a:solidFill>
-                <a:latin typeface="微软雅黑" panose="020B0503020204020204" pitchFamily="34" charset="-122"/>
-                <a:ea typeface="微软雅黑" panose="020B0503020204020204" pitchFamily="34" charset="-122"/>
-                <a:sym typeface="微软雅黑" panose="020B0503020204020204" pitchFamily="34" charset="-122"/>
-              </a:rPr>
-              <a:t>，返回值类型为</a:t>
-            </a:r>
-            <a:r>
-              <a:rPr lang="en-US" altLang="zh-CN" sz="1400" b="1">
-                <a:solidFill>
-                  <a:srgbClr val="000000"/>
-                </a:solidFill>
-                <a:latin typeface="微软雅黑" panose="020B0503020204020204" pitchFamily="34" charset="-122"/>
-                <a:ea typeface="微软雅黑" panose="020B0503020204020204" pitchFamily="34" charset="-122"/>
-                <a:sym typeface="微软雅黑" panose="020B0503020204020204" pitchFamily="34" charset="-122"/>
-              </a:rPr>
-              <a:t>FileInputStream</a:t>
-            </a:r>
-          </a:p>
-          <a:p>
-            <a:pPr>
-              <a:lnSpc>
-                <a:spcPct val="150000"/>
-              </a:lnSpc>
-            </a:pPr>
-            <a:endParaRPr lang="en-US" altLang="zh-CN" sz="1400">
+            <a:endParaRPr lang="zh-CN" altLang="en-US" sz="1400" dirty="0">
               <a:solidFill>
                 <a:srgbClr val="000000"/>
               </a:solidFill>
@@ -31492,22 +31462,22 @@
               </a:lnSpc>
             </a:pPr>
             <a:r>
-              <a:rPr lang="en-US" altLang="zh-CN" sz="2400" b="1">
+              <a:rPr lang="en-US" altLang="zh-CN" sz="2400" b="1" dirty="0" err="1">
                 <a:solidFill>
                   <a:srgbClr val="FF0000"/>
                 </a:solidFill>
                 <a:sym typeface="Arial" panose="020B0604020202020204" pitchFamily="34" charset="0"/>
               </a:rPr>
-              <a:t>deleteFile</a:t>
-            </a:r>
-            <a:r>
-              <a:rPr lang="en-US" altLang="zh-CN" sz="2400">
+              <a:t>openFileInput</a:t>
+            </a:r>
+            <a:r>
+              <a:rPr lang="en-US" altLang="zh-CN" sz="2400" dirty="0">
                 <a:solidFill>
                   <a:srgbClr val="000000"/>
                 </a:solidFill>
                 <a:sym typeface="Arial" panose="020B0604020202020204" pitchFamily="34" charset="0"/>
               </a:rPr>
-              <a:t>(String name) </a:t>
+              <a:t>(String name)</a:t>
             </a:r>
           </a:p>
           <a:p>
@@ -31517,7 +31487,7 @@
               </a:lnSpc>
             </a:pPr>
             <a:r>
-              <a:rPr lang="zh-CN" altLang="en-US" sz="1400" b="1">
+              <a:rPr lang="zh-CN" altLang="en-US" sz="1400" b="1" dirty="0">
                 <a:solidFill>
                   <a:srgbClr val="000000"/>
                 </a:solidFill>
@@ -31525,10 +31495,10 @@
                 <a:ea typeface="微软雅黑" panose="020B0503020204020204" pitchFamily="34" charset="-122"/>
                 <a:sym typeface="微软雅黑" panose="020B0503020204020204" pitchFamily="34" charset="-122"/>
               </a:rPr>
-              <a:t>删除</a:t>
-            </a:r>
-            <a:r>
-              <a:rPr lang="zh-CN" altLang="en-US" sz="1400">
+              <a:t>读取</a:t>
+            </a:r>
+            <a:r>
+              <a:rPr lang="zh-CN" altLang="en-US" sz="1400" dirty="0">
                 <a:solidFill>
                   <a:srgbClr val="000000"/>
                 </a:solidFill>
@@ -31536,10 +31506,10 @@
                 <a:ea typeface="微软雅黑" panose="020B0503020204020204" pitchFamily="34" charset="-122"/>
                 <a:sym typeface="微软雅黑" panose="020B0503020204020204" pitchFamily="34" charset="-122"/>
               </a:rPr>
-              <a:t>指定的文件，返回值类型为</a:t>
-            </a:r>
-            <a:r>
-              <a:rPr lang="en-US" altLang="zh-CN" sz="1400" b="1">
+              <a:t>文件内容，打开指定的私有文件</a:t>
+            </a:r>
+            <a:r>
+              <a:rPr lang="zh-CN" altLang="en-US" sz="1400" b="1" u="sng" dirty="0">
                 <a:solidFill>
                   <a:srgbClr val="000000"/>
                 </a:solidFill>
@@ -31547,8 +31517,38 @@
                 <a:ea typeface="微软雅黑" panose="020B0503020204020204" pitchFamily="34" charset="-122"/>
                 <a:sym typeface="微软雅黑" panose="020B0503020204020204" pitchFamily="34" charset="-122"/>
               </a:rPr>
-              <a:t>boolean</a:t>
-            </a:r>
+              <a:t>输出流</a:t>
+            </a:r>
+            <a:r>
+              <a:rPr lang="zh-CN" altLang="en-US" sz="1400" dirty="0">
+                <a:solidFill>
+                  <a:srgbClr val="000000"/>
+                </a:solidFill>
+                <a:latin typeface="微软雅黑" panose="020B0503020204020204" pitchFamily="34" charset="-122"/>
+                <a:ea typeface="微软雅黑" panose="020B0503020204020204" pitchFamily="34" charset="-122"/>
+                <a:sym typeface="微软雅黑" panose="020B0503020204020204" pitchFamily="34" charset="-122"/>
+              </a:rPr>
+              <a:t>，返回值类型为</a:t>
+            </a:r>
+            <a:r>
+              <a:rPr lang="en-US" altLang="zh-CN" sz="1400" b="1" dirty="0" err="1">
+                <a:solidFill>
+                  <a:srgbClr val="000000"/>
+                </a:solidFill>
+                <a:latin typeface="微软雅黑" panose="020B0503020204020204" pitchFamily="34" charset="-122"/>
+                <a:ea typeface="微软雅黑" panose="020B0503020204020204" pitchFamily="34" charset="-122"/>
+                <a:sym typeface="微软雅黑" panose="020B0503020204020204" pitchFamily="34" charset="-122"/>
+              </a:rPr>
+              <a:t>FileInputStream</a:t>
+            </a:r>
+            <a:endParaRPr lang="en-US" altLang="zh-CN" sz="1400" b="1" dirty="0">
+              <a:solidFill>
+                <a:srgbClr val="000000"/>
+              </a:solidFill>
+              <a:latin typeface="微软雅黑" panose="020B0503020204020204" pitchFamily="34" charset="-122"/>
+              <a:ea typeface="微软雅黑" panose="020B0503020204020204" pitchFamily="34" charset="-122"/>
+              <a:sym typeface="微软雅黑" panose="020B0503020204020204" pitchFamily="34" charset="-122"/>
+            </a:endParaRPr>
           </a:p>
           <a:p>
             <a:pPr>
@@ -31556,8 +31556,96 @@
                 <a:spcPct val="150000"/>
               </a:lnSpc>
             </a:pPr>
-            <a:r>
-              <a:rPr lang="zh-CN" altLang="en-US" sz="1400">
+            <a:endParaRPr lang="en-US" altLang="zh-CN" sz="1400" dirty="0">
+              <a:solidFill>
+                <a:srgbClr val="000000"/>
+              </a:solidFill>
+              <a:latin typeface="微软雅黑" panose="020B0503020204020204" pitchFamily="34" charset="-122"/>
+              <a:ea typeface="微软雅黑" panose="020B0503020204020204" pitchFamily="34" charset="-122"/>
+              <a:sym typeface="微软雅黑" panose="020B0503020204020204" pitchFamily="34" charset="-122"/>
+            </a:endParaRPr>
+          </a:p>
+          <a:p>
+            <a:pPr>
+              <a:lnSpc>
+                <a:spcPct val="150000"/>
+              </a:lnSpc>
+            </a:pPr>
+            <a:r>
+              <a:rPr lang="en-US" altLang="zh-CN" sz="2400" b="1" dirty="0" err="1">
+                <a:solidFill>
+                  <a:srgbClr val="FF0000"/>
+                </a:solidFill>
+                <a:sym typeface="Arial" panose="020B0604020202020204" pitchFamily="34" charset="0"/>
+              </a:rPr>
+              <a:t>deleteFile</a:t>
+            </a:r>
+            <a:r>
+              <a:rPr lang="en-US" altLang="zh-CN" sz="2400" dirty="0">
+                <a:solidFill>
+                  <a:srgbClr val="000000"/>
+                </a:solidFill>
+                <a:sym typeface="Arial" panose="020B0604020202020204" pitchFamily="34" charset="0"/>
+              </a:rPr>
+              <a:t>(String name) </a:t>
+            </a:r>
+          </a:p>
+          <a:p>
+            <a:pPr>
+              <a:lnSpc>
+                <a:spcPct val="150000"/>
+              </a:lnSpc>
+            </a:pPr>
+            <a:r>
+              <a:rPr lang="zh-CN" altLang="en-US" sz="1400" b="1" dirty="0">
+                <a:solidFill>
+                  <a:srgbClr val="000000"/>
+                </a:solidFill>
+                <a:latin typeface="微软雅黑" panose="020B0503020204020204" pitchFamily="34" charset="-122"/>
+                <a:ea typeface="微软雅黑" panose="020B0503020204020204" pitchFamily="34" charset="-122"/>
+                <a:sym typeface="微软雅黑" panose="020B0503020204020204" pitchFamily="34" charset="-122"/>
+              </a:rPr>
+              <a:t>删除</a:t>
+            </a:r>
+            <a:r>
+              <a:rPr lang="zh-CN" altLang="en-US" sz="1400" dirty="0">
+                <a:solidFill>
+                  <a:srgbClr val="000000"/>
+                </a:solidFill>
+                <a:latin typeface="微软雅黑" panose="020B0503020204020204" pitchFamily="34" charset="-122"/>
+                <a:ea typeface="微软雅黑" panose="020B0503020204020204" pitchFamily="34" charset="-122"/>
+                <a:sym typeface="微软雅黑" panose="020B0503020204020204" pitchFamily="34" charset="-122"/>
+              </a:rPr>
+              <a:t>指定的文件，返回值类型为</a:t>
+            </a:r>
+            <a:r>
+              <a:rPr lang="en-US" altLang="zh-CN" sz="1400" b="1" dirty="0" err="1">
+                <a:solidFill>
+                  <a:srgbClr val="000000"/>
+                </a:solidFill>
+                <a:latin typeface="微软雅黑" panose="020B0503020204020204" pitchFamily="34" charset="-122"/>
+                <a:ea typeface="微软雅黑" panose="020B0503020204020204" pitchFamily="34" charset="-122"/>
+                <a:sym typeface="微软雅黑" panose="020B0503020204020204" pitchFamily="34" charset="-122"/>
+              </a:rPr>
+              <a:t>boolean</a:t>
+            </a:r>
+            <a:endParaRPr lang="en-US" altLang="zh-CN" sz="1400" b="1" dirty="0">
+              <a:solidFill>
+                <a:srgbClr val="000000"/>
+              </a:solidFill>
+              <a:latin typeface="微软雅黑" panose="020B0503020204020204" pitchFamily="34" charset="-122"/>
+              <a:ea typeface="微软雅黑" panose="020B0503020204020204" pitchFamily="34" charset="-122"/>
+              <a:sym typeface="微软雅黑" panose="020B0503020204020204" pitchFamily="34" charset="-122"/>
+            </a:endParaRPr>
+          </a:p>
+          <a:p>
+            <a:pPr>
+              <a:lnSpc>
+                <a:spcPct val="150000"/>
+              </a:lnSpc>
+            </a:pPr>
+            <a:r>
+              <a:rPr lang="zh-CN" altLang="en-US" sz="1400" dirty="0">
                 <a:solidFill>
                   <a:srgbClr val="000000"/>
                 </a:solidFill>
@@ -31759,35 +31847,20 @@
         </p:nvSpPr>
         <p:spPr bwMode="auto">
           <a:xfrm>
-            <a:off x="681038" y="915988"/>
+            <a:off x="755735" y="1203655"/>
             <a:ext cx="4219575" cy="2620962"/>
           </a:xfrm>
           <a:prstGeom prst="rect">
             <a:avLst/>
           </a:prstGeom>
-          <a:noFill/>
+          <a:solidFill>
+            <a:schemeClr val="bg1">
+              <a:lumMod val="85000"/>
+            </a:schemeClr>
+          </a:solidFill>
           <a:ln>
             <a:noFill/>
           </a:ln>
-          <a:extLst>
-            <a:ext uri="{909E8E84-426E-40DD-AFC4-6F175D3DCCD1}">
-              <a14:hiddenFill xmlns:a14="http://schemas.microsoft.com/office/drawing/2010/main">
-                <a:solidFill>
-                  <a:srgbClr val="FFFFFF"/>
-                </a:solidFill>
-              </a14:hiddenFill>
-            </a:ext>
-            <a:ext uri="{91240B29-F687-4F45-9708-019B960494DF}">
-              <a14:hiddenLine xmlns:a14="http://schemas.microsoft.com/office/drawing/2010/main" w="9525">
-                <a:solidFill>
-                  <a:srgbClr val="000000"/>
-                </a:solidFill>
-                <a:miter lim="800000"/>
-                <a:headEnd/>
-                <a:tailEnd/>
-              </a14:hiddenLine>
-            </a:ext>
-          </a:extLst>
         </p:spPr>
         <p:txBody>
           <a:bodyPr>
@@ -31917,11 +31990,11 @@
               </a:buClr>
             </a:pPr>
             <a:r>
-              <a:rPr lang="zh-CN" altLang="en-US" sz="2800" b="1"/>
+              <a:rPr lang="zh-CN" altLang="en-US" sz="2800" b="1" dirty="0"/>
               <a:t>文件读写</a:t>
             </a:r>
             <a:r>
-              <a:rPr lang="en-US" altLang="zh-CN" sz="2800" b="1"/>
+              <a:rPr lang="en-US" altLang="zh-CN" sz="2800" b="1" dirty="0"/>
               <a:t>DEMO</a:t>
             </a:r>
           </a:p>
@@ -31937,7 +32010,7 @@
                 <a:srgbClr val="6FA2E7"/>
               </a:buClr>
             </a:pPr>
-            <a:endParaRPr lang="en-US" altLang="zh-CN"/>
+            <a:endParaRPr lang="en-US" altLang="zh-CN" dirty="0"/>
           </a:p>
           <a:p>
             <a:pPr algn="just">
@@ -31952,11 +32025,11 @@
               </a:buClr>
             </a:pPr>
             <a:r>
-              <a:rPr lang="en-US" altLang="zh-CN"/>
+              <a:rPr lang="en-US" altLang="zh-CN" dirty="0"/>
               <a:t>1 </a:t>
             </a:r>
             <a:r>
-              <a:rPr lang="zh-CN" altLang="en-US"/>
+              <a:rPr lang="zh-CN" altLang="en-US" dirty="0"/>
               <a:t>写文件</a:t>
             </a:r>
           </a:p>
@@ -31973,11 +32046,11 @@
               </a:buClr>
             </a:pPr>
             <a:r>
-              <a:rPr lang="en-US" altLang="zh-CN"/>
+              <a:rPr lang="en-US" altLang="zh-CN" dirty="0"/>
               <a:t>2 </a:t>
             </a:r>
             <a:r>
-              <a:rPr lang="zh-CN" altLang="en-US"/>
+              <a:rPr lang="zh-CN" altLang="en-US" dirty="0"/>
               <a:t>读文件</a:t>
             </a:r>
           </a:p>
@@ -31994,19 +32067,19 @@
               </a:buClr>
             </a:pPr>
             <a:r>
-              <a:rPr lang="en-US" altLang="zh-CN"/>
+              <a:rPr lang="en-US" altLang="zh-CN" dirty="0"/>
               <a:t>3 </a:t>
             </a:r>
             <a:r>
-              <a:rPr lang="zh-CN" altLang="en-US"/>
+              <a:rPr lang="zh-CN" altLang="en-US" dirty="0"/>
               <a:t>在</a:t>
             </a:r>
             <a:r>
-              <a:rPr lang="en-US" altLang="zh-CN"/>
+              <a:rPr lang="en-US" altLang="zh-CN" dirty="0"/>
               <a:t>Device File Explorer </a:t>
             </a:r>
             <a:r>
-              <a:rPr lang="zh-CN" altLang="en-US"/>
+              <a:rPr lang="zh-CN" altLang="en-US" dirty="0"/>
               <a:t>中查看文件</a:t>
             </a:r>
           </a:p>
@@ -32825,29 +32898,14 @@
           <a:prstGeom prst="rect">
             <a:avLst/>
           </a:prstGeom>
-          <a:noFill/>
+          <a:solidFill>
+            <a:schemeClr val="bg1">
+              <a:lumMod val="85000"/>
+            </a:schemeClr>
+          </a:solidFill>
           <a:ln>
             <a:noFill/>
           </a:ln>
-          <a:extLst>
-            <a:ext uri="{909E8E84-426E-40DD-AFC4-6F175D3DCCD1}">
-              <a14:hiddenFill xmlns:a14="http://schemas.microsoft.com/office/drawing/2010/main">
-                <a:solidFill>
-                  <a:srgbClr val="FFFFFF"/>
-                </a:solidFill>
-              </a14:hiddenFill>
-            </a:ext>
-            <a:ext uri="{91240B29-F687-4F45-9708-019B960494DF}">
-              <a14:hiddenLine xmlns:a14="http://schemas.microsoft.com/office/drawing/2010/main" w="9525">
-                <a:solidFill>
-                  <a:srgbClr val="000000"/>
-                </a:solidFill>
-                <a:miter lim="800000"/>
-                <a:headEnd/>
-                <a:tailEnd/>
-              </a14:hiddenLine>
-            </a:ext>
-          </a:extLst>
         </p:spPr>
         <p:txBody>
           <a:bodyPr>
@@ -32979,7 +33037,7 @@
               <a:buChar char=""/>
             </a:pPr>
             <a:r>
-              <a:rPr lang="zh-CN" altLang="en-US">
+              <a:rPr lang="zh-CN" altLang="en-US" dirty="0">
                 <a:solidFill>
                   <a:srgbClr val="000000"/>
                 </a:solidFill>
@@ -33004,7 +33062,7 @@
               <a:buFont typeface="Wingdings" panose="05000000000000000000" pitchFamily="2" charset="2"/>
               <a:buChar char=""/>
             </a:pPr>
-            <a:endParaRPr lang="zh-CN" altLang="en-US">
+            <a:endParaRPr lang="zh-CN" altLang="en-US" dirty="0">
               <a:solidFill>
                 <a:srgbClr val="000000"/>
               </a:solidFill>
@@ -33028,7 +33086,7 @@
               <a:buChar char=""/>
             </a:pPr>
             <a:r>
-              <a:rPr lang="zh-CN" altLang="en-US">
+              <a:rPr lang="zh-CN" altLang="en-US" dirty="0">
                 <a:solidFill>
                   <a:srgbClr val="000000"/>
                 </a:solidFill>
@@ -33039,7 +33097,7 @@
               <a:t>键值对（</a:t>
             </a:r>
             <a:r>
-              <a:rPr lang="en-US" altLang="zh-CN">
+              <a:rPr lang="en-US" altLang="zh-CN" dirty="0">
                 <a:solidFill>
                   <a:srgbClr val="000000"/>
                 </a:solidFill>
@@ -33050,7 +33108,7 @@
               <a:t>key-value</a:t>
             </a:r>
             <a:r>
-              <a:rPr lang="zh-CN" altLang="en-US">
+              <a:rPr lang="zh-CN" altLang="en-US" dirty="0">
                 <a:solidFill>
                   <a:srgbClr val="000000"/>
                 </a:solidFill>
@@ -33061,7 +33119,7 @@
               <a:t>）存储至</a:t>
             </a:r>
             <a:r>
-              <a:rPr lang="en-US" altLang="zh-CN">
+              <a:rPr lang="en-US" altLang="zh-CN" dirty="0">
                 <a:solidFill>
                   <a:srgbClr val="000000"/>
                 </a:solidFill>
@@ -33072,7 +33130,7 @@
               <a:t>xml</a:t>
             </a:r>
             <a:r>
-              <a:rPr lang="zh-CN" altLang="en-US">
+              <a:rPr lang="zh-CN" altLang="en-US" dirty="0">
                 <a:solidFill>
                   <a:srgbClr val="000000"/>
                 </a:solidFill>
@@ -33097,7 +33155,7 @@
               <a:buFont typeface="Wingdings" panose="05000000000000000000" pitchFamily="2" charset="2"/>
               <a:buChar char=""/>
             </a:pPr>
-            <a:endParaRPr lang="zh-CN" altLang="en-US">
+            <a:endParaRPr lang="zh-CN" altLang="en-US" dirty="0">
               <a:solidFill>
                 <a:srgbClr val="000000"/>
               </a:solidFill>
@@ -33121,7 +33179,7 @@
               <a:buChar char=""/>
             </a:pPr>
             <a:r>
-              <a:rPr lang="en-US" altLang="zh-CN">
+              <a:rPr lang="en-US" altLang="zh-CN" dirty="0">
                 <a:solidFill>
                   <a:srgbClr val="000000"/>
                 </a:solidFill>
@@ -33132,7 +33190,7 @@
               <a:t>xml</a:t>
             </a:r>
             <a:r>
-              <a:rPr lang="zh-CN" altLang="en-US">
+              <a:rPr lang="zh-CN" altLang="en-US" dirty="0">
                 <a:solidFill>
                   <a:srgbClr val="000000"/>
                 </a:solidFill>
@@ -33143,7 +33201,7 @@
               <a:t>文件保存于</a:t>
             </a:r>
             <a:r>
-              <a:rPr lang="en-US" altLang="zh-CN" u="sng">
+              <a:rPr lang="en-US" altLang="zh-CN" u="sng" dirty="0">
                 <a:solidFill>
                   <a:srgbClr val="000000"/>
                 </a:solidFill>
@@ -33154,7 +33212,7 @@
               <a:t>/data/data/</a:t>
             </a:r>
             <a:r>
-              <a:rPr lang="zh-CN" altLang="en-US" u="sng">
+              <a:rPr lang="zh-CN" altLang="en-US" u="sng" dirty="0">
                 <a:solidFill>
                   <a:srgbClr val="000000"/>
                 </a:solidFill>
@@ -33165,7 +33223,7 @@
               <a:t>程序包名（</a:t>
             </a:r>
             <a:r>
-              <a:rPr lang="en-US" altLang="zh-CN" u="sng">
+              <a:rPr lang="en-US" altLang="zh-CN" u="sng" dirty="0">
                 <a:solidFill>
                   <a:srgbClr val="000000"/>
                 </a:solidFill>
@@ -33173,10 +33231,43 @@
                 <a:ea typeface="微软雅黑" panose="020B0503020204020204" pitchFamily="34" charset="-122"/>
                 <a:sym typeface="微软雅黑" panose="020B0503020204020204" pitchFamily="34" charset="-122"/>
               </a:rPr>
-              <a:t>package nam)/shared_prefs</a:t>
-            </a:r>
-            <a:r>
-              <a:rPr lang="zh-CN" altLang="en-US">
+              <a:t>package </a:t>
+            </a:r>
+            <a:r>
+              <a:rPr lang="en-US" altLang="zh-CN" u="sng" dirty="0" err="1">
+                <a:solidFill>
+                  <a:srgbClr val="000000"/>
+                </a:solidFill>
+                <a:latin typeface="微软雅黑" panose="020B0503020204020204" pitchFamily="34" charset="-122"/>
+                <a:ea typeface="微软雅黑" panose="020B0503020204020204" pitchFamily="34" charset="-122"/>
+                <a:sym typeface="微软雅黑" panose="020B0503020204020204" pitchFamily="34" charset="-122"/>
+              </a:rPr>
+              <a:t>nam</a:t>
+            </a:r>
+            <a:r>
+              <a:rPr lang="en-US" altLang="zh-CN" u="sng" dirty="0">
+                <a:solidFill>
+                  <a:srgbClr val="000000"/>
+                </a:solidFill>
+                <a:latin typeface="微软雅黑" panose="020B0503020204020204" pitchFamily="34" charset="-122"/>
+                <a:ea typeface="微软雅黑" panose="020B0503020204020204" pitchFamily="34" charset="-122"/>
+                <a:sym typeface="微软雅黑" panose="020B0503020204020204" pitchFamily="34" charset="-122"/>
+              </a:rPr>
+              <a:t>)/</a:t>
+            </a:r>
+            <a:r>
+              <a:rPr lang="en-US" altLang="zh-CN" u="sng" dirty="0" err="1">
+                <a:solidFill>
+                  <a:srgbClr val="000000"/>
+                </a:solidFill>
+                <a:latin typeface="微软雅黑" panose="020B0503020204020204" pitchFamily="34" charset="-122"/>
+                <a:ea typeface="微软雅黑" panose="020B0503020204020204" pitchFamily="34" charset="-122"/>
+                <a:sym typeface="微软雅黑" panose="020B0503020204020204" pitchFamily="34" charset="-122"/>
+              </a:rPr>
+              <a:t>shared_prefs</a:t>
+            </a:r>
+            <a:r>
+              <a:rPr lang="zh-CN" altLang="en-US" dirty="0">
                 <a:solidFill>
                   <a:srgbClr val="000000"/>
                 </a:solidFill>
@@ -33293,35 +33384,20 @@
         </p:nvSpPr>
         <p:spPr bwMode="auto">
           <a:xfrm>
-            <a:off x="508000" y="842963"/>
+            <a:off x="327819" y="1347665"/>
             <a:ext cx="8416925" cy="2676525"/>
           </a:xfrm>
           <a:prstGeom prst="rect">
             <a:avLst/>
           </a:prstGeom>
-          <a:noFill/>
+          <a:solidFill>
+            <a:schemeClr val="bg1">
+              <a:lumMod val="85000"/>
+            </a:schemeClr>
+          </a:solidFill>
           <a:ln>
             <a:noFill/>
           </a:ln>
-          <a:extLst>
-            <a:ext uri="{909E8E84-426E-40DD-AFC4-6F175D3DCCD1}">
-              <a14:hiddenFill xmlns:a14="http://schemas.microsoft.com/office/drawing/2010/main">
-                <a:solidFill>
-                  <a:srgbClr val="FFFFFF"/>
-                </a:solidFill>
-              </a14:hiddenFill>
-            </a:ext>
-            <a:ext uri="{91240B29-F687-4F45-9708-019B960494DF}">
-              <a14:hiddenLine xmlns:a14="http://schemas.microsoft.com/office/drawing/2010/main" w="9525">
-                <a:solidFill>
-                  <a:srgbClr val="000000"/>
-                </a:solidFill>
-                <a:miter lim="800000"/>
-                <a:headEnd/>
-                <a:tailEnd/>
-              </a14:hiddenLine>
-            </a:ext>
-          </a:extLst>
         </p:spPr>
         <p:txBody>
           <a:bodyPr>
@@ -33330,7 +33406,7 @@
           <a:lstStyle/>
           <a:p>
             <a:r>
-              <a:rPr lang="zh-CN" altLang="en-US" sz="1400">
+              <a:rPr lang="zh-CN" altLang="en-US" sz="1400" dirty="0">
                 <a:solidFill>
                   <a:srgbClr val="000000"/>
                 </a:solidFill>
@@ -33339,7 +33415,7 @@
               <a:t>案例：使用</a:t>
             </a:r>
             <a:r>
-              <a:rPr lang="en-US" altLang="zh-CN" sz="1400">
+              <a:rPr lang="en-US" altLang="zh-CN" sz="1400" dirty="0" err="1">
                 <a:solidFill>
                   <a:srgbClr val="000000"/>
                 </a:solidFill>
@@ -33348,7 +33424,7 @@
               <a:t>SharedPreferences</a:t>
             </a:r>
             <a:r>
-              <a:rPr lang="zh-CN" altLang="en-US" sz="1400">
+              <a:rPr lang="zh-CN" altLang="en-US" sz="1400" dirty="0">
                 <a:solidFill>
                   <a:srgbClr val="000000"/>
                 </a:solidFill>
@@ -33358,7 +33434,7 @@
             </a:r>
           </a:p>
           <a:p>
-            <a:endParaRPr lang="zh-CN" altLang="en-US" sz="1400">
+            <a:endParaRPr lang="zh-CN" altLang="en-US" sz="1400" dirty="0">
               <a:solidFill>
                 <a:srgbClr val="000000"/>
               </a:solidFill>
@@ -33367,25 +33443,88 @@
           </a:p>
           <a:p>
             <a:r>
-              <a:rPr lang="en-US" altLang="zh-CN" sz="1400">
+              <a:rPr lang="en-US" altLang="zh-CN" sz="1400" dirty="0">
                 <a:solidFill>
                   <a:srgbClr val="000000"/>
                 </a:solidFill>
                 <a:sym typeface="Arial" panose="020B0604020202020204" pitchFamily="34" charset="0"/>
               </a:rPr>
-              <a:t>        SharedPreferences sharedPreferences = getSharedPreferences("type", Context.</a:t>
-            </a:r>
-            <a:r>
-              <a:rPr lang="en-US" altLang="zh-CN" sz="1400" i="1">
+              <a:t>        </a:t>
+            </a:r>
+            <a:r>
+              <a:rPr lang="en-US" altLang="zh-CN" sz="1400" dirty="0" err="1">
                 <a:solidFill>
                   <a:srgbClr val="000000"/>
                 </a:solidFill>
                 <a:sym typeface="Arial" panose="020B0604020202020204" pitchFamily="34" charset="0"/>
               </a:rPr>
+              <a:t>SharedPreferences</a:t>
+            </a:r>
+            <a:r>
+              <a:rPr lang="en-US" altLang="zh-CN" sz="1400" dirty="0">
+                <a:solidFill>
+                  <a:srgbClr val="000000"/>
+                </a:solidFill>
+                <a:sym typeface="Arial" panose="020B0604020202020204" pitchFamily="34" charset="0"/>
+              </a:rPr>
+              <a:t> </a:t>
+            </a:r>
+            <a:r>
+              <a:rPr lang="en-US" altLang="zh-CN" sz="1400" dirty="0" err="1">
+                <a:solidFill>
+                  <a:srgbClr val="000000"/>
+                </a:solidFill>
+                <a:sym typeface="Arial" panose="020B0604020202020204" pitchFamily="34" charset="0"/>
+              </a:rPr>
+              <a:t>sharedPreferences</a:t>
+            </a:r>
+            <a:r>
+              <a:rPr lang="en-US" altLang="zh-CN" sz="1400" dirty="0">
+                <a:solidFill>
+                  <a:srgbClr val="000000"/>
+                </a:solidFill>
+                <a:sym typeface="Arial" panose="020B0604020202020204" pitchFamily="34" charset="0"/>
+              </a:rPr>
+              <a:t> = </a:t>
+            </a:r>
+            <a:r>
+              <a:rPr lang="en-US" altLang="zh-CN" sz="1400" dirty="0" err="1">
+                <a:solidFill>
+                  <a:srgbClr val="000000"/>
+                </a:solidFill>
+                <a:sym typeface="Arial" panose="020B0604020202020204" pitchFamily="34" charset="0"/>
+              </a:rPr>
+              <a:t>getSharedPreferences</a:t>
+            </a:r>
+            <a:r>
+              <a:rPr lang="en-US" altLang="zh-CN" sz="1400" dirty="0">
+                <a:solidFill>
+                  <a:srgbClr val="000000"/>
+                </a:solidFill>
+                <a:sym typeface="Arial" panose="020B0604020202020204" pitchFamily="34" charset="0"/>
+              </a:rPr>
+              <a:t>("type", </a:t>
+            </a:r>
+            <a:r>
+              <a:rPr lang="en-US" altLang="zh-CN" sz="1400" dirty="0" err="1">
+                <a:solidFill>
+                  <a:srgbClr val="000000"/>
+                </a:solidFill>
+                <a:sym typeface="Arial" panose="020B0604020202020204" pitchFamily="34" charset="0"/>
+              </a:rPr>
+              <a:t>Context.</a:t>
+            </a:r>
+            <a:r>
+              <a:rPr lang="en-US" altLang="zh-CN" sz="1400" i="1" dirty="0" err="1">
+                <a:solidFill>
+                  <a:srgbClr val="000000"/>
+                </a:solidFill>
+                <a:sym typeface="Arial" panose="020B0604020202020204" pitchFamily="34" charset="0"/>
+              </a:rPr>
               <a:t>MODE_APPEND</a:t>
             </a:r>
             <a:r>
-              <a:rPr lang="en-US" altLang="zh-CN" sz="1400">
+              <a:rPr lang="en-US" altLang="zh-CN" sz="1400" dirty="0">
                 <a:solidFill>
                   <a:srgbClr val="000000"/>
                 </a:solidFill>
@@ -33393,7 +33532,7 @@
               </a:rPr>
               <a:t>);</a:t>
             </a:r>
-            <a:endParaRPr lang="zh-CN" altLang="en-US" sz="1400">
+            <a:endParaRPr lang="zh-CN" altLang="en-US" sz="1400" dirty="0">
               <a:solidFill>
                 <a:srgbClr val="000000"/>
               </a:solidFill>
@@ -33402,7 +33541,7 @@
           </a:p>
           <a:p>
             <a:r>
-              <a:rPr lang="en-US" altLang="zh-CN" sz="1400">
+              <a:rPr lang="en-US" altLang="zh-CN" sz="1400" dirty="0">
                 <a:solidFill>
                   <a:srgbClr val="000000"/>
                 </a:solidFill>
@@ -33413,15 +33552,51 @@
           </a:p>
           <a:p>
             <a:r>
-              <a:rPr lang="en-US" altLang="zh-CN" sz="1400">
+              <a:rPr lang="en-US" altLang="zh-CN" sz="1400" dirty="0">
                 <a:solidFill>
                   <a:srgbClr val="000000"/>
                 </a:solidFill>
                 <a:sym typeface="Arial" panose="020B0604020202020204" pitchFamily="34" charset="0"/>
               </a:rPr>
-              <a:t>        Editor editor = sharedPreferences.edit();</a:t>
-            </a:r>
-            <a:endParaRPr lang="zh-CN" altLang="en-US" sz="1400">
+              <a:t>        Editor </a:t>
+            </a:r>
+            <a:r>
+              <a:rPr lang="en-US" altLang="zh-CN" sz="1400" dirty="0" err="1">
+                <a:solidFill>
+                  <a:srgbClr val="000000"/>
+                </a:solidFill>
+                <a:sym typeface="Arial" panose="020B0604020202020204" pitchFamily="34" charset="0"/>
+              </a:rPr>
+              <a:t>editor</a:t>
+            </a:r>
+            <a:r>
+              <a:rPr lang="en-US" altLang="zh-CN" sz="1400" dirty="0">
+                <a:solidFill>
+                  <a:srgbClr val="000000"/>
+                </a:solidFill>
+                <a:sym typeface="Arial" panose="020B0604020202020204" pitchFamily="34" charset="0"/>
+              </a:rPr>
+              <a:t> = </a:t>
+            </a:r>
+            <a:r>
+              <a:rPr lang="en-US" altLang="zh-CN" sz="1400" dirty="0" err="1">
+                <a:solidFill>
+                  <a:srgbClr val="000000"/>
+                </a:solidFill>
+                <a:sym typeface="Arial" panose="020B0604020202020204" pitchFamily="34" charset="0"/>
+              </a:rPr>
+              <a:t>sharedPreferences.edit</a:t>
+            </a:r>
+            <a:r>
+              <a:rPr lang="en-US" altLang="zh-CN" sz="1400" dirty="0">
+                <a:solidFill>
+                  <a:srgbClr val="000000"/>
+                </a:solidFill>
+                <a:sym typeface="Arial" panose="020B0604020202020204" pitchFamily="34" charset="0"/>
+              </a:rPr>
+              <a:t>();</a:t>
+            </a:r>
+            <a:endParaRPr lang="zh-CN" altLang="en-US" sz="1400" dirty="0">
               <a:solidFill>
                 <a:srgbClr val="000000"/>
               </a:solidFill>
@@ -33430,16 +33605,25 @@
           </a:p>
           <a:p>
             <a:r>
-              <a:rPr lang="en-US" altLang="zh-CN" sz="1400">
+              <a:rPr lang="en-US" altLang="zh-CN" sz="1400" dirty="0">
                 <a:solidFill>
                   <a:srgbClr val="000000"/>
                 </a:solidFill>
                 <a:sym typeface="Arial" panose="020B0604020202020204" pitchFamily="34" charset="0"/>
               </a:rPr>
-              <a:t>        editor.</a:t>
-            </a:r>
-            <a:r>
-              <a:rPr lang="en-US" altLang="zh-CN" sz="1400" b="1">
+              <a:t>        </a:t>
+            </a:r>
+            <a:r>
+              <a:rPr lang="en-US" altLang="zh-CN" sz="1400" dirty="0" err="1">
+                <a:solidFill>
+                  <a:srgbClr val="000000"/>
+                </a:solidFill>
+                <a:sym typeface="Arial" panose="020B0604020202020204" pitchFamily="34" charset="0"/>
+              </a:rPr>
+              <a:t>editor.</a:t>
+            </a:r>
+            <a:r>
+              <a:rPr lang="en-US" altLang="zh-CN" sz="1400" b="1" dirty="0" err="1">
                 <a:solidFill>
                   <a:srgbClr val="0070C0"/>
                 </a:solidFill>
@@ -33448,7 +33632,7 @@
               <a:t>putString</a:t>
             </a:r>
             <a:r>
-              <a:rPr lang="en-US" altLang="zh-CN" sz="1400">
+              <a:rPr lang="en-US" altLang="zh-CN" sz="1400" dirty="0">
                 <a:solidFill>
                   <a:srgbClr val="000000"/>
                 </a:solidFill>
@@ -33457,7 +33641,7 @@
               <a:t>("String", "words");	// String</a:t>
             </a:r>
             <a:r>
-              <a:rPr lang="zh-CN" altLang="en-US" sz="1400">
+              <a:rPr lang="zh-CN" altLang="en-US" sz="1400" dirty="0">
                 <a:solidFill>
                   <a:srgbClr val="000000"/>
                 </a:solidFill>
@@ -33468,16 +33652,25 @@
           </a:p>
           <a:p>
             <a:r>
-              <a:rPr lang="en-US" altLang="zh-CN" sz="1400">
+              <a:rPr lang="en-US" altLang="zh-CN" sz="1400" dirty="0">
                 <a:solidFill>
                   <a:srgbClr val="000000"/>
                 </a:solidFill>
                 <a:sym typeface="Arial" panose="020B0604020202020204" pitchFamily="34" charset="0"/>
               </a:rPr>
-              <a:t>        editor.</a:t>
-            </a:r>
-            <a:r>
-              <a:rPr lang="en-US" altLang="zh-CN" sz="1400" b="1">
+              <a:t>        </a:t>
+            </a:r>
+            <a:r>
+              <a:rPr lang="en-US" altLang="zh-CN" sz="1400" dirty="0" err="1">
+                <a:solidFill>
+                  <a:srgbClr val="000000"/>
+                </a:solidFill>
+                <a:sym typeface="Arial" panose="020B0604020202020204" pitchFamily="34" charset="0"/>
+              </a:rPr>
+              <a:t>editor.</a:t>
+            </a:r>
+            <a:r>
+              <a:rPr lang="en-US" altLang="zh-CN" sz="1400" b="1" dirty="0" err="1">
                 <a:solidFill>
                   <a:srgbClr val="0070C0"/>
                 </a:solidFill>
@@ -33486,7 +33679,7 @@
               <a:t>putBoolean</a:t>
             </a:r>
             <a:r>
-              <a:rPr lang="en-US" altLang="zh-CN" sz="1400">
+              <a:rPr lang="en-US" altLang="zh-CN" sz="1400" dirty="0">
                 <a:solidFill>
                   <a:srgbClr val="000000"/>
                 </a:solidFill>
@@ -33495,7 +33688,7 @@
               <a:t>("Boolean", </a:t>
             </a:r>
             <a:r>
-              <a:rPr lang="en-US" altLang="zh-CN" sz="1400" b="1">
+              <a:rPr lang="en-US" altLang="zh-CN" sz="1400" b="1" dirty="0">
                 <a:solidFill>
                   <a:srgbClr val="000000"/>
                 </a:solidFill>
@@ -33504,7 +33697,7 @@
               <a:t>true</a:t>
             </a:r>
             <a:r>
-              <a:rPr lang="en-US" altLang="zh-CN" sz="1400">
+              <a:rPr lang="en-US" altLang="zh-CN" sz="1400" dirty="0">
                 <a:solidFill>
                   <a:srgbClr val="000000"/>
                 </a:solidFill>
@@ -33513,7 +33706,7 @@
               <a:t>); 	// Boolean</a:t>
             </a:r>
             <a:r>
-              <a:rPr lang="zh-CN" altLang="en-US" sz="1400">
+              <a:rPr lang="zh-CN" altLang="en-US" sz="1400" dirty="0">
                 <a:solidFill>
                   <a:srgbClr val="000000"/>
                 </a:solidFill>
@@ -33524,16 +33717,25 @@
           </a:p>
           <a:p>
             <a:r>
-              <a:rPr lang="en-US" altLang="zh-CN" sz="1400">
+              <a:rPr lang="en-US" altLang="zh-CN" sz="1400" dirty="0">
                 <a:solidFill>
                   <a:srgbClr val="000000"/>
                 </a:solidFill>
                 <a:sym typeface="Arial" panose="020B0604020202020204" pitchFamily="34" charset="0"/>
               </a:rPr>
-              <a:t>        editor.</a:t>
-            </a:r>
-            <a:r>
-              <a:rPr lang="en-US" altLang="zh-CN" sz="1400" b="1">
+              <a:t>        </a:t>
+            </a:r>
+            <a:r>
+              <a:rPr lang="en-US" altLang="zh-CN" sz="1400" dirty="0" err="1">
+                <a:solidFill>
+                  <a:srgbClr val="000000"/>
+                </a:solidFill>
+                <a:sym typeface="Arial" panose="020B0604020202020204" pitchFamily="34" charset="0"/>
+              </a:rPr>
+              <a:t>editor.</a:t>
+            </a:r>
+            <a:r>
+              <a:rPr lang="en-US" altLang="zh-CN" sz="1400" b="1" dirty="0" err="1">
                 <a:solidFill>
                   <a:srgbClr val="0070C0"/>
                 </a:solidFill>
@@ -33542,7 +33744,7 @@
               <a:t>putInt</a:t>
             </a:r>
             <a:r>
-              <a:rPr lang="en-US" altLang="zh-CN" sz="1400">
+              <a:rPr lang="en-US" altLang="zh-CN" sz="1400" dirty="0">
                 <a:solidFill>
                   <a:srgbClr val="000000"/>
                 </a:solidFill>
@@ -33551,7 +33753,7 @@
               <a:t>("Integer", 1); 		// Integer</a:t>
             </a:r>
             <a:r>
-              <a:rPr lang="zh-CN" altLang="en-US" sz="1400">
+              <a:rPr lang="zh-CN" altLang="en-US" sz="1400" dirty="0">
                 <a:solidFill>
                   <a:srgbClr val="000000"/>
                 </a:solidFill>
@@ -33562,16 +33764,25 @@
           </a:p>
           <a:p>
             <a:r>
-              <a:rPr lang="en-US" altLang="zh-CN" sz="1400">
+              <a:rPr lang="en-US" altLang="zh-CN" sz="1400" dirty="0">
                 <a:solidFill>
                   <a:srgbClr val="000000"/>
                 </a:solidFill>
                 <a:sym typeface="Arial" panose="020B0604020202020204" pitchFamily="34" charset="0"/>
               </a:rPr>
-              <a:t>        editor.</a:t>
-            </a:r>
-            <a:r>
-              <a:rPr lang="en-US" altLang="zh-CN" sz="1400" b="1">
+              <a:t>        </a:t>
+            </a:r>
+            <a:r>
+              <a:rPr lang="en-US" altLang="zh-CN" sz="1400" dirty="0" err="1">
+                <a:solidFill>
+                  <a:srgbClr val="000000"/>
+                </a:solidFill>
+                <a:sym typeface="Arial" panose="020B0604020202020204" pitchFamily="34" charset="0"/>
+              </a:rPr>
+              <a:t>editor.</a:t>
+            </a:r>
+            <a:r>
+              <a:rPr lang="en-US" altLang="zh-CN" sz="1400" b="1" dirty="0" err="1">
                 <a:solidFill>
                   <a:srgbClr val="0070C0"/>
                 </a:solidFill>
@@ -33580,7 +33791,7 @@
               <a:t>putLong</a:t>
             </a:r>
             <a:r>
-              <a:rPr lang="en-US" altLang="zh-CN" sz="1400">
+              <a:rPr lang="en-US" altLang="zh-CN" sz="1400" dirty="0">
                 <a:solidFill>
                   <a:srgbClr val="000000"/>
                 </a:solidFill>
@@ -33589,7 +33800,7 @@
               <a:t>("Long", 1000000); 	// Long</a:t>
             </a:r>
             <a:r>
-              <a:rPr lang="zh-CN" altLang="en-US" sz="1400">
+              <a:rPr lang="zh-CN" altLang="en-US" sz="1400" dirty="0">
                 <a:solidFill>
                   <a:srgbClr val="000000"/>
                 </a:solidFill>
@@ -33600,16 +33811,25 @@
           </a:p>
           <a:p>
             <a:r>
-              <a:rPr lang="en-US" altLang="zh-CN" sz="1400">
+              <a:rPr lang="en-US" altLang="zh-CN" sz="1400" dirty="0">
                 <a:solidFill>
                   <a:srgbClr val="000000"/>
                 </a:solidFill>
                 <a:sym typeface="Arial" panose="020B0604020202020204" pitchFamily="34" charset="0"/>
               </a:rPr>
-              <a:t>        editor.</a:t>
-            </a:r>
-            <a:r>
-              <a:rPr lang="en-US" altLang="zh-CN" sz="1400" b="1">
+              <a:t>        </a:t>
+            </a:r>
+            <a:r>
+              <a:rPr lang="en-US" altLang="zh-CN" sz="1400" dirty="0" err="1">
+                <a:solidFill>
+                  <a:srgbClr val="000000"/>
+                </a:solidFill>
+                <a:sym typeface="Arial" panose="020B0604020202020204" pitchFamily="34" charset="0"/>
+              </a:rPr>
+              <a:t>editor.</a:t>
+            </a:r>
+            <a:r>
+              <a:rPr lang="en-US" altLang="zh-CN" sz="1400" b="1" dirty="0" err="1">
                 <a:solidFill>
                   <a:srgbClr val="0070C0"/>
                 </a:solidFill>
@@ -33618,7 +33838,7 @@
               <a:t>putFloat</a:t>
             </a:r>
             <a:r>
-              <a:rPr lang="en-US" altLang="zh-CN" sz="1400">
+              <a:rPr lang="en-US" altLang="zh-CN" sz="1400" dirty="0">
                 <a:solidFill>
                   <a:srgbClr val="000000"/>
                 </a:solidFill>
@@ -33627,7 +33847,7 @@
               <a:t>("Float", 3.5f);  	// Float</a:t>
             </a:r>
             <a:r>
-              <a:rPr lang="zh-CN" altLang="en-US" sz="1400">
+              <a:rPr lang="zh-CN" altLang="en-US" sz="1400" dirty="0">
                 <a:solidFill>
                   <a:srgbClr val="000000"/>
                 </a:solidFill>
@@ -33637,7 +33857,7 @@
             </a:r>
           </a:p>
           <a:p>
-            <a:endParaRPr lang="zh-CN" altLang="en-US" sz="1400">
+            <a:endParaRPr lang="zh-CN" altLang="en-US" sz="1400" dirty="0">
               <a:solidFill>
                 <a:srgbClr val="000000"/>
               </a:solidFill>
@@ -33646,15 +33866,33 @@
           </a:p>
           <a:p>
             <a:r>
-              <a:rPr lang="en-US" altLang="zh-CN" sz="1400">
+              <a:rPr lang="en-US" altLang="zh-CN" sz="1400" dirty="0">
                 <a:solidFill>
                   <a:srgbClr val="000000"/>
                 </a:solidFill>
                 <a:sym typeface="Arial" panose="020B0604020202020204" pitchFamily="34" charset="0"/>
               </a:rPr>
-              <a:t>        editor.commit(); </a:t>
-            </a:r>
-            <a:endParaRPr lang="zh-CN" altLang="en-US" sz="1400">
+              <a:t>        </a:t>
+            </a:r>
+            <a:r>
+              <a:rPr lang="en-US" altLang="zh-CN" sz="1400" dirty="0" err="1">
+                <a:solidFill>
+                  <a:srgbClr val="000000"/>
+                </a:solidFill>
+                <a:sym typeface="Arial" panose="020B0604020202020204" pitchFamily="34" charset="0"/>
+              </a:rPr>
+              <a:t>editor.commit</a:t>
+            </a:r>
+            <a:r>
+              <a:rPr lang="en-US" altLang="zh-CN" sz="1400" dirty="0">
+                <a:solidFill>
+                  <a:srgbClr val="000000"/>
+                </a:solidFill>
+                <a:sym typeface="Arial" panose="020B0604020202020204" pitchFamily="34" charset="0"/>
+              </a:rPr>
+              <a:t>(); </a:t>
+            </a:r>
+            <a:endParaRPr lang="zh-CN" altLang="en-US" sz="1400" dirty="0">
               <a:solidFill>
                 <a:srgbClr val="000000"/>
               </a:solidFill>
@@ -33852,35 +34090,20 @@
         </p:nvSpPr>
         <p:spPr bwMode="auto">
           <a:xfrm>
-            <a:off x="147638" y="736600"/>
+            <a:off x="526697" y="1017587"/>
             <a:ext cx="7561262" cy="3108325"/>
           </a:xfrm>
           <a:prstGeom prst="rect">
             <a:avLst/>
           </a:prstGeom>
-          <a:noFill/>
+          <a:solidFill>
+            <a:schemeClr val="bg1">
+              <a:lumMod val="85000"/>
+            </a:schemeClr>
+          </a:solidFill>
           <a:ln>
             <a:noFill/>
           </a:ln>
-          <a:extLst>
-            <a:ext uri="{909E8E84-426E-40DD-AFC4-6F175D3DCCD1}">
-              <a14:hiddenFill xmlns:a14="http://schemas.microsoft.com/office/drawing/2010/main">
-                <a:solidFill>
-                  <a:srgbClr val="FFFFFF"/>
-                </a:solidFill>
-              </a14:hiddenFill>
-            </a:ext>
-            <a:ext uri="{91240B29-F687-4F45-9708-019B960494DF}">
-              <a14:hiddenLine xmlns:a14="http://schemas.microsoft.com/office/drawing/2010/main" w="9525">
-                <a:solidFill>
-                  <a:srgbClr val="000000"/>
-                </a:solidFill>
-                <a:miter lim="800000"/>
-                <a:headEnd/>
-                <a:tailEnd/>
-              </a14:hiddenLine>
-            </a:ext>
-          </a:extLst>
         </p:spPr>
         <p:txBody>
           <a:bodyPr>
@@ -33999,7 +34222,7 @@
           </a:lstStyle>
           <a:p>
             <a:r>
-              <a:rPr lang="zh-CN" altLang="en-US" sz="1400">
+              <a:rPr lang="zh-CN" altLang="en-US" sz="1400" dirty="0">
                 <a:solidFill>
                   <a:srgbClr val="000000"/>
                 </a:solidFill>
@@ -34008,7 +34231,7 @@
               <a:t>生成的</a:t>
             </a:r>
             <a:r>
-              <a:rPr lang="en-US" altLang="zh-CN" sz="1400">
+              <a:rPr lang="en-US" altLang="zh-CN" sz="1400" dirty="0" err="1">
                 <a:solidFill>
                   <a:srgbClr val="000000"/>
                 </a:solidFill>
@@ -34017,7 +34240,7 @@
               <a:t>SharedPreferences</a:t>
             </a:r>
             <a:r>
-              <a:rPr lang="zh-CN" altLang="en-US" sz="1400">
+              <a:rPr lang="zh-CN" altLang="en-US" sz="1400" dirty="0">
                 <a:solidFill>
                   <a:srgbClr val="000000"/>
                 </a:solidFill>
@@ -34026,7 +34249,7 @@
               <a:t>文件名为</a:t>
             </a:r>
             <a:r>
-              <a:rPr lang="en-US" altLang="zh-CN" sz="1400">
+              <a:rPr lang="en-US" altLang="zh-CN" sz="1400" dirty="0">
                 <a:solidFill>
                   <a:srgbClr val="000000"/>
                 </a:solidFill>
@@ -34035,7 +34258,7 @@
               <a:t>type.xml</a:t>
             </a:r>
             <a:r>
-              <a:rPr lang="zh-CN" altLang="en-US" sz="1400">
+              <a:rPr lang="zh-CN" altLang="en-US" sz="1400" dirty="0">
                 <a:solidFill>
                   <a:srgbClr val="000000"/>
                 </a:solidFill>
@@ -34044,7 +34267,7 @@
               <a:t>，保存在</a:t>
             </a:r>
             <a:r>
-              <a:rPr lang="zh-CN" altLang="en-US" sz="1400" b="1" u="sng">
+              <a:rPr lang="zh-CN" altLang="en-US" sz="1400" b="1" u="sng" dirty="0">
                 <a:solidFill>
                   <a:srgbClr val="0070C0"/>
                 </a:solidFill>
@@ -34053,7 +34276,7 @@
               <a:t>应用程序文件夹</a:t>
             </a:r>
             <a:r>
-              <a:rPr lang="zh-CN" altLang="en-US" sz="1400">
+              <a:rPr lang="zh-CN" altLang="en-US" sz="1400" dirty="0">
                 <a:solidFill>
                   <a:srgbClr val="000000"/>
                 </a:solidFill>
@@ -34062,7 +34285,7 @@
               <a:t>下的</a:t>
             </a:r>
             <a:r>
-              <a:rPr lang="zh-CN" altLang="en-US" sz="1400" b="1" u="sng">
+              <a:rPr lang="zh-CN" altLang="en-US" sz="1400" b="1" u="sng" dirty="0">
                 <a:solidFill>
                   <a:srgbClr val="0070C0"/>
                 </a:solidFill>
@@ -34071,7 +34294,7 @@
               <a:t>shared_prefs </a:t>
             </a:r>
             <a:r>
-              <a:rPr lang="zh-CN" altLang="en-US" sz="1400">
+              <a:rPr lang="zh-CN" altLang="en-US" sz="1400" dirty="0">
                 <a:solidFill>
                   <a:srgbClr val="000000"/>
                 </a:solidFill>
@@ -34081,7 +34304,7 @@
             </a:r>
           </a:p>
           <a:p>
-            <a:endParaRPr lang="zh-CN" altLang="en-US" sz="1400">
+            <a:endParaRPr lang="zh-CN" altLang="en-US" sz="1400" dirty="0">
               <a:solidFill>
                 <a:srgbClr val="000000"/>
               </a:solidFill>
@@ -34090,7 +34313,7 @@
           </a:p>
           <a:p>
             <a:r>
-              <a:rPr lang="zh-CN" altLang="en-US" sz="1400">
+              <a:rPr lang="zh-CN" altLang="en-US" sz="1400" dirty="0">
                 <a:solidFill>
                   <a:srgbClr val="000000"/>
                 </a:solidFill>
@@ -34099,7 +34322,7 @@
               <a:t>从</a:t>
             </a:r>
             <a:r>
-              <a:rPr lang="en-US" altLang="zh-CN" sz="1400">
+              <a:rPr lang="en-US" altLang="zh-CN" sz="1400" dirty="0">
                 <a:solidFill>
                   <a:srgbClr val="000000"/>
                 </a:solidFill>
@@ -34108,7 +34331,7 @@
               <a:t>type.xml</a:t>
             </a:r>
             <a:r>
-              <a:rPr lang="zh-CN" altLang="en-US" sz="1400">
+              <a:rPr lang="zh-CN" altLang="en-US" sz="1400" dirty="0">
                 <a:solidFill>
                   <a:srgbClr val="000000"/>
                 </a:solidFill>
@@ -34116,7 +34339,7 @@
               </a:rPr>
               <a:t>文件中可以看到这些存储数据的呈现方式如下：</a:t>
             </a:r>
-            <a:endParaRPr lang="en-US" altLang="zh-CN" sz="1400">
+            <a:endParaRPr lang="en-US" altLang="zh-CN" sz="1400" dirty="0">
               <a:solidFill>
                 <a:srgbClr val="000000"/>
               </a:solidFill>
@@ -34124,7 +34347,7 @@
             </a:endParaRPr>
           </a:p>
           <a:p>
-            <a:endParaRPr lang="zh-CN" altLang="en-US" sz="1400">
+            <a:endParaRPr lang="zh-CN" altLang="en-US" sz="1400" dirty="0">
               <a:solidFill>
                 <a:srgbClr val="000000"/>
               </a:solidFill>
@@ -34134,7 +34357,7 @@
           <a:p>
             <a:pPr lvl="1"/>
             <a:r>
-              <a:rPr lang="zh-CN" altLang="en-US" sz="1400">
+              <a:rPr lang="zh-CN" altLang="en-US" sz="1400" dirty="0">
                 <a:solidFill>
                   <a:srgbClr val="000000"/>
                 </a:solidFill>
@@ -34143,7 +34366,7 @@
               <a:t>案例：</a:t>
             </a:r>
             <a:r>
-              <a:rPr lang="en-US" altLang="zh-CN" sz="1400">
+              <a:rPr lang="en-US" altLang="zh-CN" sz="1400" dirty="0" err="1">
                 <a:solidFill>
                   <a:srgbClr val="000000"/>
                 </a:solidFill>
@@ -34152,7 +34375,7 @@
               <a:t>SharedPreferences</a:t>
             </a:r>
             <a:r>
-              <a:rPr lang="zh-CN" altLang="en-US" sz="1400">
+              <a:rPr lang="zh-CN" altLang="en-US" sz="1400" dirty="0">
                 <a:solidFill>
                   <a:srgbClr val="000000"/>
                 </a:solidFill>
@@ -34161,7 +34384,7 @@
               <a:t>数据类型结构</a:t>
             </a:r>
             <a:r>
-              <a:rPr lang="en-US" altLang="zh-CN" sz="1400">
+              <a:rPr lang="en-US" altLang="zh-CN" sz="1400" dirty="0">
                 <a:solidFill>
                   <a:srgbClr val="000000"/>
                 </a:solidFill>
@@ -34170,7 +34393,7 @@
               <a:t>——type.xml</a:t>
             </a:r>
             <a:r>
-              <a:rPr lang="zh-CN" altLang="en-US" sz="1400">
+              <a:rPr lang="zh-CN" altLang="en-US" sz="1400" dirty="0">
                 <a:solidFill>
                   <a:srgbClr val="000000"/>
                 </a:solidFill>
@@ -34181,7 +34404,7 @@
           </a:p>
           <a:p>
             <a:pPr lvl="1"/>
-            <a:endParaRPr lang="zh-CN" altLang="en-US" sz="1400">
+            <a:endParaRPr lang="zh-CN" altLang="en-US" sz="1400" dirty="0">
               <a:solidFill>
                 <a:srgbClr val="000000"/>
               </a:solidFill>
@@ -34191,7 +34414,7 @@
           <a:p>
             <a:pPr lvl="1"/>
             <a:r>
-              <a:rPr lang="en-US" altLang="zh-CN" sz="1400">
+              <a:rPr lang="en-US" altLang="zh-CN" sz="1400" dirty="0">
                 <a:solidFill>
                   <a:srgbClr val="000000"/>
                 </a:solidFill>
@@ -34199,7 +34422,7 @@
               </a:rPr>
               <a:t>&lt;?xml version='1.0' encoding='utf-8' standalone='yes' ?&gt;</a:t>
             </a:r>
-            <a:endParaRPr lang="zh-CN" altLang="en-US" sz="1400">
+            <a:endParaRPr lang="zh-CN" altLang="en-US" sz="1400" dirty="0">
               <a:solidFill>
                 <a:srgbClr val="000000"/>
               </a:solidFill>
@@ -34209,7 +34432,7 @@
           <a:p>
             <a:pPr lvl="1"/>
             <a:r>
-              <a:rPr lang="en-US" altLang="zh-CN" sz="1400">
+              <a:rPr lang="en-US" altLang="zh-CN" sz="1400" dirty="0">
                 <a:solidFill>
                   <a:srgbClr val="000000"/>
                 </a:solidFill>
@@ -34217,7 +34440,7 @@
               </a:rPr>
               <a:t>&lt;map&gt;</a:t>
             </a:r>
-            <a:endParaRPr lang="zh-CN" altLang="en-US" sz="1400">
+            <a:endParaRPr lang="zh-CN" altLang="en-US" sz="1400" dirty="0">
               <a:solidFill>
                 <a:srgbClr val="000000"/>
               </a:solidFill>
@@ -34227,7 +34450,7 @@
           <a:p>
             <a:pPr lvl="2"/>
             <a:r>
-              <a:rPr lang="en-US" altLang="zh-CN" sz="1400">
+              <a:rPr lang="en-US" altLang="zh-CN" sz="1400" dirty="0">
                 <a:solidFill>
                   <a:srgbClr val="000000"/>
                 </a:solidFill>
@@ -34235,7 +34458,7 @@
               </a:rPr>
               <a:t>&lt;float name="Float" value="3.5" /&gt;</a:t>
             </a:r>
-            <a:endParaRPr lang="zh-CN" altLang="en-US" sz="1400">
+            <a:endParaRPr lang="zh-CN" altLang="en-US" sz="1400" dirty="0">
               <a:solidFill>
                 <a:srgbClr val="000000"/>
               </a:solidFill>
@@ -34245,7 +34468,7 @@
           <a:p>
             <a:pPr lvl="2"/>
             <a:r>
-              <a:rPr lang="en-US" altLang="zh-CN" sz="1400">
+              <a:rPr lang="en-US" altLang="zh-CN" sz="1400" dirty="0">
                 <a:solidFill>
                   <a:srgbClr val="000000"/>
                 </a:solidFill>
@@ -34253,7 +34476,7 @@
               </a:rPr>
               <a:t>&lt;long name="Long" value="1000000" /&gt;</a:t>
             </a:r>
-            <a:endParaRPr lang="zh-CN" altLang="en-US" sz="1400">
+            <a:endParaRPr lang="zh-CN" altLang="en-US" sz="1400" dirty="0">
               <a:solidFill>
                 <a:srgbClr val="000000"/>
               </a:solidFill>
@@ -34263,15 +34486,51 @@
           <a:p>
             <a:pPr lvl="2"/>
             <a:r>
-              <a:rPr lang="en-US" altLang="zh-CN" sz="1400">
+              <a:rPr lang="en-US" altLang="zh-CN" sz="1400" dirty="0">
                 <a:solidFill>
                   <a:srgbClr val="000000"/>
                 </a:solidFill>
                 <a:sym typeface="Arial" panose="020B0604020202020204" pitchFamily="34" charset="0"/>
               </a:rPr>
-              <a:t>&lt;boolean name="boolean" value="true" /&gt;</a:t>
-            </a:r>
-            <a:endParaRPr lang="zh-CN" altLang="en-US" sz="1400">
+              <a:t>&lt;</a:t>
+            </a:r>
+            <a:r>
+              <a:rPr lang="en-US" altLang="zh-CN" sz="1400" dirty="0" err="1">
+                <a:solidFill>
+                  <a:srgbClr val="000000"/>
+                </a:solidFill>
+                <a:sym typeface="Arial" panose="020B0604020202020204" pitchFamily="34" charset="0"/>
+              </a:rPr>
+              <a:t>boolean</a:t>
+            </a:r>
+            <a:r>
+              <a:rPr lang="en-US" altLang="zh-CN" sz="1400" dirty="0">
+                <a:solidFill>
+                  <a:srgbClr val="000000"/>
+                </a:solidFill>
+                <a:sym typeface="Arial" panose="020B0604020202020204" pitchFamily="34" charset="0"/>
+              </a:rPr>
+              <a:t> name="</a:t>
+            </a:r>
+            <a:r>
+              <a:rPr lang="en-US" altLang="zh-CN" sz="1400" dirty="0" err="1">
+                <a:solidFill>
+                  <a:srgbClr val="000000"/>
+                </a:solidFill>
+                <a:sym typeface="Arial" panose="020B0604020202020204" pitchFamily="34" charset="0"/>
+              </a:rPr>
+              <a:t>boolean</a:t>
+            </a:r>
+            <a:r>
+              <a:rPr lang="en-US" altLang="zh-CN" sz="1400" dirty="0">
+                <a:solidFill>
+                  <a:srgbClr val="000000"/>
+                </a:solidFill>
+                <a:sym typeface="Arial" panose="020B0604020202020204" pitchFamily="34" charset="0"/>
+              </a:rPr>
+              <a:t>" value="true" /&gt;</a:t>
+            </a:r>
+            <a:endParaRPr lang="zh-CN" altLang="en-US" sz="1400" dirty="0">
               <a:solidFill>
                 <a:srgbClr val="000000"/>
               </a:solidFill>
@@ -34281,7 +34540,7 @@
           <a:p>
             <a:pPr lvl="2"/>
             <a:r>
-              <a:rPr lang="en-US" altLang="zh-CN" sz="1400">
+              <a:rPr lang="en-US" altLang="zh-CN" sz="1400" dirty="0">
                 <a:solidFill>
                   <a:srgbClr val="000000"/>
                 </a:solidFill>
@@ -34289,7 +34548,7 @@
               </a:rPr>
               <a:t>&lt;string name="String"&gt;words&lt;/string&gt;</a:t>
             </a:r>
-            <a:endParaRPr lang="zh-CN" altLang="en-US" sz="1400">
+            <a:endParaRPr lang="zh-CN" altLang="en-US" sz="1400" dirty="0">
               <a:solidFill>
                 <a:srgbClr val="000000"/>
               </a:solidFill>
@@ -34299,7 +34558,7 @@
           <a:p>
             <a:pPr lvl="2"/>
             <a:r>
-              <a:rPr lang="en-US" altLang="zh-CN" sz="1400">
+              <a:rPr lang="en-US" altLang="zh-CN" sz="1400" dirty="0">
                 <a:solidFill>
                   <a:srgbClr val="000000"/>
                 </a:solidFill>
@@ -34307,7 +34566,7 @@
               </a:rPr>
               <a:t>&lt;int name="Integer" value="1" /&gt;</a:t>
             </a:r>
-            <a:endParaRPr lang="zh-CN" altLang="en-US" sz="1400">
+            <a:endParaRPr lang="zh-CN" altLang="en-US" sz="1400" dirty="0">
               <a:solidFill>
                 <a:srgbClr val="000000"/>
               </a:solidFill>
@@ -34317,7 +34576,7 @@
           <a:p>
             <a:pPr lvl="1"/>
             <a:r>
-              <a:rPr lang="en-US" altLang="zh-CN" sz="1400">
+              <a:rPr lang="en-US" altLang="zh-CN" sz="1400" dirty="0">
                 <a:solidFill>
                   <a:srgbClr val="000000"/>
                 </a:solidFill>
@@ -34326,7 +34585,7 @@
               <a:t>&lt;/map&gt; </a:t>
             </a:r>
             <a:r>
-              <a:rPr lang="zh-CN" altLang="en-US" sz="1400">
+              <a:rPr lang="zh-CN" altLang="en-US" sz="1400" dirty="0">
                 <a:solidFill>
                   <a:srgbClr val="000000"/>
                 </a:solidFill>
@@ -34536,18 +34795,22 @@
           <a:lstStyle/>
           <a:p>
             <a:r>
-              <a:rPr lang="zh-CN" altLang="en-US"/>
+              <a:rPr lang="zh-CN" altLang="en-US" dirty="0"/>
               <a:t>在</a:t>
             </a:r>
             <a:r>
-              <a:rPr lang="en-US" altLang="zh-CN"/>
+              <a:rPr lang="en-US" altLang="zh-CN" dirty="0">
+                <a:highlight>
+                  <a:srgbClr val="FFFF00"/>
+                </a:highlight>
+              </a:rPr>
               <a:t>Device File Explorer</a:t>
             </a:r>
             <a:r>
-              <a:rPr lang="zh-CN" altLang="en-US"/>
+              <a:rPr lang="zh-CN" altLang="en-US" dirty="0"/>
               <a:t>查看</a:t>
             </a:r>
-            <a:endParaRPr lang="zh-CN" altLang="en-US" sz="1200" b="1">
+            <a:endParaRPr lang="zh-CN" altLang="en-US" sz="1200" b="1" dirty="0">
               <a:solidFill>
                 <a:srgbClr val="FF0000"/>
               </a:solidFill>

--- a/08.0 -- 数据存储 -- 第08章.pptx
+++ b/08.0 -- 数据存储 -- 第08章.pptx
@@ -350,7 +350,7 @@
               <a:pPr>
                 <a:defRPr/>
               </a:pPr>
-              <a:t>2020/11/30</a:t>
+              <a:t>2020/12/7</a:t>
             </a:fld>
             <a:endParaRPr lang="zh-CN" altLang="en-US" sz="1200"/>
           </a:p>
@@ -1086,7 +1086,7 @@
               <a:pPr algn="r">
                 <a:defRPr/>
               </a:pPr>
-              <a:t>2020/11/30</a:t>
+              <a:t>2020/12/7</a:t>
             </a:fld>
             <a:endParaRPr lang="zh-CN" altLang="en-US" sz="1200">
               <a:sym typeface="+mn-ea"/>
@@ -1426,7 +1426,7 @@
             <a:fld id="{C33D8BF3-04B1-4578-9944-A784348B543C}" type="datetimeFigureOut">
               <a:rPr lang="zh-CN" altLang="en-US"/>
               <a:pPr/>
-              <a:t>2020/11/30</a:t>
+              <a:t>2020/12/7</a:t>
             </a:fld>
             <a:endParaRPr lang="zh-CN" altLang="en-US"/>
           </a:p>
@@ -1625,7 +1625,7 @@
             <a:fld id="{C33D8BF3-04B1-4578-9944-A784348B543C}" type="datetimeFigureOut">
               <a:rPr lang="zh-CN" altLang="en-US"/>
               <a:pPr/>
-              <a:t>2020/11/30</a:t>
+              <a:t>2020/12/7</a:t>
             </a:fld>
             <a:endParaRPr lang="zh-CN" altLang="en-US"/>
           </a:p>
@@ -1774,7 +1774,7 @@
             <a:fld id="{C33D8BF3-04B1-4578-9944-A784348B543C}" type="datetimeFigureOut">
               <a:rPr lang="zh-CN" altLang="en-US"/>
               <a:pPr/>
-              <a:t>2020/11/30</a:t>
+              <a:t>2020/12/7</a:t>
             </a:fld>
             <a:endParaRPr lang="zh-CN" altLang="en-US"/>
           </a:p>
@@ -1923,7 +1923,7 @@
             <a:fld id="{C33D8BF3-04B1-4578-9944-A784348B543C}" type="datetimeFigureOut">
               <a:rPr lang="zh-CN" altLang="en-US"/>
               <a:pPr/>
-              <a:t>2020/11/30</a:t>
+              <a:t>2020/12/7</a:t>
             </a:fld>
             <a:endParaRPr lang="zh-CN" altLang="en-US"/>
           </a:p>
@@ -2125,7 +2125,7 @@
             <a:fld id="{C33D8BF3-04B1-4578-9944-A784348B543C}" type="datetimeFigureOut">
               <a:rPr lang="zh-CN" altLang="en-US"/>
               <a:pPr/>
-              <a:t>2020/11/30</a:t>
+              <a:t>2020/12/7</a:t>
             </a:fld>
             <a:endParaRPr lang="zh-CN" altLang="en-US"/>
           </a:p>
@@ -2514,7 +2514,7 @@
             <a:fld id="{C33D8BF3-04B1-4578-9944-A784348B543C}" type="datetimeFigureOut">
               <a:rPr lang="zh-CN" altLang="en-US"/>
               <a:pPr/>
-              <a:t>2020/11/30</a:t>
+              <a:t>2020/12/7</a:t>
             </a:fld>
             <a:endParaRPr lang="zh-CN" altLang="en-US"/>
           </a:p>
@@ -2782,7 +2782,7 @@
             <a:fld id="{C33D8BF3-04B1-4578-9944-A784348B543C}" type="datetimeFigureOut">
               <a:rPr lang="zh-CN" altLang="en-US"/>
               <a:pPr/>
-              <a:t>2020/11/30</a:t>
+              <a:t>2020/12/7</a:t>
             </a:fld>
             <a:endParaRPr lang="zh-CN" altLang="en-US"/>
           </a:p>
@@ -3185,7 +3185,7 @@
             <a:fld id="{C33D8BF3-04B1-4578-9944-A784348B543C}" type="datetimeFigureOut">
               <a:rPr lang="zh-CN" altLang="en-US"/>
               <a:pPr/>
-              <a:t>2020/11/30</a:t>
+              <a:t>2020/12/7</a:t>
             </a:fld>
             <a:endParaRPr lang="zh-CN" altLang="en-US"/>
           </a:p>
@@ -4674,7 +4674,7 @@
             <a:fld id="{C33D8BF3-04B1-4578-9944-A784348B543C}" type="datetimeFigureOut">
               <a:rPr lang="zh-CN" altLang="en-US"/>
               <a:pPr/>
-              <a:t>2020/11/30</a:t>
+              <a:t>2020/12/7</a:t>
             </a:fld>
             <a:endParaRPr lang="zh-CN" altLang="en-US"/>
           </a:p>
@@ -4801,7 +4801,7 @@
             <a:fld id="{C33D8BF3-04B1-4578-9944-A784348B543C}" type="datetimeFigureOut">
               <a:rPr lang="zh-CN" altLang="en-US"/>
               <a:pPr/>
-              <a:t>2020/11/30</a:t>
+              <a:t>2020/12/7</a:t>
             </a:fld>
             <a:endParaRPr lang="zh-CN" altLang="en-US"/>
           </a:p>
@@ -5017,7 +5017,7 @@
             <a:fld id="{C33D8BF3-04B1-4578-9944-A784348B543C}" type="datetimeFigureOut">
               <a:rPr lang="zh-CN" altLang="en-US"/>
               <a:pPr/>
-              <a:t>2020/11/30</a:t>
+              <a:t>2020/12/7</a:t>
             </a:fld>
             <a:endParaRPr lang="zh-CN" altLang="en-US"/>
           </a:p>
@@ -5239,7 +5239,7 @@
             <a:fld id="{C33D8BF3-04B1-4578-9944-A784348B543C}" type="datetimeFigureOut">
               <a:rPr lang="zh-CN" altLang="en-US"/>
               <a:pPr/>
-              <a:t>2020/11/30</a:t>
+              <a:t>2020/12/7</a:t>
             </a:fld>
             <a:endParaRPr lang="zh-CN" altLang="en-US"/>
           </a:p>
@@ -5649,7 +5649,7 @@
             <a:fld id="{C33D8BF3-04B1-4578-9944-A784348B543C}" type="datetimeFigureOut">
               <a:rPr lang="zh-CN" altLang="en-US"/>
               <a:pPr/>
-              <a:t>2020/11/30</a:t>
+              <a:t>2020/12/7</a:t>
             </a:fld>
             <a:endParaRPr lang="zh-CN" altLang="en-US"/>
           </a:p>
@@ -26804,13 +26804,17 @@
         </p:nvSpPr>
         <p:spPr>
           <a:xfrm>
-            <a:off x="971550" y="2571750"/>
-            <a:ext cx="8172450" cy="2149475"/>
+            <a:off x="668719" y="3641191"/>
+            <a:ext cx="8172450" cy="1285416"/>
           </a:xfrm>
           <a:prstGeom prst="rect">
             <a:avLst/>
           </a:prstGeom>
-          <a:noFill/>
+          <a:solidFill>
+            <a:schemeClr val="bg1">
+              <a:lumMod val="95000"/>
+            </a:schemeClr>
+          </a:solidFill>
           <a:ln w="9525">
             <a:noFill/>
           </a:ln>
@@ -26818,29 +26822,6 @@
         <p:txBody>
           <a:bodyPr/>
           <a:lstStyle/>
-          <a:p>
-            <a:pPr marL="342900" indent="-342900" eaLnBrk="0" hangingPunct="0">
-              <a:lnSpc>
-                <a:spcPct val="150000"/>
-              </a:lnSpc>
-              <a:spcBef>
-                <a:spcPct val="20000"/>
-              </a:spcBef>
-              <a:buClr>
-                <a:schemeClr val="hlink"/>
-              </a:buClr>
-              <a:buFont typeface="Wingdings" panose="05000000000000000000" pitchFamily="2" charset="2"/>
-              <a:buChar char="v"/>
-            </a:pPr>
-            <a:endParaRPr lang="zh-CN" altLang="en-US" sz="2000" b="1" noProof="1">
-              <a:solidFill>
-                <a:schemeClr val="bg2"/>
-              </a:solidFill>
-              <a:latin typeface="微软雅黑" panose="020B0503020204020204" pitchFamily="34" charset="-122"/>
-              <a:ea typeface="微软雅黑" panose="020B0503020204020204" pitchFamily="34" charset="-122"/>
-              <a:sym typeface="微软雅黑" panose="020B0503020204020204" pitchFamily="34" charset="-122"/>
-            </a:endParaRPr>
-          </a:p>
           <a:p>
             <a:pPr eaLnBrk="0" hangingPunct="0">
               <a:lnSpc>
@@ -26852,31 +26833,6 @@
               <a:buClr>
                 <a:schemeClr val="hlink"/>
               </a:buClr>
-              <a:buFont typeface="Wingdings" panose="05000000000000000000" pitchFamily="2" charset="2"/>
-              <a:buNone/>
-            </a:pPr>
-            <a:r>
-              <a:rPr lang="zh-CN" altLang="en-US" sz="1400" noProof="1">
-                <a:latin typeface="微软雅黑" panose="020B0503020204020204" pitchFamily="34" charset="-122"/>
-                <a:ea typeface="微软雅黑" panose="020B0503020204020204" pitchFamily="34" charset="-122"/>
-                <a:sym typeface="微软雅黑" panose="020B0503020204020204" pitchFamily="34" charset="-122"/>
-              </a:rPr>
-              <a:t>                       </a:t>
-            </a:r>
-          </a:p>
-          <a:p>
-            <a:pPr marL="342900" indent="-342900" eaLnBrk="0" hangingPunct="0">
-              <a:lnSpc>
-                <a:spcPct val="150000"/>
-              </a:lnSpc>
-              <a:spcBef>
-                <a:spcPct val="20000"/>
-              </a:spcBef>
-              <a:buClr>
-                <a:schemeClr val="hlink"/>
-              </a:buClr>
-              <a:buFont typeface="Wingdings" panose="05000000000000000000" pitchFamily="2" charset="2"/>
-              <a:buNone/>
             </a:pPr>
             <a:r>
               <a:rPr sz="1400" b="1" noProof="1">
